--- a/결과분석.pptx
+++ b/결과분석.pptx
@@ -22,6 +22,7 @@
     <p:sldId id="270" r:id="rId16"/>
     <p:sldId id="271" r:id="rId17"/>
     <p:sldId id="272" r:id="rId18"/>
+    <p:sldId id="273" r:id="rId19"/>
   </p:sldIdLst>
   <p:sldSz cx="21674138" cy="12192000"/>
   <p:notesSz cx="6858000" cy="9144000"/>
@@ -11121,7 +11122,7 @@
           <a:p>
             <a:fld id="{73F27A1E-E4D8-4627-AE39-A9A93925B403}" type="datetimeFigureOut">
               <a:rPr lang="ko-KR" altLang="en-US" smtClean="0"/>
-              <a:t>2021-06-15</a:t>
+              <a:t>2021-06-16</a:t>
             </a:fld>
             <a:endParaRPr lang="ko-KR" altLang="en-US"/>
           </a:p>
@@ -11291,7 +11292,7 @@
           <a:p>
             <a:fld id="{73F27A1E-E4D8-4627-AE39-A9A93925B403}" type="datetimeFigureOut">
               <a:rPr lang="ko-KR" altLang="en-US" smtClean="0"/>
-              <a:t>2021-06-15</a:t>
+              <a:t>2021-06-16</a:t>
             </a:fld>
             <a:endParaRPr lang="ko-KR" altLang="en-US"/>
           </a:p>
@@ -11471,7 +11472,7 @@
           <a:p>
             <a:fld id="{73F27A1E-E4D8-4627-AE39-A9A93925B403}" type="datetimeFigureOut">
               <a:rPr lang="ko-KR" altLang="en-US" smtClean="0"/>
-              <a:t>2021-06-15</a:t>
+              <a:t>2021-06-16</a:t>
             </a:fld>
             <a:endParaRPr lang="ko-KR" altLang="en-US"/>
           </a:p>
@@ -11641,7 +11642,7 @@
           <a:p>
             <a:fld id="{73F27A1E-E4D8-4627-AE39-A9A93925B403}" type="datetimeFigureOut">
               <a:rPr lang="ko-KR" altLang="en-US" smtClean="0"/>
-              <a:t>2021-06-15</a:t>
+              <a:t>2021-06-16</a:t>
             </a:fld>
             <a:endParaRPr lang="ko-KR" altLang="en-US"/>
           </a:p>
@@ -11887,7 +11888,7 @@
           <a:p>
             <a:fld id="{73F27A1E-E4D8-4627-AE39-A9A93925B403}" type="datetimeFigureOut">
               <a:rPr lang="ko-KR" altLang="en-US" smtClean="0"/>
-              <a:t>2021-06-15</a:t>
+              <a:t>2021-06-16</a:t>
             </a:fld>
             <a:endParaRPr lang="ko-KR" altLang="en-US"/>
           </a:p>
@@ -12119,7 +12120,7 @@
           <a:p>
             <a:fld id="{73F27A1E-E4D8-4627-AE39-A9A93925B403}" type="datetimeFigureOut">
               <a:rPr lang="ko-KR" altLang="en-US" smtClean="0"/>
-              <a:t>2021-06-15</a:t>
+              <a:t>2021-06-16</a:t>
             </a:fld>
             <a:endParaRPr lang="ko-KR" altLang="en-US"/>
           </a:p>
@@ -12486,7 +12487,7 @@
           <a:p>
             <a:fld id="{73F27A1E-E4D8-4627-AE39-A9A93925B403}" type="datetimeFigureOut">
               <a:rPr lang="ko-KR" altLang="en-US" smtClean="0"/>
-              <a:t>2021-06-15</a:t>
+              <a:t>2021-06-16</a:t>
             </a:fld>
             <a:endParaRPr lang="ko-KR" altLang="en-US"/>
           </a:p>
@@ -12604,7 +12605,7 @@
           <a:p>
             <a:fld id="{73F27A1E-E4D8-4627-AE39-A9A93925B403}" type="datetimeFigureOut">
               <a:rPr lang="ko-KR" altLang="en-US" smtClean="0"/>
-              <a:t>2021-06-15</a:t>
+              <a:t>2021-06-16</a:t>
             </a:fld>
             <a:endParaRPr lang="ko-KR" altLang="en-US"/>
           </a:p>
@@ -12699,7 +12700,7 @@
           <a:p>
             <a:fld id="{73F27A1E-E4D8-4627-AE39-A9A93925B403}" type="datetimeFigureOut">
               <a:rPr lang="ko-KR" altLang="en-US" smtClean="0"/>
-              <a:t>2021-06-15</a:t>
+              <a:t>2021-06-16</a:t>
             </a:fld>
             <a:endParaRPr lang="ko-KR" altLang="en-US"/>
           </a:p>
@@ -12976,7 +12977,7 @@
           <a:p>
             <a:fld id="{73F27A1E-E4D8-4627-AE39-A9A93925B403}" type="datetimeFigureOut">
               <a:rPr lang="ko-KR" altLang="en-US" smtClean="0"/>
-              <a:t>2021-06-15</a:t>
+              <a:t>2021-06-16</a:t>
             </a:fld>
             <a:endParaRPr lang="ko-KR" altLang="en-US"/>
           </a:p>
@@ -13233,7 +13234,7 @@
           <a:p>
             <a:fld id="{73F27A1E-E4D8-4627-AE39-A9A93925B403}" type="datetimeFigureOut">
               <a:rPr lang="ko-KR" altLang="en-US" smtClean="0"/>
-              <a:t>2021-06-15</a:t>
+              <a:t>2021-06-16</a:t>
             </a:fld>
             <a:endParaRPr lang="ko-KR" altLang="en-US"/>
           </a:p>
@@ -13446,7 +13447,7 @@
           <a:p>
             <a:fld id="{73F27A1E-E4D8-4627-AE39-A9A93925B403}" type="datetimeFigureOut">
               <a:rPr lang="ko-KR" altLang="en-US" smtClean="0"/>
-              <a:t>2021-06-15</a:t>
+              <a:t>2021-06-16</a:t>
             </a:fld>
             <a:endParaRPr lang="ko-KR" altLang="en-US"/>
           </a:p>
@@ -19141,6 +19142,289 @@
 </p:sld>
 </file>
 
+<file path=ppt/slides/slide18.xml><?xml version="1.0" encoding="utf-8"?>
+<p:sld xmlns:a="http://schemas.openxmlformats.org/drawingml/2006/main" xmlns:r="http://schemas.openxmlformats.org/officeDocument/2006/relationships" xmlns:p="http://schemas.openxmlformats.org/presentationml/2006/main">
+  <p:cSld>
+    <p:spTree>
+      <p:nvGrpSpPr>
+        <p:cNvPr id="1" name=""/>
+        <p:cNvGrpSpPr/>
+        <p:nvPr/>
+      </p:nvGrpSpPr>
+      <p:grpSpPr>
+        <a:xfrm>
+          <a:off x="0" y="0"/>
+          <a:ext cx="0" cy="0"/>
+          <a:chOff x="0" y="0"/>
+          <a:chExt cx="0" cy="0"/>
+        </a:xfrm>
+      </p:grpSpPr>
+      <p:grpSp>
+        <p:nvGrpSpPr>
+          <p:cNvPr id="15" name="그룹 14">
+            <a:extLst>
+              <a:ext uri="{FF2B5EF4-FFF2-40B4-BE49-F238E27FC236}">
+                <a16:creationId xmlns:a16="http://schemas.microsoft.com/office/drawing/2014/main" id="{8EBAE9FD-6632-453A-9F38-FEE47FA646FC}"/>
+              </a:ext>
+            </a:extLst>
+          </p:cNvPr>
+          <p:cNvGrpSpPr/>
+          <p:nvPr/>
+        </p:nvGrpSpPr>
+        <p:grpSpPr>
+          <a:xfrm>
+            <a:off x="525754" y="4253414"/>
+            <a:ext cx="15548435" cy="3158039"/>
+            <a:chOff x="1825165" y="1718761"/>
+            <a:chExt cx="17827664" cy="3228975"/>
+          </a:xfrm>
+        </p:grpSpPr>
+        <p:pic>
+          <p:nvPicPr>
+            <p:cNvPr id="10" name="그림 9">
+              <a:extLst>
+                <a:ext uri="{FF2B5EF4-FFF2-40B4-BE49-F238E27FC236}">
+                  <a16:creationId xmlns:a16="http://schemas.microsoft.com/office/drawing/2014/main" id="{A68CE964-D71F-4874-ABF0-CB8F1406EB38}"/>
+                </a:ext>
+              </a:extLst>
+            </p:cNvPr>
+            <p:cNvPicPr>
+              <a:picLocks noChangeAspect="1"/>
+            </p:cNvPicPr>
+            <p:nvPr/>
+          </p:nvPicPr>
+          <p:blipFill>
+            <a:blip r:embed="rId2"/>
+            <a:stretch>
+              <a:fillRect/>
+            </a:stretch>
+          </p:blipFill>
+          <p:spPr>
+            <a:xfrm>
+              <a:off x="1825165" y="1718761"/>
+              <a:ext cx="8334375" cy="3171825"/>
+            </a:xfrm>
+            <a:prstGeom prst="rect">
+              <a:avLst/>
+            </a:prstGeom>
+          </p:spPr>
+        </p:pic>
+        <p:pic>
+          <p:nvPicPr>
+            <p:cNvPr id="12" name="그림 11">
+              <a:extLst>
+                <a:ext uri="{FF2B5EF4-FFF2-40B4-BE49-F238E27FC236}">
+                  <a16:creationId xmlns:a16="http://schemas.microsoft.com/office/drawing/2014/main" id="{EF4CBAF6-C08B-4320-B171-634DB2628FE8}"/>
+                </a:ext>
+              </a:extLst>
+            </p:cNvPr>
+            <p:cNvPicPr>
+              <a:picLocks noChangeAspect="1"/>
+            </p:cNvPicPr>
+            <p:nvPr/>
+          </p:nvPicPr>
+          <p:blipFill>
+            <a:blip r:embed="rId3"/>
+            <a:stretch>
+              <a:fillRect/>
+            </a:stretch>
+          </p:blipFill>
+          <p:spPr>
+            <a:xfrm>
+              <a:off x="10696448" y="1718761"/>
+              <a:ext cx="8334375" cy="3228975"/>
+            </a:xfrm>
+            <a:prstGeom prst="rect">
+              <a:avLst/>
+            </a:prstGeom>
+          </p:spPr>
+        </p:pic>
+        <p:sp>
+          <p:nvSpPr>
+            <p:cNvPr id="13" name="화살표: 오른쪽 12">
+              <a:extLst>
+                <a:ext uri="{FF2B5EF4-FFF2-40B4-BE49-F238E27FC236}">
+                  <a16:creationId xmlns:a16="http://schemas.microsoft.com/office/drawing/2014/main" id="{8097C1E7-7B4B-42AE-8512-41BF1DF03736}"/>
+                </a:ext>
+              </a:extLst>
+            </p:cNvPr>
+            <p:cNvSpPr/>
+            <p:nvPr/>
+          </p:nvSpPr>
+          <p:spPr>
+            <a:xfrm>
+              <a:off x="10074442" y="3080084"/>
+              <a:ext cx="529389" cy="449179"/>
+            </a:xfrm>
+            <a:prstGeom prst="rightArrow">
+              <a:avLst/>
+            </a:prstGeom>
+            <a:solidFill>
+              <a:schemeClr val="tx1"/>
+            </a:solidFill>
+            <a:ln>
+              <a:solidFill>
+                <a:schemeClr val="tx1"/>
+              </a:solidFill>
+            </a:ln>
+          </p:spPr>
+          <p:style>
+            <a:lnRef idx="2">
+              <a:schemeClr val="accent1">
+                <a:shade val="50000"/>
+              </a:schemeClr>
+            </a:lnRef>
+            <a:fillRef idx="1">
+              <a:schemeClr val="accent1"/>
+            </a:fillRef>
+            <a:effectRef idx="0">
+              <a:schemeClr val="accent1"/>
+            </a:effectRef>
+            <a:fontRef idx="minor">
+              <a:schemeClr val="lt1"/>
+            </a:fontRef>
+          </p:style>
+          <p:txBody>
+            <a:bodyPr rtlCol="0" anchor="ctr"/>
+            <a:lstStyle/>
+            <a:p>
+              <a:pPr algn="ctr"/>
+              <a:endParaRPr lang="ko-KR" altLang="en-US"/>
+            </a:p>
+          </p:txBody>
+        </p:sp>
+        <p:sp>
+          <p:nvSpPr>
+            <p:cNvPr id="14" name="화살표: 오른쪽 13">
+              <a:extLst>
+                <a:ext uri="{FF2B5EF4-FFF2-40B4-BE49-F238E27FC236}">
+                  <a16:creationId xmlns:a16="http://schemas.microsoft.com/office/drawing/2014/main" id="{371CB795-AED6-4765-84B8-9A01DCD19E9E}"/>
+                </a:ext>
+              </a:extLst>
+            </p:cNvPr>
+            <p:cNvSpPr/>
+            <p:nvPr/>
+          </p:nvSpPr>
+          <p:spPr>
+            <a:xfrm>
+              <a:off x="19123440" y="3108658"/>
+              <a:ext cx="529389" cy="449179"/>
+            </a:xfrm>
+            <a:prstGeom prst="rightArrow">
+              <a:avLst/>
+            </a:prstGeom>
+            <a:solidFill>
+              <a:schemeClr val="tx1"/>
+            </a:solidFill>
+            <a:ln>
+              <a:solidFill>
+                <a:schemeClr val="tx1"/>
+              </a:solidFill>
+            </a:ln>
+          </p:spPr>
+          <p:style>
+            <a:lnRef idx="2">
+              <a:schemeClr val="accent1">
+                <a:shade val="50000"/>
+              </a:schemeClr>
+            </a:lnRef>
+            <a:fillRef idx="1">
+              <a:schemeClr val="accent1"/>
+            </a:fillRef>
+            <a:effectRef idx="0">
+              <a:schemeClr val="accent1"/>
+            </a:effectRef>
+            <a:fontRef idx="minor">
+              <a:schemeClr val="lt1"/>
+            </a:fontRef>
+          </p:style>
+          <p:txBody>
+            <a:bodyPr rtlCol="0" anchor="ctr"/>
+            <a:lstStyle/>
+            <a:p>
+              <a:pPr algn="ctr"/>
+              <a:endParaRPr lang="ko-KR" altLang="en-US"/>
+            </a:p>
+          </p:txBody>
+        </p:sp>
+      </p:grpSp>
+      <p:sp>
+        <p:nvSpPr>
+          <p:cNvPr id="16" name="직사각형 15">
+            <a:extLst>
+              <a:ext uri="{FF2B5EF4-FFF2-40B4-BE49-F238E27FC236}">
+                <a16:creationId xmlns:a16="http://schemas.microsoft.com/office/drawing/2014/main" id="{DB835CB4-34EC-413B-8694-12F0E65ACE08}"/>
+              </a:ext>
+            </a:extLst>
+          </p:cNvPr>
+          <p:cNvSpPr/>
+          <p:nvPr/>
+        </p:nvSpPr>
+        <p:spPr>
+          <a:xfrm>
+            <a:off x="16346905" y="5342021"/>
+            <a:ext cx="4668253" cy="1235242"/>
+          </a:xfrm>
+          <a:prstGeom prst="rect">
+            <a:avLst/>
+          </a:prstGeom>
+          <a:noFill/>
+          <a:ln w="38100">
+            <a:solidFill>
+              <a:schemeClr val="tx1"/>
+            </a:solidFill>
+          </a:ln>
+        </p:spPr>
+        <p:style>
+          <a:lnRef idx="2">
+            <a:schemeClr val="accent1">
+              <a:shade val="50000"/>
+            </a:schemeClr>
+          </a:lnRef>
+          <a:fillRef idx="1">
+            <a:schemeClr val="accent1"/>
+          </a:fillRef>
+          <a:effectRef idx="0">
+            <a:schemeClr val="accent1"/>
+          </a:effectRef>
+          <a:fontRef idx="minor">
+            <a:schemeClr val="lt1"/>
+          </a:fontRef>
+        </p:style>
+        <p:txBody>
+          <a:bodyPr rtlCol="0" anchor="ctr"/>
+          <a:lstStyle/>
+          <a:p>
+            <a:pPr algn="ctr"/>
+            <a:r>
+              <a:rPr lang="en-US" altLang="ko-KR" sz="3200" b="1" dirty="0">
+                <a:solidFill>
+                  <a:schemeClr val="tx1"/>
+                </a:solidFill>
+              </a:rPr>
+              <a:t>HRV Feature Extraction</a:t>
+            </a:r>
+            <a:endParaRPr lang="ko-KR" altLang="en-US" sz="3200" b="1" dirty="0">
+              <a:solidFill>
+                <a:schemeClr val="tx1"/>
+              </a:solidFill>
+            </a:endParaRPr>
+          </a:p>
+        </p:txBody>
+      </p:sp>
+    </p:spTree>
+    <p:extLst>
+      <p:ext uri="{BB962C8B-B14F-4D97-AF65-F5344CB8AC3E}">
+        <p14:creationId xmlns:p14="http://schemas.microsoft.com/office/powerpoint/2010/main" val="3275031176"/>
+      </p:ext>
+    </p:extLst>
+  </p:cSld>
+  <p:clrMapOvr>
+    <a:masterClrMapping/>
+  </p:clrMapOvr>
+</p:sld>
+</file>
+
 <file path=ppt/slides/slide2.xml><?xml version="1.0" encoding="utf-8"?>
 <p:sld xmlns:a="http://schemas.openxmlformats.org/drawingml/2006/main" xmlns:r="http://schemas.openxmlformats.org/officeDocument/2006/relationships" xmlns:p="http://schemas.openxmlformats.org/presentationml/2006/main">
   <p:cSld>

--- a/결과분석.pptx
+++ b/결과분석.pptx
@@ -12,17 +12,18 @@
     <p:sldId id="265" r:id="rId6"/>
     <p:sldId id="260" r:id="rId7"/>
     <p:sldId id="261" r:id="rId8"/>
-    <p:sldId id="266" r:id="rId9"/>
-    <p:sldId id="267" r:id="rId10"/>
-    <p:sldId id="268" r:id="rId11"/>
-    <p:sldId id="269" r:id="rId12"/>
-    <p:sldId id="262" r:id="rId13"/>
-    <p:sldId id="263" r:id="rId14"/>
-    <p:sldId id="264" r:id="rId15"/>
-    <p:sldId id="270" r:id="rId16"/>
-    <p:sldId id="271" r:id="rId17"/>
-    <p:sldId id="272" r:id="rId18"/>
-    <p:sldId id="273" r:id="rId19"/>
+    <p:sldId id="275" r:id="rId9"/>
+    <p:sldId id="266" r:id="rId10"/>
+    <p:sldId id="267" r:id="rId11"/>
+    <p:sldId id="268" r:id="rId12"/>
+    <p:sldId id="269" r:id="rId13"/>
+    <p:sldId id="262" r:id="rId14"/>
+    <p:sldId id="263" r:id="rId15"/>
+    <p:sldId id="264" r:id="rId16"/>
+    <p:sldId id="270" r:id="rId17"/>
+    <p:sldId id="271" r:id="rId18"/>
+    <p:sldId id="272" r:id="rId19"/>
+    <p:sldId id="273" r:id="rId20"/>
   </p:sldIdLst>
   <p:sldSz cx="21674138" cy="12192000"/>
   <p:notesSz cx="6858000" cy="9144000"/>
@@ -127,6 +128,18 @@
     </p:ext>
   </p:extLst>
 </p:presentation>
+</file>
+
+<file path=ppt/commentAuthors.xml><?xml version="1.0" encoding="utf-8"?>
+<p:cmAuthorLst xmlns:a="http://schemas.openxmlformats.org/drawingml/2006/main" xmlns:r="http://schemas.openxmlformats.org/officeDocument/2006/relationships" xmlns:p="http://schemas.openxmlformats.org/presentationml/2006/main">
+  <p:cmAuthor id="1" name="유수경" initials="유" lastIdx="2" clrIdx="0">
+    <p:extLst>
+      <p:ext uri="{19B8F6BF-5375-455C-9EA6-DF929625EA0E}">
+        <p15:presenceInfo xmlns:p15="http://schemas.microsoft.com/office/powerpoint/2012/main" userId="유수경" providerId="None"/>
+      </p:ext>
+    </p:extLst>
+  </p:cmAuthor>
+</p:cmAuthorLst>
 </file>
 
 <file path=ppt/charts/chart1.xml><?xml version="1.0" encoding="utf-8"?>
@@ -11122,7 +11135,7 @@
           <a:p>
             <a:fld id="{73F27A1E-E4D8-4627-AE39-A9A93925B403}" type="datetimeFigureOut">
               <a:rPr lang="ko-KR" altLang="en-US" smtClean="0"/>
-              <a:t>2021-06-16</a:t>
+              <a:t>2021-07-21</a:t>
             </a:fld>
             <a:endParaRPr lang="ko-KR" altLang="en-US"/>
           </a:p>
@@ -11292,7 +11305,7 @@
           <a:p>
             <a:fld id="{73F27A1E-E4D8-4627-AE39-A9A93925B403}" type="datetimeFigureOut">
               <a:rPr lang="ko-KR" altLang="en-US" smtClean="0"/>
-              <a:t>2021-06-16</a:t>
+              <a:t>2021-07-21</a:t>
             </a:fld>
             <a:endParaRPr lang="ko-KR" altLang="en-US"/>
           </a:p>
@@ -11472,7 +11485,7 @@
           <a:p>
             <a:fld id="{73F27A1E-E4D8-4627-AE39-A9A93925B403}" type="datetimeFigureOut">
               <a:rPr lang="ko-KR" altLang="en-US" smtClean="0"/>
-              <a:t>2021-06-16</a:t>
+              <a:t>2021-07-21</a:t>
             </a:fld>
             <a:endParaRPr lang="ko-KR" altLang="en-US"/>
           </a:p>
@@ -11642,7 +11655,7 @@
           <a:p>
             <a:fld id="{73F27A1E-E4D8-4627-AE39-A9A93925B403}" type="datetimeFigureOut">
               <a:rPr lang="ko-KR" altLang="en-US" smtClean="0"/>
-              <a:t>2021-06-16</a:t>
+              <a:t>2021-07-21</a:t>
             </a:fld>
             <a:endParaRPr lang="ko-KR" altLang="en-US"/>
           </a:p>
@@ -11888,7 +11901,7 @@
           <a:p>
             <a:fld id="{73F27A1E-E4D8-4627-AE39-A9A93925B403}" type="datetimeFigureOut">
               <a:rPr lang="ko-KR" altLang="en-US" smtClean="0"/>
-              <a:t>2021-06-16</a:t>
+              <a:t>2021-07-21</a:t>
             </a:fld>
             <a:endParaRPr lang="ko-KR" altLang="en-US"/>
           </a:p>
@@ -12120,7 +12133,7 @@
           <a:p>
             <a:fld id="{73F27A1E-E4D8-4627-AE39-A9A93925B403}" type="datetimeFigureOut">
               <a:rPr lang="ko-KR" altLang="en-US" smtClean="0"/>
-              <a:t>2021-06-16</a:t>
+              <a:t>2021-07-21</a:t>
             </a:fld>
             <a:endParaRPr lang="ko-KR" altLang="en-US"/>
           </a:p>
@@ -12487,7 +12500,7 @@
           <a:p>
             <a:fld id="{73F27A1E-E4D8-4627-AE39-A9A93925B403}" type="datetimeFigureOut">
               <a:rPr lang="ko-KR" altLang="en-US" smtClean="0"/>
-              <a:t>2021-06-16</a:t>
+              <a:t>2021-07-21</a:t>
             </a:fld>
             <a:endParaRPr lang="ko-KR" altLang="en-US"/>
           </a:p>
@@ -12605,7 +12618,7 @@
           <a:p>
             <a:fld id="{73F27A1E-E4D8-4627-AE39-A9A93925B403}" type="datetimeFigureOut">
               <a:rPr lang="ko-KR" altLang="en-US" smtClean="0"/>
-              <a:t>2021-06-16</a:t>
+              <a:t>2021-07-21</a:t>
             </a:fld>
             <a:endParaRPr lang="ko-KR" altLang="en-US"/>
           </a:p>
@@ -12700,7 +12713,7 @@
           <a:p>
             <a:fld id="{73F27A1E-E4D8-4627-AE39-A9A93925B403}" type="datetimeFigureOut">
               <a:rPr lang="ko-KR" altLang="en-US" smtClean="0"/>
-              <a:t>2021-06-16</a:t>
+              <a:t>2021-07-21</a:t>
             </a:fld>
             <a:endParaRPr lang="ko-KR" altLang="en-US"/>
           </a:p>
@@ -12977,7 +12990,7 @@
           <a:p>
             <a:fld id="{73F27A1E-E4D8-4627-AE39-A9A93925B403}" type="datetimeFigureOut">
               <a:rPr lang="ko-KR" altLang="en-US" smtClean="0"/>
-              <a:t>2021-06-16</a:t>
+              <a:t>2021-07-21</a:t>
             </a:fld>
             <a:endParaRPr lang="ko-KR" altLang="en-US"/>
           </a:p>
@@ -13234,7 +13247,7 @@
           <a:p>
             <a:fld id="{73F27A1E-E4D8-4627-AE39-A9A93925B403}" type="datetimeFigureOut">
               <a:rPr lang="ko-KR" altLang="en-US" smtClean="0"/>
-              <a:t>2021-06-16</a:t>
+              <a:t>2021-07-21</a:t>
             </a:fld>
             <a:endParaRPr lang="ko-KR" altLang="en-US"/>
           </a:p>
@@ -13447,7 +13460,7 @@
           <a:p>
             <a:fld id="{73F27A1E-E4D8-4627-AE39-A9A93925B403}" type="datetimeFigureOut">
               <a:rPr lang="ko-KR" altLang="en-US" smtClean="0"/>
-              <a:t>2021-06-16</a:t>
+              <a:t>2021-07-21</a:t>
             </a:fld>
             <a:endParaRPr lang="ko-KR" altLang="en-US"/>
           </a:p>
@@ -14018,10 +14031,10 @@
       </p:grpSpPr>
       <p:pic>
         <p:nvPicPr>
-          <p:cNvPr id="28" name="그림 27">
+          <p:cNvPr id="11" name="그림 10">
             <a:extLst>
               <a:ext uri="{FF2B5EF4-FFF2-40B4-BE49-F238E27FC236}">
-                <a16:creationId xmlns:a16="http://schemas.microsoft.com/office/drawing/2014/main" id="{045EE545-D1A7-4E2F-8AB1-407CF40B0800}"/>
+                <a16:creationId xmlns:a16="http://schemas.microsoft.com/office/drawing/2014/main" id="{78F1A346-9599-4F95-9C95-F7437CC44821}"/>
               </a:ext>
             </a:extLst>
           </p:cNvPr>
@@ -14030,82 +14043,51 @@
           </p:cNvPicPr>
           <p:nvPr/>
         </p:nvPicPr>
-        <p:blipFill>
+        <p:blipFill rotWithShape="1">
           <a:blip r:embed="rId2"/>
-          <a:stretch>
-            <a:fillRect/>
-          </a:stretch>
+          <a:srcRect r="1107" b="1778"/>
+          <a:stretch/>
         </p:blipFill>
         <p:spPr>
           <a:xfrm>
-            <a:off x="11124007" y="8644810"/>
-            <a:ext cx="3091214" cy="1856875"/>
+            <a:off x="8725694" y="1227138"/>
+            <a:ext cx="4222750" cy="2509228"/>
           </a:xfrm>
           <a:prstGeom prst="rect">
             <a:avLst/>
           </a:prstGeom>
         </p:spPr>
       </p:pic>
-      <p:pic>
-        <p:nvPicPr>
-          <p:cNvPr id="7" name="그림 6">
-            <a:extLst>
-              <a:ext uri="{FF2B5EF4-FFF2-40B4-BE49-F238E27FC236}">
-                <a16:creationId xmlns:a16="http://schemas.microsoft.com/office/drawing/2014/main" id="{E4034E23-D830-4934-8D76-AD76BD0D368D}"/>
-              </a:ext>
-            </a:extLst>
-          </p:cNvPr>
-          <p:cNvPicPr>
-            <a:picLocks noChangeAspect="1"/>
-          </p:cNvPicPr>
-          <p:nvPr/>
-        </p:nvPicPr>
-        <p:blipFill>
-          <a:blip r:embed="rId3"/>
-          <a:stretch>
-            <a:fillRect/>
-          </a:stretch>
-        </p:blipFill>
-        <p:spPr>
-          <a:xfrm>
-            <a:off x="11076891" y="2000983"/>
-            <a:ext cx="3054411" cy="1803912"/>
-          </a:xfrm>
-          <a:prstGeom prst="rect">
-            <a:avLst/>
-          </a:prstGeom>
-        </p:spPr>
-      </p:pic>
-      <p:pic>
-        <p:nvPicPr>
-          <p:cNvPr id="9" name="그림 8">
-            <a:extLst>
-              <a:ext uri="{FF2B5EF4-FFF2-40B4-BE49-F238E27FC236}">
-                <a16:creationId xmlns:a16="http://schemas.microsoft.com/office/drawing/2014/main" id="{5FE5A7DD-8BA5-4433-B05D-2117208B4997}"/>
-              </a:ext>
-            </a:extLst>
-          </p:cNvPr>
-          <p:cNvPicPr>
-            <a:picLocks noChangeAspect="1"/>
-          </p:cNvPicPr>
-          <p:nvPr/>
-        </p:nvPicPr>
-        <p:blipFill>
-          <a:blip r:embed="rId4"/>
-          <a:stretch>
-            <a:fillRect/>
-          </a:stretch>
-        </p:blipFill>
-        <p:spPr>
-          <a:xfrm>
-            <a:off x="7910028" y="1990127"/>
-            <a:ext cx="3059733" cy="1835840"/>
-          </a:xfrm>
-          <a:prstGeom prst="rect">
-            <a:avLst/>
-          </a:prstGeom>
-        </p:spPr>
-      </p:pic>
+    </p:spTree>
+    <p:extLst>
+      <p:ext uri="{BB962C8B-B14F-4D97-AF65-F5344CB8AC3E}">
+        <p14:creationId xmlns:p14="http://schemas.microsoft.com/office/powerpoint/2010/main" val="342393410"/>
+      </p:ext>
+    </p:extLst>
+  </p:cSld>
+  <p:clrMapOvr>
+    <a:masterClrMapping/>
+  </p:clrMapOvr>
+</p:sld>
+</file>
+
+<file path=ppt/slides/slide11.xml><?xml version="1.0" encoding="utf-8"?>
+<p:sld xmlns:a="http://schemas.openxmlformats.org/drawingml/2006/main" xmlns:r="http://schemas.openxmlformats.org/officeDocument/2006/relationships" xmlns:p="http://schemas.openxmlformats.org/presentationml/2006/main">
+  <p:cSld>
+    <p:spTree>
+      <p:nvGrpSpPr>
+        <p:cNvPr id="1" name=""/>
+        <p:cNvGrpSpPr/>
+        <p:nvPr/>
+      </p:nvGrpSpPr>
+      <p:grpSpPr>
+        <a:xfrm>
+          <a:off x="0" y="0"/>
+          <a:ext cx="0" cy="0"/>
+          <a:chOff x="0" y="0"/>
+          <a:chExt cx="0" cy="0"/>
+        </a:xfrm>
+      </p:grpSpPr>
       <p:sp>
         <p:nvSpPr>
           <p:cNvPr id="10" name="TextBox 9">
@@ -14120,7 +14102,7 @@
         </p:nvSpPr>
         <p:spPr>
           <a:xfrm>
-            <a:off x="7553631" y="2633445"/>
+            <a:off x="7521547" y="2425929"/>
             <a:ext cx="447413" cy="276999"/>
           </a:xfrm>
           <a:prstGeom prst="rect">
@@ -14142,66 +14124,6 @@
           </a:p>
         </p:txBody>
       </p:sp>
-      <p:pic>
-        <p:nvPicPr>
-          <p:cNvPr id="12" name="그림 11">
-            <a:extLst>
-              <a:ext uri="{FF2B5EF4-FFF2-40B4-BE49-F238E27FC236}">
-                <a16:creationId xmlns:a16="http://schemas.microsoft.com/office/drawing/2014/main" id="{1BA03840-5079-4D0A-B777-BD0837E215AC}"/>
-              </a:ext>
-            </a:extLst>
-          </p:cNvPr>
-          <p:cNvPicPr>
-            <a:picLocks noChangeAspect="1"/>
-          </p:cNvPicPr>
-          <p:nvPr/>
-        </p:nvPicPr>
-        <p:blipFill>
-          <a:blip r:embed="rId5"/>
-          <a:stretch>
-            <a:fillRect/>
-          </a:stretch>
-        </p:blipFill>
-        <p:spPr>
-          <a:xfrm>
-            <a:off x="11076890" y="4370136"/>
-            <a:ext cx="3025936" cy="1803821"/>
-          </a:xfrm>
-          <a:prstGeom prst="rect">
-            <a:avLst/>
-          </a:prstGeom>
-        </p:spPr>
-      </p:pic>
-      <p:pic>
-        <p:nvPicPr>
-          <p:cNvPr id="14" name="그림 13">
-            <a:extLst>
-              <a:ext uri="{FF2B5EF4-FFF2-40B4-BE49-F238E27FC236}">
-                <a16:creationId xmlns:a16="http://schemas.microsoft.com/office/drawing/2014/main" id="{993BE491-2225-48AA-A633-EA73383E22D8}"/>
-              </a:ext>
-            </a:extLst>
-          </p:cNvPr>
-          <p:cNvPicPr>
-            <a:picLocks noChangeAspect="1"/>
-          </p:cNvPicPr>
-          <p:nvPr/>
-        </p:nvPicPr>
-        <p:blipFill>
-          <a:blip r:embed="rId6"/>
-          <a:stretch>
-            <a:fillRect/>
-          </a:stretch>
-        </p:blipFill>
-        <p:spPr>
-          <a:xfrm>
-            <a:off x="7938502" y="4375244"/>
-            <a:ext cx="3031272" cy="1835841"/>
-          </a:xfrm>
-          <a:prstGeom prst="rect">
-            <a:avLst/>
-          </a:prstGeom>
-        </p:spPr>
-      </p:pic>
       <p:sp>
         <p:nvSpPr>
           <p:cNvPr id="16" name="TextBox 15">
@@ -14216,7 +14138,7 @@
         </p:nvSpPr>
         <p:spPr>
           <a:xfrm>
-            <a:off x="7553632" y="5000199"/>
+            <a:off x="7521545" y="4684907"/>
             <a:ext cx="447413" cy="276999"/>
           </a:xfrm>
           <a:prstGeom prst="rect">
@@ -14238,66 +14160,6 @@
           </a:p>
         </p:txBody>
       </p:sp>
-      <p:pic>
-        <p:nvPicPr>
-          <p:cNvPr id="18" name="그림 17">
-            <a:extLst>
-              <a:ext uri="{FF2B5EF4-FFF2-40B4-BE49-F238E27FC236}">
-                <a16:creationId xmlns:a16="http://schemas.microsoft.com/office/drawing/2014/main" id="{7144A792-B207-4943-84E4-D4FE912CF6C7}"/>
-              </a:ext>
-            </a:extLst>
-          </p:cNvPr>
-          <p:cNvPicPr>
-            <a:picLocks noChangeAspect="1"/>
-          </p:cNvPicPr>
-          <p:nvPr/>
-        </p:nvPicPr>
-        <p:blipFill>
-          <a:blip r:embed="rId7"/>
-          <a:stretch>
-            <a:fillRect/>
-          </a:stretch>
-        </p:blipFill>
-        <p:spPr>
-          <a:xfrm>
-            <a:off x="11071566" y="6391932"/>
-            <a:ext cx="3143656" cy="1856874"/>
-          </a:xfrm>
-          <a:prstGeom prst="rect">
-            <a:avLst/>
-          </a:prstGeom>
-        </p:spPr>
-      </p:pic>
-      <p:pic>
-        <p:nvPicPr>
-          <p:cNvPr id="20" name="그림 19">
-            <a:extLst>
-              <a:ext uri="{FF2B5EF4-FFF2-40B4-BE49-F238E27FC236}">
-                <a16:creationId xmlns:a16="http://schemas.microsoft.com/office/drawing/2014/main" id="{66171F29-954E-47FC-BA75-CB7B578A966D}"/>
-              </a:ext>
-            </a:extLst>
-          </p:cNvPr>
-          <p:cNvPicPr>
-            <a:picLocks noChangeAspect="1"/>
-          </p:cNvPicPr>
-          <p:nvPr/>
-        </p:nvPicPr>
-        <p:blipFill>
-          <a:blip r:embed="rId8"/>
-          <a:stretch>
-            <a:fillRect/>
-          </a:stretch>
-        </p:blipFill>
-        <p:spPr>
-          <a:xfrm>
-            <a:off x="7910026" y="6381076"/>
-            <a:ext cx="3165374" cy="1862304"/>
-          </a:xfrm>
-          <a:prstGeom prst="rect">
-            <a:avLst/>
-          </a:prstGeom>
-        </p:spPr>
-      </p:pic>
       <p:sp>
         <p:nvSpPr>
           <p:cNvPr id="21" name="TextBox 20">
@@ -14312,7 +14174,7 @@
         </p:nvSpPr>
         <p:spPr>
           <a:xfrm>
-            <a:off x="7553631" y="7032514"/>
+            <a:off x="7521547" y="6824998"/>
             <a:ext cx="447413" cy="276999"/>
           </a:xfrm>
           <a:prstGeom prst="rect">
@@ -14348,7 +14210,7 @@
         </p:nvSpPr>
         <p:spPr>
           <a:xfrm>
-            <a:off x="7553629" y="9264321"/>
+            <a:off x="7521545" y="9056805"/>
             <a:ext cx="447413" cy="276999"/>
           </a:xfrm>
           <a:prstGeom prst="rect">
@@ -14370,36 +14232,6 @@
           </a:p>
         </p:txBody>
       </p:sp>
-      <p:pic>
-        <p:nvPicPr>
-          <p:cNvPr id="25" name="그림 24">
-            <a:extLst>
-              <a:ext uri="{FF2B5EF4-FFF2-40B4-BE49-F238E27FC236}">
-                <a16:creationId xmlns:a16="http://schemas.microsoft.com/office/drawing/2014/main" id="{ECEEA6D3-F446-4AE5-AF8C-186B28AE611C}"/>
-              </a:ext>
-            </a:extLst>
-          </p:cNvPr>
-          <p:cNvPicPr>
-            <a:picLocks noChangeAspect="1"/>
-          </p:cNvPicPr>
-          <p:nvPr/>
-        </p:nvPicPr>
-        <p:blipFill>
-          <a:blip r:embed="rId9"/>
-          <a:stretch>
-            <a:fillRect/>
-          </a:stretch>
-        </p:blipFill>
-        <p:spPr>
-          <a:xfrm>
-            <a:off x="7910029" y="8639381"/>
-            <a:ext cx="3123865" cy="1862304"/>
-          </a:xfrm>
-          <a:prstGeom prst="rect">
-            <a:avLst/>
-          </a:prstGeom>
-        </p:spPr>
-      </p:pic>
       <p:sp>
         <p:nvSpPr>
           <p:cNvPr id="29" name="TextBox 28">
@@ -14414,7 +14246,7 @@
         </p:nvSpPr>
         <p:spPr>
           <a:xfrm>
-            <a:off x="9438428" y="10521490"/>
+            <a:off x="9314904" y="10290546"/>
             <a:ext cx="674624" cy="276999"/>
           </a:xfrm>
           <a:prstGeom prst="rect">
@@ -14450,7 +14282,7 @@
         </p:nvSpPr>
         <p:spPr>
           <a:xfrm>
-            <a:off x="12589858" y="10498062"/>
+            <a:off x="12557774" y="10290546"/>
             <a:ext cx="674624" cy="276999"/>
           </a:xfrm>
           <a:prstGeom prst="rect">
@@ -14472,6 +14304,318 @@
           </a:p>
         </p:txBody>
       </p:sp>
+      <p:pic>
+        <p:nvPicPr>
+          <p:cNvPr id="4" name="그림 3">
+            <a:extLst>
+              <a:ext uri="{FF2B5EF4-FFF2-40B4-BE49-F238E27FC236}">
+                <a16:creationId xmlns:a16="http://schemas.microsoft.com/office/drawing/2014/main" id="{6167C5D3-93C4-46D5-B9C9-5716778D7017}"/>
+              </a:ext>
+            </a:extLst>
+          </p:cNvPr>
+          <p:cNvPicPr>
+            <a:picLocks noChangeAspect="1"/>
+          </p:cNvPicPr>
+          <p:nvPr/>
+        </p:nvPicPr>
+        <p:blipFill>
+          <a:blip r:embed="rId2"/>
+          <a:stretch>
+            <a:fillRect/>
+          </a:stretch>
+        </p:blipFill>
+        <p:spPr>
+          <a:xfrm>
+            <a:off x="7889478" y="1937737"/>
+            <a:ext cx="3473039" cy="1906566"/>
+          </a:xfrm>
+          <a:prstGeom prst="rect">
+            <a:avLst/>
+          </a:prstGeom>
+        </p:spPr>
+      </p:pic>
+      <p:pic>
+        <p:nvPicPr>
+          <p:cNvPr id="7" name="그림 6">
+            <a:extLst>
+              <a:ext uri="{FF2B5EF4-FFF2-40B4-BE49-F238E27FC236}">
+                <a16:creationId xmlns:a16="http://schemas.microsoft.com/office/drawing/2014/main" id="{E163E659-8A50-40D8-9D58-190E08A1883E}"/>
+              </a:ext>
+            </a:extLst>
+          </p:cNvPr>
+          <p:cNvPicPr>
+            <a:picLocks noChangeAspect="1"/>
+          </p:cNvPicPr>
+          <p:nvPr/>
+        </p:nvPicPr>
+        <p:blipFill>
+          <a:blip r:embed="rId3"/>
+          <a:stretch>
+            <a:fillRect/>
+          </a:stretch>
+        </p:blipFill>
+        <p:spPr>
+          <a:xfrm>
+            <a:off x="11180357" y="1947378"/>
+            <a:ext cx="3327661" cy="1906566"/>
+          </a:xfrm>
+          <a:prstGeom prst="rect">
+            <a:avLst/>
+          </a:prstGeom>
+        </p:spPr>
+      </p:pic>
+      <p:pic>
+        <p:nvPicPr>
+          <p:cNvPr id="11" name="그림 10">
+            <a:extLst>
+              <a:ext uri="{FF2B5EF4-FFF2-40B4-BE49-F238E27FC236}">
+                <a16:creationId xmlns:a16="http://schemas.microsoft.com/office/drawing/2014/main" id="{501C9A77-5592-4AE2-92C5-EE0E08211FA2}"/>
+              </a:ext>
+            </a:extLst>
+          </p:cNvPr>
+          <p:cNvPicPr>
+            <a:picLocks noChangeAspect="1"/>
+          </p:cNvPicPr>
+          <p:nvPr/>
+        </p:nvPicPr>
+        <p:blipFill>
+          <a:blip r:embed="rId4"/>
+          <a:stretch>
+            <a:fillRect/>
+          </a:stretch>
+        </p:blipFill>
+        <p:spPr>
+          <a:xfrm>
+            <a:off x="7929413" y="4127824"/>
+            <a:ext cx="3392737" cy="2071671"/>
+          </a:xfrm>
+          <a:prstGeom prst="rect">
+            <a:avLst/>
+          </a:prstGeom>
+        </p:spPr>
+      </p:pic>
+      <p:pic>
+        <p:nvPicPr>
+          <p:cNvPr id="13" name="그림 12">
+            <a:extLst>
+              <a:ext uri="{FF2B5EF4-FFF2-40B4-BE49-F238E27FC236}">
+                <a16:creationId xmlns:a16="http://schemas.microsoft.com/office/drawing/2014/main" id="{AAB83D41-68ED-4270-85BC-18D3DE5C9C56}"/>
+              </a:ext>
+            </a:extLst>
+          </p:cNvPr>
+          <p:cNvPicPr>
+            <a:picLocks noChangeAspect="1"/>
+          </p:cNvPicPr>
+          <p:nvPr/>
+        </p:nvPicPr>
+        <p:blipFill>
+          <a:blip r:embed="rId5"/>
+          <a:stretch>
+            <a:fillRect/>
+          </a:stretch>
+        </p:blipFill>
+        <p:spPr>
+          <a:xfrm>
+            <a:off x="11180357" y="4132361"/>
+            <a:ext cx="3315845" cy="1963639"/>
+          </a:xfrm>
+          <a:prstGeom prst="rect">
+            <a:avLst/>
+          </a:prstGeom>
+        </p:spPr>
+      </p:pic>
+      <p:pic>
+        <p:nvPicPr>
+          <p:cNvPr id="18" name="그림 17">
+            <a:extLst>
+              <a:ext uri="{FF2B5EF4-FFF2-40B4-BE49-F238E27FC236}">
+                <a16:creationId xmlns:a16="http://schemas.microsoft.com/office/drawing/2014/main" id="{CA856907-B3B8-4BE3-BD9B-3065D1C83870}"/>
+              </a:ext>
+            </a:extLst>
+          </p:cNvPr>
+          <p:cNvPicPr>
+            <a:picLocks noChangeAspect="1"/>
+          </p:cNvPicPr>
+          <p:nvPr/>
+        </p:nvPicPr>
+        <p:blipFill>
+          <a:blip r:embed="rId6"/>
+          <a:stretch>
+            <a:fillRect/>
+          </a:stretch>
+        </p:blipFill>
+        <p:spPr>
+          <a:xfrm>
+            <a:off x="7964344" y="6347033"/>
+            <a:ext cx="3263181" cy="2071671"/>
+          </a:xfrm>
+          <a:prstGeom prst="rect">
+            <a:avLst/>
+          </a:prstGeom>
+        </p:spPr>
+      </p:pic>
+      <p:pic>
+        <p:nvPicPr>
+          <p:cNvPr id="23" name="그림 22">
+            <a:extLst>
+              <a:ext uri="{FF2B5EF4-FFF2-40B4-BE49-F238E27FC236}">
+                <a16:creationId xmlns:a16="http://schemas.microsoft.com/office/drawing/2014/main" id="{55060285-FC97-484F-9792-22D425181FA5}"/>
+              </a:ext>
+            </a:extLst>
+          </p:cNvPr>
+          <p:cNvPicPr>
+            <a:picLocks noChangeAspect="1"/>
+          </p:cNvPicPr>
+          <p:nvPr/>
+        </p:nvPicPr>
+        <p:blipFill>
+          <a:blip r:embed="rId7"/>
+          <a:stretch>
+            <a:fillRect/>
+          </a:stretch>
+        </p:blipFill>
+        <p:spPr>
+          <a:xfrm>
+            <a:off x="11180358" y="6334062"/>
+            <a:ext cx="3240881" cy="2094569"/>
+          </a:xfrm>
+          <a:prstGeom prst="rect">
+            <a:avLst/>
+          </a:prstGeom>
+        </p:spPr>
+      </p:pic>
+      <p:pic>
+        <p:nvPicPr>
+          <p:cNvPr id="27" name="그림 26">
+            <a:extLst>
+              <a:ext uri="{FF2B5EF4-FFF2-40B4-BE49-F238E27FC236}">
+                <a16:creationId xmlns:a16="http://schemas.microsoft.com/office/drawing/2014/main" id="{5F143389-350C-406F-8FB1-8264AEA2EDDF}"/>
+              </a:ext>
+            </a:extLst>
+          </p:cNvPr>
+          <p:cNvPicPr>
+            <a:picLocks noChangeAspect="1"/>
+          </p:cNvPicPr>
+          <p:nvPr/>
+        </p:nvPicPr>
+        <p:blipFill>
+          <a:blip r:embed="rId8"/>
+          <a:stretch>
+            <a:fillRect/>
+          </a:stretch>
+        </p:blipFill>
+        <p:spPr>
+          <a:xfrm>
+            <a:off x="7888049" y="8441602"/>
+            <a:ext cx="3434101" cy="2176633"/>
+          </a:xfrm>
+          <a:prstGeom prst="rect">
+            <a:avLst/>
+          </a:prstGeom>
+        </p:spPr>
+      </p:pic>
+      <p:pic>
+        <p:nvPicPr>
+          <p:cNvPr id="31" name="그림 30">
+            <a:extLst>
+              <a:ext uri="{FF2B5EF4-FFF2-40B4-BE49-F238E27FC236}">
+                <a16:creationId xmlns:a16="http://schemas.microsoft.com/office/drawing/2014/main" id="{3AEE48FD-7E72-49B6-AD5C-25C2FAB416D5}"/>
+              </a:ext>
+            </a:extLst>
+          </p:cNvPr>
+          <p:cNvPicPr>
+            <a:picLocks noChangeAspect="1"/>
+          </p:cNvPicPr>
+          <p:nvPr/>
+        </p:nvPicPr>
+        <p:blipFill>
+          <a:blip r:embed="rId9"/>
+          <a:stretch>
+            <a:fillRect/>
+          </a:stretch>
+        </p:blipFill>
+        <p:spPr>
+          <a:xfrm>
+            <a:off x="11149188" y="8454574"/>
+            <a:ext cx="3279382" cy="2112972"/>
+          </a:xfrm>
+          <a:prstGeom prst="rect">
+            <a:avLst/>
+          </a:prstGeom>
+        </p:spPr>
+      </p:pic>
+      <p:sp>
+        <p:nvSpPr>
+          <p:cNvPr id="17" name="TextBox 16">
+            <a:extLst>
+              <a:ext uri="{FF2B5EF4-FFF2-40B4-BE49-F238E27FC236}">
+                <a16:creationId xmlns:a16="http://schemas.microsoft.com/office/drawing/2014/main" id="{14355AEF-F749-4FDA-A39F-56A5C4360EE4}"/>
+              </a:ext>
+            </a:extLst>
+          </p:cNvPr>
+          <p:cNvSpPr txBox="1"/>
+          <p:nvPr/>
+        </p:nvSpPr>
+        <p:spPr>
+          <a:xfrm>
+            <a:off x="9514527" y="10648705"/>
+            <a:ext cx="661025" cy="307777"/>
+          </a:xfrm>
+          <a:prstGeom prst="rect">
+            <a:avLst/>
+          </a:prstGeom>
+          <a:noFill/>
+        </p:spPr>
+        <p:txBody>
+          <a:bodyPr wrap="square" rtlCol="0">
+            <a:spAutoFit/>
+          </a:bodyPr>
+          <a:lstStyle/>
+          <a:p>
+            <a:r>
+              <a:rPr lang="en-US" altLang="ko-KR" sz="1400" b="1" dirty="0"/>
+              <a:t>(a)</a:t>
+            </a:r>
+            <a:endParaRPr lang="ko-KR" altLang="en-US" sz="1400" b="1" dirty="0"/>
+          </a:p>
+        </p:txBody>
+      </p:sp>
+      <p:sp>
+        <p:nvSpPr>
+          <p:cNvPr id="19" name="TextBox 18">
+            <a:extLst>
+              <a:ext uri="{FF2B5EF4-FFF2-40B4-BE49-F238E27FC236}">
+                <a16:creationId xmlns:a16="http://schemas.microsoft.com/office/drawing/2014/main" id="{AB70665C-1DFA-445F-A1B1-C269E4DD8554}"/>
+              </a:ext>
+            </a:extLst>
+          </p:cNvPr>
+          <p:cNvSpPr txBox="1"/>
+          <p:nvPr/>
+        </p:nvSpPr>
+        <p:spPr>
+          <a:xfrm>
+            <a:off x="12666990" y="10648705"/>
+            <a:ext cx="661025" cy="307777"/>
+          </a:xfrm>
+          <a:prstGeom prst="rect">
+            <a:avLst/>
+          </a:prstGeom>
+          <a:noFill/>
+        </p:spPr>
+        <p:txBody>
+          <a:bodyPr wrap="square" rtlCol="0">
+            <a:spAutoFit/>
+          </a:bodyPr>
+          <a:lstStyle/>
+          <a:p>
+            <a:r>
+              <a:rPr lang="en-US" altLang="ko-KR" sz="1400" b="1" dirty="0"/>
+              <a:t>(b)</a:t>
+            </a:r>
+            <a:endParaRPr lang="ko-KR" altLang="en-US" sz="1400" b="1" dirty="0"/>
+          </a:p>
+        </p:txBody>
+      </p:sp>
     </p:spTree>
     <p:extLst>
       <p:ext uri="{BB962C8B-B14F-4D97-AF65-F5344CB8AC3E}">
@@ -14485,7 +14629,7 @@
 </p:sld>
 </file>
 
-<file path=ppt/slides/slide11.xml><?xml version="1.0" encoding="utf-8"?>
+<file path=ppt/slides/slide12.xml><?xml version="1.0" encoding="utf-8"?>
 <p:sld xmlns:a="http://schemas.openxmlformats.org/drawingml/2006/main" xmlns:r="http://schemas.openxmlformats.org/officeDocument/2006/relationships" xmlns:p="http://schemas.openxmlformats.org/presentationml/2006/main">
   <p:cSld>
     <p:spTree>
@@ -14904,7 +15048,7 @@
 </p:sld>
 </file>
 
-<file path=ppt/slides/slide12.xml><?xml version="1.0" encoding="utf-8"?>
+<file path=ppt/slides/slide13.xml><?xml version="1.0" encoding="utf-8"?>
 <p:sld xmlns:a="http://schemas.openxmlformats.org/drawingml/2006/main" xmlns:r="http://schemas.openxmlformats.org/officeDocument/2006/relationships" xmlns:p="http://schemas.openxmlformats.org/presentationml/2006/main">
   <p:cSld>
     <p:spTree>
@@ -14975,42 +15119,6 @@
             <a:r>
               <a:rPr lang="en-US" altLang="ko-KR" dirty="0" err="1"/>
               <a:t>discusstion</a:t>
-            </a:r>
-            <a:endParaRPr lang="ko-KR" altLang="en-US" dirty="0"/>
-          </a:p>
-        </p:txBody>
-      </p:sp>
-      <p:sp>
-        <p:nvSpPr>
-          <p:cNvPr id="3" name="내용 개체 틀 2">
-            <a:extLst>
-              <a:ext uri="{FF2B5EF4-FFF2-40B4-BE49-F238E27FC236}">
-                <a16:creationId xmlns:a16="http://schemas.microsoft.com/office/drawing/2014/main" id="{C1C8B92C-1789-4564-8242-3EEF6B91120D}"/>
-              </a:ext>
-            </a:extLst>
-          </p:cNvPr>
-          <p:cNvSpPr>
-            <a:spLocks noGrp="1"/>
-          </p:cNvSpPr>
-          <p:nvPr>
-            <p:ph idx="1"/>
-          </p:nvPr>
-        </p:nvSpPr>
-        <p:spPr>
-          <a:xfrm>
-            <a:off x="1489869" y="3245559"/>
-            <a:ext cx="18694400" cy="738757"/>
-          </a:xfrm>
-        </p:spPr>
-        <p:txBody>
-          <a:bodyPr>
-            <a:normAutofit lnSpcReduction="10000"/>
-          </a:bodyPr>
-          <a:lstStyle/>
-          <a:p>
-            <a:r>
-              <a:rPr lang="en-US" altLang="ko-KR" dirty="0"/>
-              <a:t>4_0</a:t>
             </a:r>
             <a:endParaRPr lang="ko-KR" altLang="en-US" dirty="0"/>
           </a:p>
@@ -15211,6 +15319,114 @@
           </a:p>
         </p:txBody>
       </p:sp>
+      <p:sp>
+        <p:nvSpPr>
+          <p:cNvPr id="9" name="TextBox 8">
+            <a:extLst>
+              <a:ext uri="{FF2B5EF4-FFF2-40B4-BE49-F238E27FC236}">
+                <a16:creationId xmlns:a16="http://schemas.microsoft.com/office/drawing/2014/main" id="{8137E42E-0E46-46C7-8C9A-D4410BB3A396}"/>
+              </a:ext>
+            </a:extLst>
+          </p:cNvPr>
+          <p:cNvSpPr txBox="1"/>
+          <p:nvPr/>
+        </p:nvSpPr>
+        <p:spPr>
+          <a:xfrm>
+            <a:off x="10660318" y="4851272"/>
+            <a:ext cx="1174745" cy="523220"/>
+          </a:xfrm>
+          <a:prstGeom prst="rect">
+            <a:avLst/>
+          </a:prstGeom>
+          <a:noFill/>
+        </p:spPr>
+        <p:txBody>
+          <a:bodyPr wrap="square" rtlCol="0">
+            <a:spAutoFit/>
+          </a:bodyPr>
+          <a:lstStyle/>
+          <a:p>
+            <a:r>
+              <a:rPr lang="en-US" altLang="ko-KR" sz="2800" b="1" dirty="0"/>
+              <a:t>(1)</a:t>
+            </a:r>
+            <a:endParaRPr lang="ko-KR" altLang="en-US" sz="2800" b="1" dirty="0"/>
+          </a:p>
+        </p:txBody>
+      </p:sp>
+      <p:sp>
+        <p:nvSpPr>
+          <p:cNvPr id="10" name="TextBox 9">
+            <a:extLst>
+              <a:ext uri="{FF2B5EF4-FFF2-40B4-BE49-F238E27FC236}">
+                <a16:creationId xmlns:a16="http://schemas.microsoft.com/office/drawing/2014/main" id="{2C5DEB4E-4FE7-4292-93AF-5742F774138E}"/>
+              </a:ext>
+            </a:extLst>
+          </p:cNvPr>
+          <p:cNvSpPr txBox="1"/>
+          <p:nvPr/>
+        </p:nvSpPr>
+        <p:spPr>
+          <a:xfrm>
+            <a:off x="12391261" y="4481918"/>
+            <a:ext cx="1174745" cy="523220"/>
+          </a:xfrm>
+          <a:prstGeom prst="rect">
+            <a:avLst/>
+          </a:prstGeom>
+          <a:noFill/>
+        </p:spPr>
+        <p:txBody>
+          <a:bodyPr wrap="square" rtlCol="0">
+            <a:spAutoFit/>
+          </a:bodyPr>
+          <a:lstStyle/>
+          <a:p>
+            <a:r>
+              <a:rPr lang="en-US" altLang="ko-KR" sz="2800" b="1" dirty="0"/>
+              <a:t>(2)</a:t>
+            </a:r>
+            <a:endParaRPr lang="ko-KR" altLang="en-US" sz="2800" b="1" dirty="0"/>
+          </a:p>
+        </p:txBody>
+      </p:sp>
+      <p:sp>
+        <p:nvSpPr>
+          <p:cNvPr id="11" name="TextBox 10">
+            <a:extLst>
+              <a:ext uri="{FF2B5EF4-FFF2-40B4-BE49-F238E27FC236}">
+                <a16:creationId xmlns:a16="http://schemas.microsoft.com/office/drawing/2014/main" id="{18891D55-7341-476F-8C11-3EDA665603B3}"/>
+              </a:ext>
+            </a:extLst>
+          </p:cNvPr>
+          <p:cNvSpPr txBox="1"/>
+          <p:nvPr/>
+        </p:nvSpPr>
+        <p:spPr>
+          <a:xfrm>
+            <a:off x="15705996" y="4483052"/>
+            <a:ext cx="1174745" cy="523220"/>
+          </a:xfrm>
+          <a:prstGeom prst="rect">
+            <a:avLst/>
+          </a:prstGeom>
+          <a:noFill/>
+        </p:spPr>
+        <p:txBody>
+          <a:bodyPr wrap="square" rtlCol="0">
+            <a:spAutoFit/>
+          </a:bodyPr>
+          <a:lstStyle/>
+          <a:p>
+            <a:r>
+              <a:rPr lang="en-US" altLang="ko-KR" sz="2800" b="1" dirty="0"/>
+              <a:t>(3)</a:t>
+            </a:r>
+            <a:endParaRPr lang="ko-KR" altLang="en-US" sz="2800" b="1" dirty="0"/>
+          </a:p>
+        </p:txBody>
+      </p:sp>
     </p:spTree>
     <p:extLst>
       <p:ext uri="{BB962C8B-B14F-4D97-AF65-F5344CB8AC3E}">
@@ -15224,7 +15440,7 @@
 </p:sld>
 </file>
 
-<file path=ppt/slides/slide13.xml><?xml version="1.0" encoding="utf-8"?>
+<file path=ppt/slides/slide14.xml><?xml version="1.0" encoding="utf-8"?>
 <p:sld xmlns:a="http://schemas.openxmlformats.org/drawingml/2006/main" xmlns:r="http://schemas.openxmlformats.org/officeDocument/2006/relationships" xmlns:p="http://schemas.openxmlformats.org/presentationml/2006/main">
   <p:cSld>
     <p:spTree>
@@ -16128,7 +16344,7 @@
 </p:sld>
 </file>
 
-<file path=ppt/slides/slide14.xml><?xml version="1.0" encoding="utf-8"?>
+<file path=ppt/slides/slide15.xml><?xml version="1.0" encoding="utf-8"?>
 <p:sld xmlns:a="http://schemas.openxmlformats.org/drawingml/2006/main" xmlns:r="http://schemas.openxmlformats.org/officeDocument/2006/relationships" xmlns:p="http://schemas.openxmlformats.org/presentationml/2006/main">
   <p:cSld>
     <p:spTree>
@@ -16823,7 +17039,7 @@
 </p:sld>
 </file>
 
-<file path=ppt/slides/slide15.xml><?xml version="1.0" encoding="utf-8"?>
+<file path=ppt/slides/slide16.xml><?xml version="1.0" encoding="utf-8"?>
 <p:sld xmlns:a="http://schemas.openxmlformats.org/drawingml/2006/main" xmlns:r="http://schemas.openxmlformats.org/officeDocument/2006/relationships" xmlns:p="http://schemas.openxmlformats.org/presentationml/2006/main">
   <p:cSld>
     <p:spTree>
@@ -17413,7 +17629,7 @@
 </p:sld>
 </file>
 
-<file path=ppt/slides/slide16.xml><?xml version="1.0" encoding="utf-8"?>
+<file path=ppt/slides/slide17.xml><?xml version="1.0" encoding="utf-8"?>
 <p:sld xmlns:a="http://schemas.openxmlformats.org/drawingml/2006/main" xmlns:r="http://schemas.openxmlformats.org/officeDocument/2006/relationships" xmlns:p="http://schemas.openxmlformats.org/presentationml/2006/main">
   <p:cSld>
     <p:spTree>
@@ -17432,10 +17648,10 @@
       </p:grpSpPr>
       <p:grpSp>
         <p:nvGrpSpPr>
-          <p:cNvPr id="100" name="그룹 99">
+          <p:cNvPr id="2" name="그룹 1">
             <a:extLst>
               <a:ext uri="{FF2B5EF4-FFF2-40B4-BE49-F238E27FC236}">
-                <a16:creationId xmlns:a16="http://schemas.microsoft.com/office/drawing/2014/main" id="{B61A1E2A-26A5-4370-ACE0-B90C3AAEC4BC}"/>
+                <a16:creationId xmlns:a16="http://schemas.microsoft.com/office/drawing/2014/main" id="{A4025EB1-5BA0-4598-A796-1D214012A9CC}"/>
               </a:ext>
             </a:extLst>
           </p:cNvPr>
@@ -17446,430 +17662,388 @@
           <a:xfrm>
             <a:off x="1428522" y="514291"/>
             <a:ext cx="19155214" cy="11153219"/>
-            <a:chOff x="1291362" y="552566"/>
+            <a:chOff x="1428522" y="514291"/>
             <a:chExt cx="19155214" cy="11153219"/>
           </a:xfrm>
         </p:grpSpPr>
-        <p:grpSp>
-          <p:nvGrpSpPr>
-            <p:cNvPr id="99" name="그룹 98">
+        <p:pic>
+          <p:nvPicPr>
+            <p:cNvPr id="80" name="그림 79">
               <a:extLst>
                 <a:ext uri="{FF2B5EF4-FFF2-40B4-BE49-F238E27FC236}">
-                  <a16:creationId xmlns:a16="http://schemas.microsoft.com/office/drawing/2014/main" id="{5A844C51-43F4-49E2-8DBD-26A094132931}"/>
+                  <a16:creationId xmlns:a16="http://schemas.microsoft.com/office/drawing/2014/main" id="{A573AB59-E3FE-4DAC-9F13-AC59F6A9F0B4}"/>
                 </a:ext>
               </a:extLst>
             </p:cNvPr>
-            <p:cNvGrpSpPr/>
+            <p:cNvPicPr>
+              <a:picLocks noChangeAspect="1"/>
+            </p:cNvPicPr>
             <p:nvPr/>
-          </p:nvGrpSpPr>
-          <p:grpSpPr>
+          </p:nvPicPr>
+          <p:blipFill>
+            <a:blip r:embed="rId2"/>
+            <a:stretch>
+              <a:fillRect/>
+            </a:stretch>
+          </p:blipFill>
+          <p:spPr>
             <a:xfrm>
-              <a:off x="1913308" y="552566"/>
+              <a:off x="2050468" y="514291"/>
               <a:ext cx="9220200" cy="3467100"/>
-              <a:chOff x="1913308" y="552566"/>
-              <a:chExt cx="9220200" cy="3467100"/>
             </a:xfrm>
-          </p:grpSpPr>
-          <p:pic>
-            <p:nvPicPr>
-              <p:cNvPr id="80" name="그림 79">
-                <a:extLst>
-                  <a:ext uri="{FF2B5EF4-FFF2-40B4-BE49-F238E27FC236}">
-                    <a16:creationId xmlns:a16="http://schemas.microsoft.com/office/drawing/2014/main" id="{A573AB59-E3FE-4DAC-9F13-AC59F6A9F0B4}"/>
-                  </a:ext>
-                </a:extLst>
-              </p:cNvPr>
-              <p:cNvPicPr>
-                <a:picLocks noChangeAspect="1"/>
-              </p:cNvPicPr>
-              <p:nvPr/>
-            </p:nvPicPr>
-            <p:blipFill>
-              <a:blip r:embed="rId2"/>
-              <a:stretch>
-                <a:fillRect/>
-              </a:stretch>
-            </p:blipFill>
-            <p:spPr>
-              <a:xfrm>
-                <a:off x="1913308" y="552566"/>
-                <a:ext cx="9220200" cy="3467100"/>
-              </a:xfrm>
-              <a:prstGeom prst="rect">
-                <a:avLst/>
-              </a:prstGeom>
-            </p:spPr>
-          </p:pic>
-          <p:sp>
-            <p:nvSpPr>
-              <p:cNvPr id="48" name="직사각형 47">
-                <a:extLst>
-                  <a:ext uri="{FF2B5EF4-FFF2-40B4-BE49-F238E27FC236}">
-                    <a16:creationId xmlns:a16="http://schemas.microsoft.com/office/drawing/2014/main" id="{39B750CC-942E-49CA-8815-273F4CDB8265}"/>
-                  </a:ext>
-                </a:extLst>
-              </p:cNvPr>
-              <p:cNvSpPr/>
-              <p:nvPr/>
-            </p:nvSpPr>
-            <p:spPr>
-              <a:xfrm>
-                <a:off x="3677510" y="1139935"/>
-                <a:ext cx="1042738" cy="2417144"/>
-              </a:xfrm>
-              <a:prstGeom prst="rect">
-                <a:avLst/>
-              </a:prstGeom>
-              <a:noFill/>
-              <a:ln w="28575">
-                <a:solidFill>
-                  <a:schemeClr val="tx1"/>
-                </a:solidFill>
-                <a:prstDash val="sysDot"/>
-              </a:ln>
-            </p:spPr>
-            <p:style>
-              <a:lnRef idx="2">
-                <a:schemeClr val="accent1">
-                  <a:shade val="50000"/>
-                </a:schemeClr>
-              </a:lnRef>
-              <a:fillRef idx="1">
-                <a:schemeClr val="accent1"/>
-              </a:fillRef>
-              <a:effectRef idx="0">
-                <a:schemeClr val="accent1"/>
-              </a:effectRef>
-              <a:fontRef idx="minor">
-                <a:schemeClr val="lt1"/>
-              </a:fontRef>
-            </p:style>
-            <p:txBody>
-              <a:bodyPr rtlCol="0" anchor="ctr"/>
-              <a:lstStyle/>
-              <a:p>
-                <a:pPr algn="ctr"/>
-                <a:endParaRPr lang="ko-KR" altLang="en-US"/>
-              </a:p>
-            </p:txBody>
-          </p:sp>
-          <p:sp>
-            <p:nvSpPr>
-              <p:cNvPr id="49" name="직사각형 48">
-                <a:extLst>
-                  <a:ext uri="{FF2B5EF4-FFF2-40B4-BE49-F238E27FC236}">
-                    <a16:creationId xmlns:a16="http://schemas.microsoft.com/office/drawing/2014/main" id="{3248E775-68F5-4C4C-97CA-BE04C76FE6BF}"/>
-                  </a:ext>
-                </a:extLst>
-              </p:cNvPr>
-              <p:cNvSpPr/>
-              <p:nvPr/>
-            </p:nvSpPr>
-            <p:spPr>
-              <a:xfrm>
-                <a:off x="6343294" y="1109455"/>
-                <a:ext cx="1042738" cy="2417144"/>
-              </a:xfrm>
-              <a:prstGeom prst="rect">
-                <a:avLst/>
-              </a:prstGeom>
-              <a:noFill/>
-              <a:ln w="28575">
-                <a:solidFill>
-                  <a:schemeClr val="tx1"/>
-                </a:solidFill>
-                <a:prstDash val="sysDot"/>
-              </a:ln>
-            </p:spPr>
-            <p:style>
-              <a:lnRef idx="2">
-                <a:schemeClr val="accent1">
-                  <a:shade val="50000"/>
-                </a:schemeClr>
-              </a:lnRef>
-              <a:fillRef idx="1">
-                <a:schemeClr val="accent1"/>
-              </a:fillRef>
-              <a:effectRef idx="0">
-                <a:schemeClr val="accent1"/>
-              </a:effectRef>
-              <a:fontRef idx="minor">
-                <a:schemeClr val="lt1"/>
-              </a:fontRef>
-            </p:style>
-            <p:txBody>
-              <a:bodyPr rtlCol="0" anchor="ctr"/>
-              <a:lstStyle/>
-              <a:p>
-                <a:pPr algn="ctr"/>
-                <a:endParaRPr lang="ko-KR" altLang="en-US"/>
-              </a:p>
-            </p:txBody>
-          </p:sp>
-          <p:sp>
-            <p:nvSpPr>
-              <p:cNvPr id="50" name="직사각형 49">
-                <a:extLst>
-                  <a:ext uri="{FF2B5EF4-FFF2-40B4-BE49-F238E27FC236}">
-                    <a16:creationId xmlns:a16="http://schemas.microsoft.com/office/drawing/2014/main" id="{BE999F17-1809-474D-9885-22E78B960806}"/>
-                  </a:ext>
-                </a:extLst>
-              </p:cNvPr>
-              <p:cNvSpPr/>
-              <p:nvPr/>
-            </p:nvSpPr>
-            <p:spPr>
-              <a:xfrm>
-                <a:off x="8025932" y="1571117"/>
-                <a:ext cx="940871" cy="2011044"/>
-              </a:xfrm>
-              <a:prstGeom prst="rect">
-                <a:avLst/>
-              </a:prstGeom>
-              <a:noFill/>
-              <a:ln w="28575">
-                <a:solidFill>
-                  <a:schemeClr val="tx1"/>
-                </a:solidFill>
-                <a:prstDash val="sysDot"/>
-              </a:ln>
-            </p:spPr>
-            <p:style>
-              <a:lnRef idx="2">
-                <a:schemeClr val="accent1">
-                  <a:shade val="50000"/>
-                </a:schemeClr>
-              </a:lnRef>
-              <a:fillRef idx="1">
-                <a:schemeClr val="accent1"/>
-              </a:fillRef>
-              <a:effectRef idx="0">
-                <a:schemeClr val="accent1"/>
-              </a:effectRef>
-              <a:fontRef idx="minor">
-                <a:schemeClr val="lt1"/>
-              </a:fontRef>
-            </p:style>
-            <p:txBody>
-              <a:bodyPr rtlCol="0" anchor="ctr"/>
-              <a:lstStyle/>
-              <a:p>
-                <a:pPr algn="ctr"/>
-                <a:endParaRPr lang="ko-KR" altLang="en-US"/>
-              </a:p>
-            </p:txBody>
-          </p:sp>
-        </p:grpSp>
-        <p:grpSp>
-          <p:nvGrpSpPr>
-            <p:cNvPr id="96" name="그룹 95">
+            <a:prstGeom prst="rect">
+              <a:avLst/>
+            </a:prstGeom>
+          </p:spPr>
+        </p:pic>
+        <p:sp>
+          <p:nvSpPr>
+            <p:cNvPr id="48" name="직사각형 47">
               <a:extLst>
                 <a:ext uri="{FF2B5EF4-FFF2-40B4-BE49-F238E27FC236}">
-                  <a16:creationId xmlns:a16="http://schemas.microsoft.com/office/drawing/2014/main" id="{BDA97A5C-FFD7-431F-9B8C-25B1FE819F0A}"/>
+                  <a16:creationId xmlns:a16="http://schemas.microsoft.com/office/drawing/2014/main" id="{39B750CC-942E-49CA-8815-273F4CDB8265}"/>
                 </a:ext>
               </a:extLst>
             </p:cNvPr>
-            <p:cNvGrpSpPr/>
+            <p:cNvSpPr/>
             <p:nvPr/>
-          </p:nvGrpSpPr>
-          <p:grpSpPr>
+          </p:nvSpPr>
+          <p:spPr>
             <a:xfrm>
-              <a:off x="11197801" y="557328"/>
+              <a:off x="3814670" y="1101660"/>
+              <a:ext cx="1042738" cy="2417144"/>
+            </a:xfrm>
+            <a:prstGeom prst="rect">
+              <a:avLst/>
+            </a:prstGeom>
+            <a:noFill/>
+            <a:ln w="38100">
+              <a:solidFill>
+                <a:srgbClr val="00B050"/>
+              </a:solidFill>
+              <a:prstDash val="sysDot"/>
+            </a:ln>
+          </p:spPr>
+          <p:style>
+            <a:lnRef idx="2">
+              <a:schemeClr val="accent1">
+                <a:shade val="50000"/>
+              </a:schemeClr>
+            </a:lnRef>
+            <a:fillRef idx="1">
+              <a:schemeClr val="accent1"/>
+            </a:fillRef>
+            <a:effectRef idx="0">
+              <a:schemeClr val="accent1"/>
+            </a:effectRef>
+            <a:fontRef idx="minor">
+              <a:schemeClr val="lt1"/>
+            </a:fontRef>
+          </p:style>
+          <p:txBody>
+            <a:bodyPr rtlCol="0" anchor="ctr"/>
+            <a:lstStyle/>
+            <a:p>
+              <a:pPr algn="ctr"/>
+              <a:endParaRPr lang="ko-KR" altLang="en-US"/>
+            </a:p>
+          </p:txBody>
+        </p:sp>
+        <p:sp>
+          <p:nvSpPr>
+            <p:cNvPr id="49" name="직사각형 48">
+              <a:extLst>
+                <a:ext uri="{FF2B5EF4-FFF2-40B4-BE49-F238E27FC236}">
+                  <a16:creationId xmlns:a16="http://schemas.microsoft.com/office/drawing/2014/main" id="{3248E775-68F5-4C4C-97CA-BE04C76FE6BF}"/>
+                </a:ext>
+              </a:extLst>
+            </p:cNvPr>
+            <p:cNvSpPr/>
+            <p:nvPr/>
+          </p:nvSpPr>
+          <p:spPr>
+            <a:xfrm>
+              <a:off x="6480454" y="1071180"/>
+              <a:ext cx="1042738" cy="2417144"/>
+            </a:xfrm>
+            <a:prstGeom prst="rect">
+              <a:avLst/>
+            </a:prstGeom>
+            <a:noFill/>
+            <a:ln w="38100">
+              <a:solidFill>
+                <a:srgbClr val="00B050"/>
+              </a:solidFill>
+              <a:prstDash val="sysDot"/>
+            </a:ln>
+          </p:spPr>
+          <p:style>
+            <a:lnRef idx="2">
+              <a:schemeClr val="accent1">
+                <a:shade val="50000"/>
+              </a:schemeClr>
+            </a:lnRef>
+            <a:fillRef idx="1">
+              <a:schemeClr val="accent1"/>
+            </a:fillRef>
+            <a:effectRef idx="0">
+              <a:schemeClr val="accent1"/>
+            </a:effectRef>
+            <a:fontRef idx="minor">
+              <a:schemeClr val="lt1"/>
+            </a:fontRef>
+          </p:style>
+          <p:txBody>
+            <a:bodyPr rtlCol="0" anchor="ctr"/>
+            <a:lstStyle/>
+            <a:p>
+              <a:pPr algn="ctr"/>
+              <a:endParaRPr lang="ko-KR" altLang="en-US"/>
+            </a:p>
+          </p:txBody>
+        </p:sp>
+        <p:sp>
+          <p:nvSpPr>
+            <p:cNvPr id="50" name="직사각형 49">
+              <a:extLst>
+                <a:ext uri="{FF2B5EF4-FFF2-40B4-BE49-F238E27FC236}">
+                  <a16:creationId xmlns:a16="http://schemas.microsoft.com/office/drawing/2014/main" id="{BE999F17-1809-474D-9885-22E78B960806}"/>
+                </a:ext>
+              </a:extLst>
+            </p:cNvPr>
+            <p:cNvSpPr/>
+            <p:nvPr/>
+          </p:nvSpPr>
+          <p:spPr>
+            <a:xfrm>
+              <a:off x="8163092" y="1532842"/>
+              <a:ext cx="940871" cy="2011044"/>
+            </a:xfrm>
+            <a:prstGeom prst="rect">
+              <a:avLst/>
+            </a:prstGeom>
+            <a:noFill/>
+            <a:ln w="38100">
+              <a:solidFill>
+                <a:srgbClr val="00B050"/>
+              </a:solidFill>
+              <a:prstDash val="sysDot"/>
+            </a:ln>
+          </p:spPr>
+          <p:style>
+            <a:lnRef idx="2">
+              <a:schemeClr val="accent1">
+                <a:shade val="50000"/>
+              </a:schemeClr>
+            </a:lnRef>
+            <a:fillRef idx="1">
+              <a:schemeClr val="accent1"/>
+            </a:fillRef>
+            <a:effectRef idx="0">
+              <a:schemeClr val="accent1"/>
+            </a:effectRef>
+            <a:fontRef idx="minor">
+              <a:schemeClr val="lt1"/>
+            </a:fontRef>
+          </p:style>
+          <p:txBody>
+            <a:bodyPr rtlCol="0" anchor="ctr"/>
+            <a:lstStyle/>
+            <a:p>
+              <a:pPr algn="ctr"/>
+              <a:endParaRPr lang="ko-KR" altLang="en-US"/>
+            </a:p>
+          </p:txBody>
+        </p:sp>
+        <p:pic>
+          <p:nvPicPr>
+            <p:cNvPr id="93" name="그림 92">
+              <a:extLst>
+                <a:ext uri="{FF2B5EF4-FFF2-40B4-BE49-F238E27FC236}">
+                  <a16:creationId xmlns:a16="http://schemas.microsoft.com/office/drawing/2014/main" id="{609151E5-13CF-4AF5-BFE2-F5B3EEB62805}"/>
+                </a:ext>
+              </a:extLst>
+            </p:cNvPr>
+            <p:cNvPicPr>
+              <a:picLocks noChangeAspect="1"/>
+            </p:cNvPicPr>
+            <p:nvPr/>
+          </p:nvPicPr>
+          <p:blipFill>
+            <a:blip r:embed="rId3"/>
+            <a:stretch>
+              <a:fillRect/>
+            </a:stretch>
+          </p:blipFill>
+          <p:spPr>
+            <a:xfrm>
+              <a:off x="11334961" y="519053"/>
               <a:ext cx="9248775" cy="3457575"/>
-              <a:chOff x="11197801" y="557328"/>
-              <a:chExt cx="9248775" cy="3457575"/>
             </a:xfrm>
-          </p:grpSpPr>
-          <p:pic>
-            <p:nvPicPr>
-              <p:cNvPr id="93" name="그림 92">
-                <a:extLst>
-                  <a:ext uri="{FF2B5EF4-FFF2-40B4-BE49-F238E27FC236}">
-                    <a16:creationId xmlns:a16="http://schemas.microsoft.com/office/drawing/2014/main" id="{609151E5-13CF-4AF5-BFE2-F5B3EEB62805}"/>
-                  </a:ext>
-                </a:extLst>
-              </p:cNvPr>
-              <p:cNvPicPr>
-                <a:picLocks noChangeAspect="1"/>
-              </p:cNvPicPr>
-              <p:nvPr/>
-            </p:nvPicPr>
-            <p:blipFill>
-              <a:blip r:embed="rId3"/>
-              <a:stretch>
-                <a:fillRect/>
-              </a:stretch>
-            </p:blipFill>
-            <p:spPr>
-              <a:xfrm>
-                <a:off x="11197801" y="557328"/>
-                <a:ext cx="9248775" cy="3457575"/>
-              </a:xfrm>
-              <a:prstGeom prst="rect">
-                <a:avLst/>
-              </a:prstGeom>
-            </p:spPr>
-          </p:pic>
-          <p:sp>
-            <p:nvSpPr>
-              <p:cNvPr id="6" name="직사각형 5">
-                <a:extLst>
-                  <a:ext uri="{FF2B5EF4-FFF2-40B4-BE49-F238E27FC236}">
-                    <a16:creationId xmlns:a16="http://schemas.microsoft.com/office/drawing/2014/main" id="{A8565A45-ADE4-4DC9-82C7-6613B577DC25}"/>
-                  </a:ext>
-                </a:extLst>
-              </p:cNvPr>
-              <p:cNvSpPr/>
-              <p:nvPr/>
-            </p:nvSpPr>
-            <p:spPr>
-              <a:xfrm>
-                <a:off x="12897710" y="1077543"/>
-                <a:ext cx="1042738" cy="2417144"/>
-              </a:xfrm>
-              <a:prstGeom prst="rect">
-                <a:avLst/>
-              </a:prstGeom>
-              <a:noFill/>
-              <a:ln w="28575">
-                <a:solidFill>
-                  <a:schemeClr val="tx1"/>
-                </a:solidFill>
-                <a:prstDash val="sysDot"/>
-              </a:ln>
-            </p:spPr>
-            <p:style>
-              <a:lnRef idx="2">
-                <a:schemeClr val="accent1">
-                  <a:shade val="50000"/>
-                </a:schemeClr>
-              </a:lnRef>
-              <a:fillRef idx="1">
-                <a:schemeClr val="accent1"/>
-              </a:fillRef>
-              <a:effectRef idx="0">
-                <a:schemeClr val="accent1"/>
-              </a:effectRef>
-              <a:fontRef idx="minor">
-                <a:schemeClr val="lt1"/>
-              </a:fontRef>
-            </p:style>
-            <p:txBody>
-              <a:bodyPr rtlCol="0" anchor="ctr"/>
-              <a:lstStyle/>
-              <a:p>
-                <a:pPr algn="ctr"/>
-                <a:endParaRPr lang="ko-KR" altLang="en-US"/>
-              </a:p>
-            </p:txBody>
-          </p:sp>
-          <p:sp>
-            <p:nvSpPr>
-              <p:cNvPr id="7" name="직사각형 6">
-                <a:extLst>
-                  <a:ext uri="{FF2B5EF4-FFF2-40B4-BE49-F238E27FC236}">
-                    <a16:creationId xmlns:a16="http://schemas.microsoft.com/office/drawing/2014/main" id="{498DE9CB-978D-450A-871C-65F117D40D57}"/>
-                  </a:ext>
-                </a:extLst>
-              </p:cNvPr>
-              <p:cNvSpPr/>
-              <p:nvPr/>
-            </p:nvSpPr>
-            <p:spPr>
-              <a:xfrm>
-                <a:off x="15629405" y="1079477"/>
-                <a:ext cx="1042738" cy="2105683"/>
-              </a:xfrm>
-              <a:prstGeom prst="rect">
-                <a:avLst/>
-              </a:prstGeom>
-              <a:noFill/>
-              <a:ln w="28575">
-                <a:solidFill>
-                  <a:schemeClr val="tx1"/>
-                </a:solidFill>
-                <a:prstDash val="sysDot"/>
-              </a:ln>
-            </p:spPr>
-            <p:style>
-              <a:lnRef idx="2">
-                <a:schemeClr val="accent1">
-                  <a:shade val="50000"/>
-                </a:schemeClr>
-              </a:lnRef>
-              <a:fillRef idx="1">
-                <a:schemeClr val="accent1"/>
-              </a:fillRef>
-              <a:effectRef idx="0">
-                <a:schemeClr val="accent1"/>
-              </a:effectRef>
-              <a:fontRef idx="minor">
-                <a:schemeClr val="lt1"/>
-              </a:fontRef>
-            </p:style>
-            <p:txBody>
-              <a:bodyPr rtlCol="0" anchor="ctr"/>
-              <a:lstStyle/>
-              <a:p>
-                <a:pPr algn="ctr"/>
-                <a:endParaRPr lang="ko-KR" altLang="en-US"/>
-              </a:p>
-            </p:txBody>
-          </p:sp>
-          <p:sp>
-            <p:nvSpPr>
-              <p:cNvPr id="8" name="직사각형 7">
-                <a:extLst>
-                  <a:ext uri="{FF2B5EF4-FFF2-40B4-BE49-F238E27FC236}">
-                    <a16:creationId xmlns:a16="http://schemas.microsoft.com/office/drawing/2014/main" id="{F1F15A7E-9C0D-4BE1-856B-2C5451E52DDA}"/>
-                  </a:ext>
-                </a:extLst>
-              </p:cNvPr>
-              <p:cNvSpPr/>
-              <p:nvPr/>
-            </p:nvSpPr>
-            <p:spPr>
-              <a:xfrm>
-                <a:off x="17509954" y="1158828"/>
-                <a:ext cx="940871" cy="2317497"/>
-              </a:xfrm>
-              <a:prstGeom prst="rect">
-                <a:avLst/>
-              </a:prstGeom>
-              <a:noFill/>
-              <a:ln w="28575">
-                <a:solidFill>
-                  <a:schemeClr val="tx1"/>
-                </a:solidFill>
-                <a:prstDash val="sysDot"/>
-              </a:ln>
-            </p:spPr>
-            <p:style>
-              <a:lnRef idx="2">
-                <a:schemeClr val="accent1">
-                  <a:shade val="50000"/>
-                </a:schemeClr>
-              </a:lnRef>
-              <a:fillRef idx="1">
-                <a:schemeClr val="accent1"/>
-              </a:fillRef>
-              <a:effectRef idx="0">
-                <a:schemeClr val="accent1"/>
-              </a:effectRef>
-              <a:fontRef idx="minor">
-                <a:schemeClr val="lt1"/>
-              </a:fontRef>
-            </p:style>
-            <p:txBody>
-              <a:bodyPr rtlCol="0" anchor="ctr"/>
-              <a:lstStyle/>
-              <a:p>
-                <a:pPr algn="ctr"/>
-                <a:endParaRPr lang="ko-KR" altLang="en-US"/>
-              </a:p>
-            </p:txBody>
-          </p:sp>
-        </p:grpSp>
+            <a:prstGeom prst="rect">
+              <a:avLst/>
+            </a:prstGeom>
+          </p:spPr>
+        </p:pic>
+        <p:sp>
+          <p:nvSpPr>
+            <p:cNvPr id="6" name="직사각형 5">
+              <a:extLst>
+                <a:ext uri="{FF2B5EF4-FFF2-40B4-BE49-F238E27FC236}">
+                  <a16:creationId xmlns:a16="http://schemas.microsoft.com/office/drawing/2014/main" id="{A8565A45-ADE4-4DC9-82C7-6613B577DC25}"/>
+                </a:ext>
+              </a:extLst>
+            </p:cNvPr>
+            <p:cNvSpPr/>
+            <p:nvPr/>
+          </p:nvSpPr>
+          <p:spPr>
+            <a:xfrm>
+              <a:off x="13034870" y="1039268"/>
+              <a:ext cx="1042738" cy="2417144"/>
+            </a:xfrm>
+            <a:prstGeom prst="rect">
+              <a:avLst/>
+            </a:prstGeom>
+            <a:noFill/>
+            <a:ln w="38100">
+              <a:solidFill>
+                <a:srgbClr val="00B050"/>
+              </a:solidFill>
+              <a:prstDash val="sysDot"/>
+            </a:ln>
+          </p:spPr>
+          <p:style>
+            <a:lnRef idx="2">
+              <a:schemeClr val="accent1">
+                <a:shade val="50000"/>
+              </a:schemeClr>
+            </a:lnRef>
+            <a:fillRef idx="1">
+              <a:schemeClr val="accent1"/>
+            </a:fillRef>
+            <a:effectRef idx="0">
+              <a:schemeClr val="accent1"/>
+            </a:effectRef>
+            <a:fontRef idx="minor">
+              <a:schemeClr val="lt1"/>
+            </a:fontRef>
+          </p:style>
+          <p:txBody>
+            <a:bodyPr rtlCol="0" anchor="ctr"/>
+            <a:lstStyle/>
+            <a:p>
+              <a:pPr algn="ctr"/>
+              <a:endParaRPr lang="ko-KR" altLang="en-US"/>
+            </a:p>
+          </p:txBody>
+        </p:sp>
+        <p:sp>
+          <p:nvSpPr>
+            <p:cNvPr id="7" name="직사각형 6">
+              <a:extLst>
+                <a:ext uri="{FF2B5EF4-FFF2-40B4-BE49-F238E27FC236}">
+                  <a16:creationId xmlns:a16="http://schemas.microsoft.com/office/drawing/2014/main" id="{498DE9CB-978D-450A-871C-65F117D40D57}"/>
+                </a:ext>
+              </a:extLst>
+            </p:cNvPr>
+            <p:cNvSpPr/>
+            <p:nvPr/>
+          </p:nvSpPr>
+          <p:spPr>
+            <a:xfrm>
+              <a:off x="15766565" y="1041202"/>
+              <a:ext cx="1042738" cy="2105683"/>
+            </a:xfrm>
+            <a:prstGeom prst="rect">
+              <a:avLst/>
+            </a:prstGeom>
+            <a:noFill/>
+            <a:ln w="38100">
+              <a:solidFill>
+                <a:srgbClr val="00B050"/>
+              </a:solidFill>
+              <a:prstDash val="sysDot"/>
+            </a:ln>
+          </p:spPr>
+          <p:style>
+            <a:lnRef idx="2">
+              <a:schemeClr val="accent1">
+                <a:shade val="50000"/>
+              </a:schemeClr>
+            </a:lnRef>
+            <a:fillRef idx="1">
+              <a:schemeClr val="accent1"/>
+            </a:fillRef>
+            <a:effectRef idx="0">
+              <a:schemeClr val="accent1"/>
+            </a:effectRef>
+            <a:fontRef idx="minor">
+              <a:schemeClr val="lt1"/>
+            </a:fontRef>
+          </p:style>
+          <p:txBody>
+            <a:bodyPr rtlCol="0" anchor="ctr"/>
+            <a:lstStyle/>
+            <a:p>
+              <a:pPr algn="ctr"/>
+              <a:endParaRPr lang="ko-KR" altLang="en-US"/>
+            </a:p>
+          </p:txBody>
+        </p:sp>
+        <p:sp>
+          <p:nvSpPr>
+            <p:cNvPr id="8" name="직사각형 7">
+              <a:extLst>
+                <a:ext uri="{FF2B5EF4-FFF2-40B4-BE49-F238E27FC236}">
+                  <a16:creationId xmlns:a16="http://schemas.microsoft.com/office/drawing/2014/main" id="{F1F15A7E-9C0D-4BE1-856B-2C5451E52DDA}"/>
+                </a:ext>
+              </a:extLst>
+            </p:cNvPr>
+            <p:cNvSpPr/>
+            <p:nvPr/>
+          </p:nvSpPr>
+          <p:spPr>
+            <a:xfrm>
+              <a:off x="17647114" y="1120553"/>
+              <a:ext cx="940871" cy="2317497"/>
+            </a:xfrm>
+            <a:prstGeom prst="rect">
+              <a:avLst/>
+            </a:prstGeom>
+            <a:noFill/>
+            <a:ln w="38100">
+              <a:solidFill>
+                <a:srgbClr val="00B050"/>
+              </a:solidFill>
+              <a:prstDash val="sysDot"/>
+            </a:ln>
+          </p:spPr>
+          <p:style>
+            <a:lnRef idx="2">
+              <a:schemeClr val="accent1">
+                <a:shade val="50000"/>
+              </a:schemeClr>
+            </a:lnRef>
+            <a:fillRef idx="1">
+              <a:schemeClr val="accent1"/>
+            </a:fillRef>
+            <a:effectRef idx="0">
+              <a:schemeClr val="accent1"/>
+            </a:effectRef>
+            <a:fontRef idx="minor">
+              <a:schemeClr val="lt1"/>
+            </a:fontRef>
+          </p:style>
+          <p:txBody>
+            <a:bodyPr rtlCol="0" anchor="ctr"/>
+            <a:lstStyle/>
+            <a:p>
+              <a:pPr algn="ctr"/>
+              <a:endParaRPr lang="ko-KR" altLang="en-US"/>
+            </a:p>
+          </p:txBody>
+        </p:sp>
         <p:sp>
           <p:nvSpPr>
             <p:cNvPr id="41" name="TextBox 40">
@@ -17884,7 +18058,7 @@
           </p:nvSpPr>
           <p:spPr>
             <a:xfrm>
-              <a:off x="1366854" y="2010753"/>
+              <a:off x="1504014" y="1972478"/>
               <a:ext cx="1174745" cy="523220"/>
             </a:xfrm>
             <a:prstGeom prst="rect">
@@ -17920,7 +18094,7 @@
           </p:nvSpPr>
           <p:spPr>
             <a:xfrm>
-              <a:off x="1366853" y="5476935"/>
+              <a:off x="1504013" y="5438660"/>
               <a:ext cx="1174745" cy="523220"/>
             </a:xfrm>
             <a:prstGeom prst="rect">
@@ -17956,7 +18130,7 @@
           </p:nvSpPr>
           <p:spPr>
             <a:xfrm>
-              <a:off x="6343294" y="11121009"/>
+              <a:off x="6480454" y="11082734"/>
               <a:ext cx="674624" cy="584775"/>
             </a:xfrm>
             <a:prstGeom prst="rect">
@@ -17992,7 +18166,7 @@
           </p:nvSpPr>
           <p:spPr>
             <a:xfrm>
-              <a:off x="15548724" y="11121010"/>
+              <a:off x="15685884" y="11082735"/>
               <a:ext cx="674624" cy="584775"/>
             </a:xfrm>
             <a:prstGeom prst="rect">
@@ -18014,426 +18188,384 @@
             </a:p>
           </p:txBody>
         </p:sp>
-        <p:grpSp>
-          <p:nvGrpSpPr>
-            <p:cNvPr id="97" name="그룹 96">
+        <p:pic>
+          <p:nvPicPr>
+            <p:cNvPr id="84" name="그림 83">
               <a:extLst>
                 <a:ext uri="{FF2B5EF4-FFF2-40B4-BE49-F238E27FC236}">
-                  <a16:creationId xmlns:a16="http://schemas.microsoft.com/office/drawing/2014/main" id="{8551FAF6-02E5-4C2F-A219-17EF27948C07}"/>
+                  <a16:creationId xmlns:a16="http://schemas.microsoft.com/office/drawing/2014/main" id="{B40800B5-A914-4929-B001-8C08E6EAFAB4}"/>
                 </a:ext>
               </a:extLst>
             </p:cNvPr>
-            <p:cNvGrpSpPr/>
+            <p:cNvPicPr>
+              <a:picLocks noChangeAspect="1"/>
+            </p:cNvPicPr>
             <p:nvPr/>
-          </p:nvGrpSpPr>
-          <p:grpSpPr>
+          </p:nvPicPr>
+          <p:blipFill>
+            <a:blip r:embed="rId4"/>
+            <a:stretch>
+              <a:fillRect/>
+            </a:stretch>
+          </p:blipFill>
+          <p:spPr>
             <a:xfrm>
-              <a:off x="2012161" y="4154440"/>
+              <a:off x="2149321" y="4116165"/>
               <a:ext cx="9153525" cy="3457575"/>
-              <a:chOff x="1971255" y="4078417"/>
-              <a:chExt cx="9153525" cy="3457575"/>
             </a:xfrm>
-          </p:grpSpPr>
-          <p:pic>
-            <p:nvPicPr>
-              <p:cNvPr id="84" name="그림 83">
-                <a:extLst>
-                  <a:ext uri="{FF2B5EF4-FFF2-40B4-BE49-F238E27FC236}">
-                    <a16:creationId xmlns:a16="http://schemas.microsoft.com/office/drawing/2014/main" id="{B40800B5-A914-4929-B001-8C08E6EAFAB4}"/>
-                  </a:ext>
-                </a:extLst>
-              </p:cNvPr>
-              <p:cNvPicPr>
-                <a:picLocks noChangeAspect="1"/>
-              </p:cNvPicPr>
-              <p:nvPr/>
-            </p:nvPicPr>
-            <p:blipFill>
-              <a:blip r:embed="rId4"/>
-              <a:stretch>
-                <a:fillRect/>
-              </a:stretch>
-            </p:blipFill>
-            <p:spPr>
-              <a:xfrm>
-                <a:off x="1971255" y="4078417"/>
-                <a:ext cx="9153525" cy="3457575"/>
-              </a:xfrm>
-              <a:prstGeom prst="rect">
-                <a:avLst/>
-              </a:prstGeom>
-            </p:spPr>
-          </p:pic>
-          <p:sp>
-            <p:nvSpPr>
-              <p:cNvPr id="53" name="직사각형 52">
-                <a:extLst>
-                  <a:ext uri="{FF2B5EF4-FFF2-40B4-BE49-F238E27FC236}">
-                    <a16:creationId xmlns:a16="http://schemas.microsoft.com/office/drawing/2014/main" id="{93D70E78-5E26-438C-B3AD-C8827DF1396C}"/>
-                  </a:ext>
-                </a:extLst>
-              </p:cNvPr>
-              <p:cNvSpPr/>
-              <p:nvPr/>
-            </p:nvSpPr>
-            <p:spPr>
-              <a:xfrm>
-                <a:off x="7825397" y="4420787"/>
-                <a:ext cx="1019282" cy="2292857"/>
-              </a:xfrm>
-              <a:prstGeom prst="rect">
-                <a:avLst/>
-              </a:prstGeom>
-              <a:noFill/>
-              <a:ln w="28575">
-                <a:solidFill>
-                  <a:schemeClr val="tx1"/>
-                </a:solidFill>
-                <a:prstDash val="sysDot"/>
-              </a:ln>
-            </p:spPr>
-            <p:style>
-              <a:lnRef idx="2">
-                <a:schemeClr val="accent1">
-                  <a:shade val="50000"/>
-                </a:schemeClr>
-              </a:lnRef>
-              <a:fillRef idx="1">
-                <a:schemeClr val="accent1"/>
-              </a:fillRef>
-              <a:effectRef idx="0">
-                <a:schemeClr val="accent1"/>
-              </a:effectRef>
-              <a:fontRef idx="minor">
-                <a:schemeClr val="lt1"/>
-              </a:fontRef>
-            </p:style>
-            <p:txBody>
-              <a:bodyPr rtlCol="0" anchor="ctr"/>
-              <a:lstStyle/>
-              <a:p>
-                <a:pPr algn="ctr"/>
-                <a:endParaRPr lang="ko-KR" altLang="en-US"/>
-              </a:p>
-            </p:txBody>
-          </p:sp>
-          <p:sp>
-            <p:nvSpPr>
-              <p:cNvPr id="54" name="직사각형 53">
-                <a:extLst>
-                  <a:ext uri="{FF2B5EF4-FFF2-40B4-BE49-F238E27FC236}">
-                    <a16:creationId xmlns:a16="http://schemas.microsoft.com/office/drawing/2014/main" id="{55F061A4-327E-4232-BBF6-5A0859462FC9}"/>
-                  </a:ext>
-                </a:extLst>
-              </p:cNvPr>
-              <p:cNvSpPr/>
-              <p:nvPr/>
-            </p:nvSpPr>
-            <p:spPr>
-              <a:xfrm>
-                <a:off x="4746548" y="4780528"/>
-                <a:ext cx="1068449" cy="1767255"/>
-              </a:xfrm>
-              <a:prstGeom prst="rect">
-                <a:avLst/>
-              </a:prstGeom>
-              <a:noFill/>
-              <a:ln w="28575">
-                <a:solidFill>
-                  <a:schemeClr val="tx1"/>
-                </a:solidFill>
-                <a:prstDash val="sysDot"/>
-              </a:ln>
-            </p:spPr>
-            <p:style>
-              <a:lnRef idx="2">
-                <a:schemeClr val="accent1">
-                  <a:shade val="50000"/>
-                </a:schemeClr>
-              </a:lnRef>
-              <a:fillRef idx="1">
-                <a:schemeClr val="accent1"/>
-              </a:fillRef>
-              <a:effectRef idx="0">
-                <a:schemeClr val="accent1"/>
-              </a:effectRef>
-              <a:fontRef idx="minor">
-                <a:schemeClr val="lt1"/>
-              </a:fontRef>
-            </p:style>
-            <p:txBody>
-              <a:bodyPr rtlCol="0" anchor="ctr"/>
-              <a:lstStyle/>
-              <a:p>
-                <a:pPr algn="ctr"/>
-                <a:endParaRPr lang="ko-KR" altLang="en-US"/>
-              </a:p>
-            </p:txBody>
-          </p:sp>
-          <p:sp>
-            <p:nvSpPr>
-              <p:cNvPr id="68" name="직사각형 67">
-                <a:extLst>
-                  <a:ext uri="{FF2B5EF4-FFF2-40B4-BE49-F238E27FC236}">
-                    <a16:creationId xmlns:a16="http://schemas.microsoft.com/office/drawing/2014/main" id="{35611632-261F-4B07-B220-53CF8E1FC2DB}"/>
-                  </a:ext>
-                </a:extLst>
-              </p:cNvPr>
-              <p:cNvSpPr/>
-              <p:nvPr/>
-            </p:nvSpPr>
-            <p:spPr>
-              <a:xfrm>
-                <a:off x="2955543" y="4787187"/>
-                <a:ext cx="1596455" cy="1775836"/>
-              </a:xfrm>
-              <a:prstGeom prst="rect">
-                <a:avLst/>
-              </a:prstGeom>
-              <a:noFill/>
-              <a:ln w="28575">
-                <a:solidFill>
-                  <a:schemeClr val="tx1"/>
-                </a:solidFill>
-                <a:prstDash val="sysDot"/>
-              </a:ln>
-            </p:spPr>
-            <p:style>
-              <a:lnRef idx="2">
-                <a:schemeClr val="accent1">
-                  <a:shade val="50000"/>
-                </a:schemeClr>
-              </a:lnRef>
-              <a:fillRef idx="1">
-                <a:schemeClr val="accent1"/>
-              </a:fillRef>
-              <a:effectRef idx="0">
-                <a:schemeClr val="accent1"/>
-              </a:effectRef>
-              <a:fontRef idx="minor">
-                <a:schemeClr val="lt1"/>
-              </a:fontRef>
-            </p:style>
-            <p:txBody>
-              <a:bodyPr rtlCol="0" anchor="ctr"/>
-              <a:lstStyle/>
-              <a:p>
-                <a:pPr algn="ctr"/>
-                <a:endParaRPr lang="ko-KR" altLang="en-US"/>
-              </a:p>
-            </p:txBody>
-          </p:sp>
-        </p:grpSp>
-        <p:grpSp>
-          <p:nvGrpSpPr>
-            <p:cNvPr id="95" name="그룹 94">
+            <a:prstGeom prst="rect">
+              <a:avLst/>
+            </a:prstGeom>
+          </p:spPr>
+        </p:pic>
+        <p:sp>
+          <p:nvSpPr>
+            <p:cNvPr id="53" name="직사각형 52">
               <a:extLst>
                 <a:ext uri="{FF2B5EF4-FFF2-40B4-BE49-F238E27FC236}">
-                  <a16:creationId xmlns:a16="http://schemas.microsoft.com/office/drawing/2014/main" id="{F5CEA763-2857-4590-BB0A-CD4BEC1D45B9}"/>
+                  <a16:creationId xmlns:a16="http://schemas.microsoft.com/office/drawing/2014/main" id="{93D70E78-5E26-438C-B3AD-C8827DF1396C}"/>
                 </a:ext>
               </a:extLst>
             </p:cNvPr>
-            <p:cNvGrpSpPr/>
+            <p:cNvSpPr/>
             <p:nvPr/>
-          </p:nvGrpSpPr>
-          <p:grpSpPr>
+          </p:nvSpPr>
+          <p:spPr>
             <a:xfrm>
-              <a:off x="11222831" y="4089434"/>
+              <a:off x="8003463" y="4458535"/>
+              <a:ext cx="1019282" cy="2292857"/>
+            </a:xfrm>
+            <a:prstGeom prst="rect">
+              <a:avLst/>
+            </a:prstGeom>
+            <a:noFill/>
+            <a:ln w="38100">
+              <a:solidFill>
+                <a:srgbClr val="00B050"/>
+              </a:solidFill>
+              <a:prstDash val="sysDot"/>
+            </a:ln>
+          </p:spPr>
+          <p:style>
+            <a:lnRef idx="2">
+              <a:schemeClr val="accent1">
+                <a:shade val="50000"/>
+              </a:schemeClr>
+            </a:lnRef>
+            <a:fillRef idx="1">
+              <a:schemeClr val="accent1"/>
+            </a:fillRef>
+            <a:effectRef idx="0">
+              <a:schemeClr val="accent1"/>
+            </a:effectRef>
+            <a:fontRef idx="minor">
+              <a:schemeClr val="lt1"/>
+            </a:fontRef>
+          </p:style>
+          <p:txBody>
+            <a:bodyPr rtlCol="0" anchor="ctr"/>
+            <a:lstStyle/>
+            <a:p>
+              <a:pPr algn="ctr"/>
+              <a:endParaRPr lang="ko-KR" altLang="en-US"/>
+            </a:p>
+          </p:txBody>
+        </p:sp>
+        <p:sp>
+          <p:nvSpPr>
+            <p:cNvPr id="54" name="직사각형 53">
+              <a:extLst>
+                <a:ext uri="{FF2B5EF4-FFF2-40B4-BE49-F238E27FC236}">
+                  <a16:creationId xmlns:a16="http://schemas.microsoft.com/office/drawing/2014/main" id="{55F061A4-327E-4232-BBF6-5A0859462FC9}"/>
+                </a:ext>
+              </a:extLst>
+            </p:cNvPr>
+            <p:cNvSpPr/>
+            <p:nvPr/>
+          </p:nvSpPr>
+          <p:spPr>
+            <a:xfrm>
+              <a:off x="4924614" y="4818276"/>
+              <a:ext cx="1068449" cy="1767255"/>
+            </a:xfrm>
+            <a:prstGeom prst="rect">
+              <a:avLst/>
+            </a:prstGeom>
+            <a:noFill/>
+            <a:ln w="38100">
+              <a:solidFill>
+                <a:srgbClr val="00B050"/>
+              </a:solidFill>
+              <a:prstDash val="sysDot"/>
+            </a:ln>
+          </p:spPr>
+          <p:style>
+            <a:lnRef idx="2">
+              <a:schemeClr val="accent1">
+                <a:shade val="50000"/>
+              </a:schemeClr>
+            </a:lnRef>
+            <a:fillRef idx="1">
+              <a:schemeClr val="accent1"/>
+            </a:fillRef>
+            <a:effectRef idx="0">
+              <a:schemeClr val="accent1"/>
+            </a:effectRef>
+            <a:fontRef idx="minor">
+              <a:schemeClr val="lt1"/>
+            </a:fontRef>
+          </p:style>
+          <p:txBody>
+            <a:bodyPr rtlCol="0" anchor="ctr"/>
+            <a:lstStyle/>
+            <a:p>
+              <a:pPr algn="ctr"/>
+              <a:endParaRPr lang="ko-KR" altLang="en-US"/>
+            </a:p>
+          </p:txBody>
+        </p:sp>
+        <p:sp>
+          <p:nvSpPr>
+            <p:cNvPr id="68" name="직사각형 67">
+              <a:extLst>
+                <a:ext uri="{FF2B5EF4-FFF2-40B4-BE49-F238E27FC236}">
+                  <a16:creationId xmlns:a16="http://schemas.microsoft.com/office/drawing/2014/main" id="{35611632-261F-4B07-B220-53CF8E1FC2DB}"/>
+                </a:ext>
+              </a:extLst>
+            </p:cNvPr>
+            <p:cNvSpPr/>
+            <p:nvPr/>
+          </p:nvSpPr>
+          <p:spPr>
+            <a:xfrm>
+              <a:off x="3133609" y="4824935"/>
+              <a:ext cx="1596455" cy="1775836"/>
+            </a:xfrm>
+            <a:prstGeom prst="rect">
+              <a:avLst/>
+            </a:prstGeom>
+            <a:noFill/>
+            <a:ln w="38100">
+              <a:solidFill>
+                <a:srgbClr val="00B050"/>
+              </a:solidFill>
+              <a:prstDash val="sysDot"/>
+            </a:ln>
+          </p:spPr>
+          <p:style>
+            <a:lnRef idx="2">
+              <a:schemeClr val="accent1">
+                <a:shade val="50000"/>
+              </a:schemeClr>
+            </a:lnRef>
+            <a:fillRef idx="1">
+              <a:schemeClr val="accent1"/>
+            </a:fillRef>
+            <a:effectRef idx="0">
+              <a:schemeClr val="accent1"/>
+            </a:effectRef>
+            <a:fontRef idx="minor">
+              <a:schemeClr val="lt1"/>
+            </a:fontRef>
+          </p:style>
+          <p:txBody>
+            <a:bodyPr rtlCol="0" anchor="ctr"/>
+            <a:lstStyle/>
+            <a:p>
+              <a:pPr algn="ctr"/>
+              <a:endParaRPr lang="ko-KR" altLang="en-US"/>
+            </a:p>
+          </p:txBody>
+        </p:sp>
+        <p:pic>
+          <p:nvPicPr>
+            <p:cNvPr id="91" name="그림 90">
+              <a:extLst>
+                <a:ext uri="{FF2B5EF4-FFF2-40B4-BE49-F238E27FC236}">
+                  <a16:creationId xmlns:a16="http://schemas.microsoft.com/office/drawing/2014/main" id="{CBA1CF97-362A-48EC-B81C-14152AAD394A}"/>
+                </a:ext>
+              </a:extLst>
+            </p:cNvPr>
+            <p:cNvPicPr>
+              <a:picLocks noChangeAspect="1"/>
+            </p:cNvPicPr>
+            <p:nvPr/>
+          </p:nvPicPr>
+          <p:blipFill>
+            <a:blip r:embed="rId5"/>
+            <a:stretch>
+              <a:fillRect/>
+            </a:stretch>
+          </p:blipFill>
+          <p:spPr>
+            <a:xfrm>
+              <a:off x="11359991" y="4051159"/>
               <a:ext cx="9182100" cy="3514725"/>
-              <a:chOff x="10963904" y="4002336"/>
-              <a:chExt cx="9182100" cy="3514725"/>
             </a:xfrm>
-          </p:grpSpPr>
-          <p:pic>
-            <p:nvPicPr>
-              <p:cNvPr id="91" name="그림 90">
-                <a:extLst>
-                  <a:ext uri="{FF2B5EF4-FFF2-40B4-BE49-F238E27FC236}">
-                    <a16:creationId xmlns:a16="http://schemas.microsoft.com/office/drawing/2014/main" id="{CBA1CF97-362A-48EC-B81C-14152AAD394A}"/>
-                  </a:ext>
-                </a:extLst>
-              </p:cNvPr>
-              <p:cNvPicPr>
-                <a:picLocks noChangeAspect="1"/>
-              </p:cNvPicPr>
-              <p:nvPr/>
-            </p:nvPicPr>
-            <p:blipFill>
-              <a:blip r:embed="rId5"/>
-              <a:stretch>
-                <a:fillRect/>
-              </a:stretch>
-            </p:blipFill>
-            <p:spPr>
-              <a:xfrm>
-                <a:off x="10963904" y="4002336"/>
-                <a:ext cx="9182100" cy="3514725"/>
-              </a:xfrm>
-              <a:prstGeom prst="rect">
-                <a:avLst/>
-              </a:prstGeom>
-            </p:spPr>
-          </p:pic>
-          <p:sp>
-            <p:nvSpPr>
-              <p:cNvPr id="16" name="직사각형 15">
-                <a:extLst>
-                  <a:ext uri="{FF2B5EF4-FFF2-40B4-BE49-F238E27FC236}">
-                    <a16:creationId xmlns:a16="http://schemas.microsoft.com/office/drawing/2014/main" id="{9C7E9CF0-0A5A-4BB9-B06B-DB5BEFF2A386}"/>
-                  </a:ext>
-                </a:extLst>
-              </p:cNvPr>
-              <p:cNvSpPr/>
-              <p:nvPr/>
-            </p:nvSpPr>
-            <p:spPr>
-              <a:xfrm>
-                <a:off x="13900072" y="4398008"/>
-                <a:ext cx="798749" cy="2491858"/>
-              </a:xfrm>
-              <a:prstGeom prst="rect">
-                <a:avLst/>
-              </a:prstGeom>
-              <a:noFill/>
-              <a:ln w="28575">
-                <a:solidFill>
-                  <a:schemeClr val="tx1"/>
-                </a:solidFill>
-                <a:prstDash val="sysDot"/>
-              </a:ln>
-            </p:spPr>
-            <p:style>
-              <a:lnRef idx="2">
-                <a:schemeClr val="accent1">
-                  <a:shade val="50000"/>
-                </a:schemeClr>
-              </a:lnRef>
-              <a:fillRef idx="1">
-                <a:schemeClr val="accent1"/>
-              </a:fillRef>
-              <a:effectRef idx="0">
-                <a:schemeClr val="accent1"/>
-              </a:effectRef>
-              <a:fontRef idx="minor">
-                <a:schemeClr val="lt1"/>
-              </a:fontRef>
-            </p:style>
-            <p:txBody>
-              <a:bodyPr rtlCol="0" anchor="ctr"/>
-              <a:lstStyle/>
-              <a:p>
-                <a:pPr algn="ctr"/>
-                <a:endParaRPr lang="ko-KR" altLang="en-US"/>
-              </a:p>
-            </p:txBody>
-          </p:sp>
-          <p:sp>
-            <p:nvSpPr>
-              <p:cNvPr id="17" name="직사각형 16">
-                <a:extLst>
-                  <a:ext uri="{FF2B5EF4-FFF2-40B4-BE49-F238E27FC236}">
-                    <a16:creationId xmlns:a16="http://schemas.microsoft.com/office/drawing/2014/main" id="{07ACE17F-2276-4AC0-B4CA-61DB59D4BE97}"/>
-                  </a:ext>
-                </a:extLst>
-              </p:cNvPr>
-              <p:cNvSpPr/>
-              <p:nvPr/>
-            </p:nvSpPr>
-            <p:spPr>
-              <a:xfrm>
-                <a:off x="16780129" y="4607175"/>
-                <a:ext cx="1130386" cy="2106469"/>
-              </a:xfrm>
-              <a:prstGeom prst="rect">
-                <a:avLst/>
-              </a:prstGeom>
-              <a:noFill/>
-              <a:ln w="28575">
-                <a:solidFill>
-                  <a:schemeClr val="tx1"/>
-                </a:solidFill>
-                <a:prstDash val="sysDot"/>
-              </a:ln>
-            </p:spPr>
-            <p:style>
-              <a:lnRef idx="2">
-                <a:schemeClr val="accent1">
-                  <a:shade val="50000"/>
-                </a:schemeClr>
-              </a:lnRef>
-              <a:fillRef idx="1">
-                <a:schemeClr val="accent1"/>
-              </a:fillRef>
-              <a:effectRef idx="0">
-                <a:schemeClr val="accent1"/>
-              </a:effectRef>
-              <a:fontRef idx="minor">
-                <a:schemeClr val="lt1"/>
-              </a:fontRef>
-            </p:style>
-            <p:txBody>
-              <a:bodyPr rtlCol="0" anchor="ctr"/>
-              <a:lstStyle/>
-              <a:p>
-                <a:pPr algn="ctr"/>
-                <a:endParaRPr lang="ko-KR" altLang="en-US"/>
-              </a:p>
-            </p:txBody>
-          </p:sp>
-          <p:sp>
-            <p:nvSpPr>
-              <p:cNvPr id="69" name="직사각형 68">
-                <a:extLst>
-                  <a:ext uri="{FF2B5EF4-FFF2-40B4-BE49-F238E27FC236}">
-                    <a16:creationId xmlns:a16="http://schemas.microsoft.com/office/drawing/2014/main" id="{771D3248-D5D1-44BF-9F37-9A3B5D702B16}"/>
-                  </a:ext>
-                </a:extLst>
-              </p:cNvPr>
-              <p:cNvSpPr/>
-              <p:nvPr/>
-            </p:nvSpPr>
-            <p:spPr>
-              <a:xfrm>
-                <a:off x="12087705" y="4398229"/>
-                <a:ext cx="1698078" cy="2491858"/>
-              </a:xfrm>
-              <a:prstGeom prst="rect">
-                <a:avLst/>
-              </a:prstGeom>
-              <a:noFill/>
-              <a:ln w="28575">
-                <a:solidFill>
-                  <a:schemeClr val="tx1"/>
-                </a:solidFill>
-                <a:prstDash val="sysDot"/>
-              </a:ln>
-            </p:spPr>
-            <p:style>
-              <a:lnRef idx="2">
-                <a:schemeClr val="accent1">
-                  <a:shade val="50000"/>
-                </a:schemeClr>
-              </a:lnRef>
-              <a:fillRef idx="1">
-                <a:schemeClr val="accent1"/>
-              </a:fillRef>
-              <a:effectRef idx="0">
-                <a:schemeClr val="accent1"/>
-              </a:effectRef>
-              <a:fontRef idx="minor">
-                <a:schemeClr val="lt1"/>
-              </a:fontRef>
-            </p:style>
-            <p:txBody>
-              <a:bodyPr rtlCol="0" anchor="ctr"/>
-              <a:lstStyle/>
-              <a:p>
-                <a:pPr algn="ctr"/>
-                <a:endParaRPr lang="ko-KR" altLang="en-US"/>
-              </a:p>
-            </p:txBody>
-          </p:sp>
-        </p:grpSp>
+            <a:prstGeom prst="rect">
+              <a:avLst/>
+            </a:prstGeom>
+          </p:spPr>
+        </p:pic>
+        <p:sp>
+          <p:nvSpPr>
+            <p:cNvPr id="16" name="직사각형 15">
+              <a:extLst>
+                <a:ext uri="{FF2B5EF4-FFF2-40B4-BE49-F238E27FC236}">
+                  <a16:creationId xmlns:a16="http://schemas.microsoft.com/office/drawing/2014/main" id="{9C7E9CF0-0A5A-4BB9-B06B-DB5BEFF2A386}"/>
+                </a:ext>
+              </a:extLst>
+            </p:cNvPr>
+            <p:cNvSpPr/>
+            <p:nvPr/>
+          </p:nvSpPr>
+          <p:spPr>
+            <a:xfrm>
+              <a:off x="14296159" y="4446831"/>
+              <a:ext cx="798749" cy="2491858"/>
+            </a:xfrm>
+            <a:prstGeom prst="rect">
+              <a:avLst/>
+            </a:prstGeom>
+            <a:noFill/>
+            <a:ln w="38100">
+              <a:solidFill>
+                <a:srgbClr val="00B050"/>
+              </a:solidFill>
+              <a:prstDash val="sysDot"/>
+            </a:ln>
+          </p:spPr>
+          <p:style>
+            <a:lnRef idx="2">
+              <a:schemeClr val="accent1">
+                <a:shade val="50000"/>
+              </a:schemeClr>
+            </a:lnRef>
+            <a:fillRef idx="1">
+              <a:schemeClr val="accent1"/>
+            </a:fillRef>
+            <a:effectRef idx="0">
+              <a:schemeClr val="accent1"/>
+            </a:effectRef>
+            <a:fontRef idx="minor">
+              <a:schemeClr val="lt1"/>
+            </a:fontRef>
+          </p:style>
+          <p:txBody>
+            <a:bodyPr rtlCol="0" anchor="ctr"/>
+            <a:lstStyle/>
+            <a:p>
+              <a:pPr algn="ctr"/>
+              <a:endParaRPr lang="ko-KR" altLang="en-US"/>
+            </a:p>
+          </p:txBody>
+        </p:sp>
+        <p:sp>
+          <p:nvSpPr>
+            <p:cNvPr id="17" name="직사각형 16">
+              <a:extLst>
+                <a:ext uri="{FF2B5EF4-FFF2-40B4-BE49-F238E27FC236}">
+                  <a16:creationId xmlns:a16="http://schemas.microsoft.com/office/drawing/2014/main" id="{07ACE17F-2276-4AC0-B4CA-61DB59D4BE97}"/>
+                </a:ext>
+              </a:extLst>
+            </p:cNvPr>
+            <p:cNvSpPr/>
+            <p:nvPr/>
+          </p:nvSpPr>
+          <p:spPr>
+            <a:xfrm>
+              <a:off x="17176216" y="4655998"/>
+              <a:ext cx="1130386" cy="2106469"/>
+            </a:xfrm>
+            <a:prstGeom prst="rect">
+              <a:avLst/>
+            </a:prstGeom>
+            <a:noFill/>
+            <a:ln w="38100">
+              <a:solidFill>
+                <a:srgbClr val="00B050"/>
+              </a:solidFill>
+              <a:prstDash val="sysDot"/>
+            </a:ln>
+          </p:spPr>
+          <p:style>
+            <a:lnRef idx="2">
+              <a:schemeClr val="accent1">
+                <a:shade val="50000"/>
+              </a:schemeClr>
+            </a:lnRef>
+            <a:fillRef idx="1">
+              <a:schemeClr val="accent1"/>
+            </a:fillRef>
+            <a:effectRef idx="0">
+              <a:schemeClr val="accent1"/>
+            </a:effectRef>
+            <a:fontRef idx="minor">
+              <a:schemeClr val="lt1"/>
+            </a:fontRef>
+          </p:style>
+          <p:txBody>
+            <a:bodyPr rtlCol="0" anchor="ctr"/>
+            <a:lstStyle/>
+            <a:p>
+              <a:pPr algn="ctr"/>
+              <a:endParaRPr lang="ko-KR" altLang="en-US"/>
+            </a:p>
+          </p:txBody>
+        </p:sp>
+        <p:sp>
+          <p:nvSpPr>
+            <p:cNvPr id="69" name="직사각형 68">
+              <a:extLst>
+                <a:ext uri="{FF2B5EF4-FFF2-40B4-BE49-F238E27FC236}">
+                  <a16:creationId xmlns:a16="http://schemas.microsoft.com/office/drawing/2014/main" id="{771D3248-D5D1-44BF-9F37-9A3B5D702B16}"/>
+                </a:ext>
+              </a:extLst>
+            </p:cNvPr>
+            <p:cNvSpPr/>
+            <p:nvPr/>
+          </p:nvSpPr>
+          <p:spPr>
+            <a:xfrm>
+              <a:off x="12483792" y="4447052"/>
+              <a:ext cx="1698078" cy="2491858"/>
+            </a:xfrm>
+            <a:prstGeom prst="rect">
+              <a:avLst/>
+            </a:prstGeom>
+            <a:noFill/>
+            <a:ln w="38100">
+              <a:solidFill>
+                <a:srgbClr val="00B050"/>
+              </a:solidFill>
+              <a:prstDash val="sysDot"/>
+            </a:ln>
+          </p:spPr>
+          <p:style>
+            <a:lnRef idx="2">
+              <a:schemeClr val="accent1">
+                <a:shade val="50000"/>
+              </a:schemeClr>
+            </a:lnRef>
+            <a:fillRef idx="1">
+              <a:schemeClr val="accent1"/>
+            </a:fillRef>
+            <a:effectRef idx="0">
+              <a:schemeClr val="accent1"/>
+            </a:effectRef>
+            <a:fontRef idx="minor">
+              <a:schemeClr val="lt1"/>
+            </a:fontRef>
+          </p:style>
+          <p:txBody>
+            <a:bodyPr rtlCol="0" anchor="ctr"/>
+            <a:lstStyle/>
+            <a:p>
+              <a:pPr algn="ctr"/>
+              <a:endParaRPr lang="ko-KR" altLang="en-US"/>
+            </a:p>
+          </p:txBody>
+        </p:sp>
         <p:sp>
           <p:nvSpPr>
             <p:cNvPr id="43" name="TextBox 42">
@@ -18448,7 +18580,7 @@
           </p:nvSpPr>
           <p:spPr>
             <a:xfrm>
-              <a:off x="1291362" y="8959159"/>
+              <a:off x="1428522" y="8920884"/>
               <a:ext cx="1174745" cy="523220"/>
             </a:xfrm>
             <a:prstGeom prst="rect">
@@ -18470,532 +18602,490 @@
             </a:p>
           </p:txBody>
         </p:sp>
-        <p:grpSp>
-          <p:nvGrpSpPr>
-            <p:cNvPr id="98" name="그룹 97">
+        <p:pic>
+          <p:nvPicPr>
+            <p:cNvPr id="86" name="그림 85">
               <a:extLst>
                 <a:ext uri="{FF2B5EF4-FFF2-40B4-BE49-F238E27FC236}">
-                  <a16:creationId xmlns:a16="http://schemas.microsoft.com/office/drawing/2014/main" id="{1F2408FE-65AF-4C47-92EA-130C1A355E1E}"/>
+                  <a16:creationId xmlns:a16="http://schemas.microsoft.com/office/drawing/2014/main" id="{76210A8C-B864-4E74-BBF4-02F818CD2755}"/>
                 </a:ext>
               </a:extLst>
             </p:cNvPr>
-            <p:cNvGrpSpPr/>
+            <p:cNvPicPr>
+              <a:picLocks noChangeAspect="1"/>
+            </p:cNvPicPr>
             <p:nvPr/>
-          </p:nvGrpSpPr>
-          <p:grpSpPr>
+          </p:nvPicPr>
+          <p:blipFill>
+            <a:blip r:embed="rId6"/>
+            <a:stretch>
+              <a:fillRect/>
+            </a:stretch>
+          </p:blipFill>
+          <p:spPr>
             <a:xfrm>
-              <a:off x="1949026" y="7678690"/>
+              <a:off x="2086186" y="7640415"/>
               <a:ext cx="9248775" cy="3476625"/>
-              <a:chOff x="1949026" y="7678690"/>
-              <a:chExt cx="9248775" cy="3476625"/>
             </a:xfrm>
-          </p:grpSpPr>
-          <p:pic>
-            <p:nvPicPr>
-              <p:cNvPr id="86" name="그림 85">
-                <a:extLst>
-                  <a:ext uri="{FF2B5EF4-FFF2-40B4-BE49-F238E27FC236}">
-                    <a16:creationId xmlns:a16="http://schemas.microsoft.com/office/drawing/2014/main" id="{76210A8C-B864-4E74-BBF4-02F818CD2755}"/>
-                  </a:ext>
-                </a:extLst>
-              </p:cNvPr>
-              <p:cNvPicPr>
-                <a:picLocks noChangeAspect="1"/>
-              </p:cNvPicPr>
-              <p:nvPr/>
-            </p:nvPicPr>
-            <p:blipFill>
-              <a:blip r:embed="rId6"/>
-              <a:stretch>
-                <a:fillRect/>
-              </a:stretch>
-            </p:blipFill>
-            <p:spPr>
-              <a:xfrm>
-                <a:off x="1949026" y="7678690"/>
-                <a:ext cx="9248775" cy="3476625"/>
-              </a:xfrm>
-              <a:prstGeom prst="rect">
-                <a:avLst/>
-              </a:prstGeom>
-            </p:spPr>
-          </p:pic>
-          <p:sp>
-            <p:nvSpPr>
-              <p:cNvPr id="24" name="직사각형 23">
-                <a:extLst>
-                  <a:ext uri="{FF2B5EF4-FFF2-40B4-BE49-F238E27FC236}">
-                    <a16:creationId xmlns:a16="http://schemas.microsoft.com/office/drawing/2014/main" id="{F8C881CE-24DF-47C2-951B-631A3B0AB636}"/>
-                  </a:ext>
-                </a:extLst>
-              </p:cNvPr>
-              <p:cNvSpPr/>
-              <p:nvPr/>
-            </p:nvSpPr>
-            <p:spPr>
-              <a:xfrm>
-                <a:off x="3190216" y="9016380"/>
-                <a:ext cx="904313" cy="1691499"/>
-              </a:xfrm>
-              <a:prstGeom prst="rect">
-                <a:avLst/>
-              </a:prstGeom>
-              <a:noFill/>
-              <a:ln w="28575">
-                <a:solidFill>
-                  <a:schemeClr val="tx1"/>
-                </a:solidFill>
-                <a:prstDash val="sysDot"/>
-              </a:ln>
-            </p:spPr>
-            <p:style>
-              <a:lnRef idx="2">
-                <a:schemeClr val="accent1">
-                  <a:shade val="50000"/>
-                </a:schemeClr>
-              </a:lnRef>
-              <a:fillRef idx="1">
-                <a:schemeClr val="accent1"/>
-              </a:fillRef>
-              <a:effectRef idx="0">
-                <a:schemeClr val="accent1"/>
-              </a:effectRef>
-              <a:fontRef idx="minor">
-                <a:schemeClr val="lt1"/>
-              </a:fontRef>
-            </p:style>
-            <p:txBody>
-              <a:bodyPr rtlCol="0" anchor="ctr"/>
-              <a:lstStyle/>
-              <a:p>
-                <a:pPr algn="ctr"/>
-                <a:endParaRPr lang="ko-KR" altLang="en-US"/>
-              </a:p>
-            </p:txBody>
-          </p:sp>
-          <p:sp>
-            <p:nvSpPr>
-              <p:cNvPr id="25" name="직사각형 24">
-                <a:extLst>
-                  <a:ext uri="{FF2B5EF4-FFF2-40B4-BE49-F238E27FC236}">
-                    <a16:creationId xmlns:a16="http://schemas.microsoft.com/office/drawing/2014/main" id="{D2D20FE1-654D-4783-94BB-CB3D6B1EB09D}"/>
-                  </a:ext>
-                </a:extLst>
-              </p:cNvPr>
-              <p:cNvSpPr/>
-              <p:nvPr/>
-            </p:nvSpPr>
-            <p:spPr>
-              <a:xfrm>
-                <a:off x="4858450" y="8751847"/>
-                <a:ext cx="1174745" cy="1032233"/>
-              </a:xfrm>
-              <a:prstGeom prst="rect">
-                <a:avLst/>
-              </a:prstGeom>
-              <a:noFill/>
-              <a:ln w="28575">
-                <a:solidFill>
-                  <a:schemeClr val="tx1"/>
-                </a:solidFill>
-                <a:prstDash val="sysDot"/>
-              </a:ln>
-            </p:spPr>
-            <p:style>
-              <a:lnRef idx="2">
-                <a:schemeClr val="accent1">
-                  <a:shade val="50000"/>
-                </a:schemeClr>
-              </a:lnRef>
-              <a:fillRef idx="1">
-                <a:schemeClr val="accent1"/>
-              </a:fillRef>
-              <a:effectRef idx="0">
-                <a:schemeClr val="accent1"/>
-              </a:effectRef>
-              <a:fontRef idx="minor">
-                <a:schemeClr val="lt1"/>
-              </a:fontRef>
-            </p:style>
-            <p:txBody>
-              <a:bodyPr rtlCol="0" anchor="ctr"/>
-              <a:lstStyle/>
-              <a:p>
-                <a:pPr algn="ctr"/>
-                <a:endParaRPr lang="ko-KR" altLang="en-US"/>
-              </a:p>
-            </p:txBody>
-          </p:sp>
-          <p:sp>
-            <p:nvSpPr>
-              <p:cNvPr id="75" name="직사각형 74">
-                <a:extLst>
-                  <a:ext uri="{FF2B5EF4-FFF2-40B4-BE49-F238E27FC236}">
-                    <a16:creationId xmlns:a16="http://schemas.microsoft.com/office/drawing/2014/main" id="{DFCD09B9-CD9C-492E-A1B4-3184F5E1219E}"/>
-                  </a:ext>
-                </a:extLst>
-              </p:cNvPr>
-              <p:cNvSpPr/>
-              <p:nvPr/>
-            </p:nvSpPr>
-            <p:spPr>
-              <a:xfrm>
-                <a:off x="7170285" y="8234776"/>
-                <a:ext cx="2211882" cy="1032233"/>
-              </a:xfrm>
-              <a:prstGeom prst="rect">
-                <a:avLst/>
-              </a:prstGeom>
-              <a:noFill/>
-              <a:ln w="28575">
-                <a:solidFill>
-                  <a:schemeClr val="tx1"/>
-                </a:solidFill>
-                <a:prstDash val="sysDot"/>
-              </a:ln>
-            </p:spPr>
-            <p:style>
-              <a:lnRef idx="2">
-                <a:schemeClr val="accent1">
-                  <a:shade val="50000"/>
-                </a:schemeClr>
-              </a:lnRef>
-              <a:fillRef idx="1">
-                <a:schemeClr val="accent1"/>
-              </a:fillRef>
-              <a:effectRef idx="0">
-                <a:schemeClr val="accent1"/>
-              </a:effectRef>
-              <a:fontRef idx="minor">
-                <a:schemeClr val="lt1"/>
-              </a:fontRef>
-            </p:style>
-            <p:txBody>
-              <a:bodyPr rtlCol="0" anchor="ctr"/>
-              <a:lstStyle/>
-              <a:p>
-                <a:pPr algn="ctr"/>
-                <a:endParaRPr lang="ko-KR" altLang="en-US"/>
-              </a:p>
-            </p:txBody>
-          </p:sp>
-          <p:sp>
-            <p:nvSpPr>
-              <p:cNvPr id="76" name="직사각형 75">
-                <a:extLst>
-                  <a:ext uri="{FF2B5EF4-FFF2-40B4-BE49-F238E27FC236}">
-                    <a16:creationId xmlns:a16="http://schemas.microsoft.com/office/drawing/2014/main" id="{16788977-13F1-4F5A-839E-5EFE45E91E36}"/>
-                  </a:ext>
-                </a:extLst>
-              </p:cNvPr>
-              <p:cNvSpPr/>
-              <p:nvPr/>
-            </p:nvSpPr>
-            <p:spPr>
-              <a:xfrm>
-                <a:off x="9988232" y="8095405"/>
-                <a:ext cx="832956" cy="1293843"/>
-              </a:xfrm>
-              <a:prstGeom prst="rect">
-                <a:avLst/>
-              </a:prstGeom>
-              <a:noFill/>
-              <a:ln w="28575">
-                <a:solidFill>
-                  <a:schemeClr val="tx1"/>
-                </a:solidFill>
-                <a:prstDash val="sysDot"/>
-              </a:ln>
-            </p:spPr>
-            <p:style>
-              <a:lnRef idx="2">
-                <a:schemeClr val="accent1">
-                  <a:shade val="50000"/>
-                </a:schemeClr>
-              </a:lnRef>
-              <a:fillRef idx="1">
-                <a:schemeClr val="accent1"/>
-              </a:fillRef>
-              <a:effectRef idx="0">
-                <a:schemeClr val="accent1"/>
-              </a:effectRef>
-              <a:fontRef idx="minor">
-                <a:schemeClr val="lt1"/>
-              </a:fontRef>
-            </p:style>
-            <p:txBody>
-              <a:bodyPr rtlCol="0" anchor="ctr"/>
-              <a:lstStyle/>
-              <a:p>
-                <a:pPr algn="ctr"/>
-                <a:endParaRPr lang="ko-KR" altLang="en-US"/>
-              </a:p>
-            </p:txBody>
-          </p:sp>
-        </p:grpSp>
-        <p:grpSp>
-          <p:nvGrpSpPr>
-            <p:cNvPr id="94" name="그룹 93">
+            <a:prstGeom prst="rect">
+              <a:avLst/>
+            </a:prstGeom>
+          </p:spPr>
+        </p:pic>
+        <p:sp>
+          <p:nvSpPr>
+            <p:cNvPr id="24" name="직사각형 23">
               <a:extLst>
                 <a:ext uri="{FF2B5EF4-FFF2-40B4-BE49-F238E27FC236}">
-                  <a16:creationId xmlns:a16="http://schemas.microsoft.com/office/drawing/2014/main" id="{EC24754A-7024-4A12-AEF7-603E82F2C520}"/>
+                  <a16:creationId xmlns:a16="http://schemas.microsoft.com/office/drawing/2014/main" id="{F8C881CE-24DF-47C2-951B-631A3B0AB636}"/>
                 </a:ext>
               </a:extLst>
             </p:cNvPr>
-            <p:cNvGrpSpPr/>
+            <p:cNvSpPr/>
             <p:nvPr/>
-          </p:nvGrpSpPr>
-          <p:grpSpPr>
+          </p:nvSpPr>
+          <p:spPr>
             <a:xfrm>
-              <a:off x="11197801" y="7678690"/>
+              <a:off x="3327376" y="8978105"/>
+              <a:ext cx="904313" cy="1691499"/>
+            </a:xfrm>
+            <a:prstGeom prst="rect">
+              <a:avLst/>
+            </a:prstGeom>
+            <a:noFill/>
+            <a:ln w="38100">
+              <a:solidFill>
+                <a:srgbClr val="00B050"/>
+              </a:solidFill>
+              <a:prstDash val="sysDot"/>
+            </a:ln>
+          </p:spPr>
+          <p:style>
+            <a:lnRef idx="2">
+              <a:schemeClr val="accent1">
+                <a:shade val="50000"/>
+              </a:schemeClr>
+            </a:lnRef>
+            <a:fillRef idx="1">
+              <a:schemeClr val="accent1"/>
+            </a:fillRef>
+            <a:effectRef idx="0">
+              <a:schemeClr val="accent1"/>
+            </a:effectRef>
+            <a:fontRef idx="minor">
+              <a:schemeClr val="lt1"/>
+            </a:fontRef>
+          </p:style>
+          <p:txBody>
+            <a:bodyPr rtlCol="0" anchor="ctr"/>
+            <a:lstStyle/>
+            <a:p>
+              <a:pPr algn="ctr"/>
+              <a:endParaRPr lang="ko-KR" altLang="en-US"/>
+            </a:p>
+          </p:txBody>
+        </p:sp>
+        <p:sp>
+          <p:nvSpPr>
+            <p:cNvPr id="25" name="직사각형 24">
+              <a:extLst>
+                <a:ext uri="{FF2B5EF4-FFF2-40B4-BE49-F238E27FC236}">
+                  <a16:creationId xmlns:a16="http://schemas.microsoft.com/office/drawing/2014/main" id="{D2D20FE1-654D-4783-94BB-CB3D6B1EB09D}"/>
+                </a:ext>
+              </a:extLst>
+            </p:cNvPr>
+            <p:cNvSpPr/>
+            <p:nvPr/>
+          </p:nvSpPr>
+          <p:spPr>
+            <a:xfrm>
+              <a:off x="4995610" y="8713572"/>
+              <a:ext cx="1174745" cy="1032233"/>
+            </a:xfrm>
+            <a:prstGeom prst="rect">
+              <a:avLst/>
+            </a:prstGeom>
+            <a:noFill/>
+            <a:ln w="38100">
+              <a:solidFill>
+                <a:srgbClr val="00B050"/>
+              </a:solidFill>
+              <a:prstDash val="sysDot"/>
+            </a:ln>
+          </p:spPr>
+          <p:style>
+            <a:lnRef idx="2">
+              <a:schemeClr val="accent1">
+                <a:shade val="50000"/>
+              </a:schemeClr>
+            </a:lnRef>
+            <a:fillRef idx="1">
+              <a:schemeClr val="accent1"/>
+            </a:fillRef>
+            <a:effectRef idx="0">
+              <a:schemeClr val="accent1"/>
+            </a:effectRef>
+            <a:fontRef idx="minor">
+              <a:schemeClr val="lt1"/>
+            </a:fontRef>
+          </p:style>
+          <p:txBody>
+            <a:bodyPr rtlCol="0" anchor="ctr"/>
+            <a:lstStyle/>
+            <a:p>
+              <a:pPr algn="ctr"/>
+              <a:endParaRPr lang="ko-KR" altLang="en-US"/>
+            </a:p>
+          </p:txBody>
+        </p:sp>
+        <p:sp>
+          <p:nvSpPr>
+            <p:cNvPr id="75" name="직사각형 74">
+              <a:extLst>
+                <a:ext uri="{FF2B5EF4-FFF2-40B4-BE49-F238E27FC236}">
+                  <a16:creationId xmlns:a16="http://schemas.microsoft.com/office/drawing/2014/main" id="{DFCD09B9-CD9C-492E-A1B4-3184F5E1219E}"/>
+                </a:ext>
+              </a:extLst>
+            </p:cNvPr>
+            <p:cNvSpPr/>
+            <p:nvPr/>
+          </p:nvSpPr>
+          <p:spPr>
+            <a:xfrm>
+              <a:off x="7307445" y="8196501"/>
+              <a:ext cx="2211882" cy="1032233"/>
+            </a:xfrm>
+            <a:prstGeom prst="rect">
+              <a:avLst/>
+            </a:prstGeom>
+            <a:noFill/>
+            <a:ln w="38100">
+              <a:solidFill>
+                <a:srgbClr val="00B050"/>
+              </a:solidFill>
+              <a:prstDash val="sysDot"/>
+            </a:ln>
+          </p:spPr>
+          <p:style>
+            <a:lnRef idx="2">
+              <a:schemeClr val="accent1">
+                <a:shade val="50000"/>
+              </a:schemeClr>
+            </a:lnRef>
+            <a:fillRef idx="1">
+              <a:schemeClr val="accent1"/>
+            </a:fillRef>
+            <a:effectRef idx="0">
+              <a:schemeClr val="accent1"/>
+            </a:effectRef>
+            <a:fontRef idx="minor">
+              <a:schemeClr val="lt1"/>
+            </a:fontRef>
+          </p:style>
+          <p:txBody>
+            <a:bodyPr rtlCol="0" anchor="ctr"/>
+            <a:lstStyle/>
+            <a:p>
+              <a:pPr algn="ctr"/>
+              <a:endParaRPr lang="ko-KR" altLang="en-US"/>
+            </a:p>
+          </p:txBody>
+        </p:sp>
+        <p:sp>
+          <p:nvSpPr>
+            <p:cNvPr id="76" name="직사각형 75">
+              <a:extLst>
+                <a:ext uri="{FF2B5EF4-FFF2-40B4-BE49-F238E27FC236}">
+                  <a16:creationId xmlns:a16="http://schemas.microsoft.com/office/drawing/2014/main" id="{16788977-13F1-4F5A-839E-5EFE45E91E36}"/>
+                </a:ext>
+              </a:extLst>
+            </p:cNvPr>
+            <p:cNvSpPr/>
+            <p:nvPr/>
+          </p:nvSpPr>
+          <p:spPr>
+            <a:xfrm>
+              <a:off x="10125392" y="8057130"/>
+              <a:ext cx="832956" cy="1293843"/>
+            </a:xfrm>
+            <a:prstGeom prst="rect">
+              <a:avLst/>
+            </a:prstGeom>
+            <a:noFill/>
+            <a:ln w="38100">
+              <a:solidFill>
+                <a:srgbClr val="00B050"/>
+              </a:solidFill>
+              <a:prstDash val="sysDot"/>
+            </a:ln>
+          </p:spPr>
+          <p:style>
+            <a:lnRef idx="2">
+              <a:schemeClr val="accent1">
+                <a:shade val="50000"/>
+              </a:schemeClr>
+            </a:lnRef>
+            <a:fillRef idx="1">
+              <a:schemeClr val="accent1"/>
+            </a:fillRef>
+            <a:effectRef idx="0">
+              <a:schemeClr val="accent1"/>
+            </a:effectRef>
+            <a:fontRef idx="minor">
+              <a:schemeClr val="lt1"/>
+            </a:fontRef>
+          </p:style>
+          <p:txBody>
+            <a:bodyPr rtlCol="0" anchor="ctr"/>
+            <a:lstStyle/>
+            <a:p>
+              <a:pPr algn="ctr"/>
+              <a:endParaRPr lang="ko-KR" altLang="en-US"/>
+            </a:p>
+          </p:txBody>
+        </p:sp>
+        <p:pic>
+          <p:nvPicPr>
+            <p:cNvPr id="88" name="그림 87">
+              <a:extLst>
+                <a:ext uri="{FF2B5EF4-FFF2-40B4-BE49-F238E27FC236}">
+                  <a16:creationId xmlns:a16="http://schemas.microsoft.com/office/drawing/2014/main" id="{4451254D-A787-4815-83AC-C89CEC1DC526}"/>
+                </a:ext>
+              </a:extLst>
+            </p:cNvPr>
+            <p:cNvPicPr>
+              <a:picLocks noChangeAspect="1"/>
+            </p:cNvPicPr>
+            <p:nvPr/>
+          </p:nvPicPr>
+          <p:blipFill>
+            <a:blip r:embed="rId7"/>
+            <a:stretch>
+              <a:fillRect/>
+            </a:stretch>
+          </p:blipFill>
+          <p:spPr>
+            <a:xfrm>
+              <a:off x="11334961" y="7640415"/>
               <a:ext cx="9191625" cy="3543300"/>
-              <a:chOff x="11197801" y="7678690"/>
-              <a:chExt cx="9191625" cy="3543300"/>
             </a:xfrm>
-          </p:grpSpPr>
-          <p:pic>
-            <p:nvPicPr>
-              <p:cNvPr id="88" name="그림 87">
-                <a:extLst>
-                  <a:ext uri="{FF2B5EF4-FFF2-40B4-BE49-F238E27FC236}">
-                    <a16:creationId xmlns:a16="http://schemas.microsoft.com/office/drawing/2014/main" id="{4451254D-A787-4815-83AC-C89CEC1DC526}"/>
-                  </a:ext>
-                </a:extLst>
-              </p:cNvPr>
-              <p:cNvPicPr>
-                <a:picLocks noChangeAspect="1"/>
-              </p:cNvPicPr>
-              <p:nvPr/>
-            </p:nvPicPr>
-            <p:blipFill>
-              <a:blip r:embed="rId7"/>
-              <a:stretch>
-                <a:fillRect/>
-              </a:stretch>
-            </p:blipFill>
-            <p:spPr>
-              <a:xfrm>
-                <a:off x="11197801" y="7678690"/>
-                <a:ext cx="9191625" cy="3543300"/>
-              </a:xfrm>
-              <a:prstGeom prst="rect">
-                <a:avLst/>
-              </a:prstGeom>
-            </p:spPr>
-          </p:pic>
-          <p:sp>
-            <p:nvSpPr>
-              <p:cNvPr id="28" name="직사각형 27">
-                <a:extLst>
-                  <a:ext uri="{FF2B5EF4-FFF2-40B4-BE49-F238E27FC236}">
-                    <a16:creationId xmlns:a16="http://schemas.microsoft.com/office/drawing/2014/main" id="{7EF0F793-8566-465E-B82B-F06D32422925}"/>
-                  </a:ext>
-                </a:extLst>
-              </p:cNvPr>
-              <p:cNvSpPr/>
-              <p:nvPr/>
-            </p:nvSpPr>
-            <p:spPr>
-              <a:xfrm>
-                <a:off x="12421887" y="8489542"/>
-                <a:ext cx="815214" cy="1951290"/>
-              </a:xfrm>
-              <a:prstGeom prst="rect">
-                <a:avLst/>
-              </a:prstGeom>
-              <a:noFill/>
-              <a:ln w="28575">
-                <a:solidFill>
-                  <a:schemeClr val="tx1"/>
-                </a:solidFill>
-                <a:prstDash val="sysDot"/>
-              </a:ln>
-            </p:spPr>
-            <p:style>
-              <a:lnRef idx="2">
-                <a:schemeClr val="accent1">
-                  <a:shade val="50000"/>
-                </a:schemeClr>
-              </a:lnRef>
-              <a:fillRef idx="1">
-                <a:schemeClr val="accent1"/>
-              </a:fillRef>
-              <a:effectRef idx="0">
-                <a:schemeClr val="accent1"/>
-              </a:effectRef>
-              <a:fontRef idx="minor">
-                <a:schemeClr val="lt1"/>
-              </a:fontRef>
-            </p:style>
-            <p:txBody>
-              <a:bodyPr rtlCol="0" anchor="ctr"/>
-              <a:lstStyle/>
-              <a:p>
-                <a:pPr algn="ctr"/>
-                <a:endParaRPr lang="ko-KR" altLang="en-US"/>
-              </a:p>
-            </p:txBody>
-          </p:sp>
-          <p:sp>
-            <p:nvSpPr>
-              <p:cNvPr id="30" name="직사각형 29">
-                <a:extLst>
-                  <a:ext uri="{FF2B5EF4-FFF2-40B4-BE49-F238E27FC236}">
-                    <a16:creationId xmlns:a16="http://schemas.microsoft.com/office/drawing/2014/main" id="{E21B902B-EAAE-4A2D-9C1E-A0677195FEB5}"/>
-                  </a:ext>
-                </a:extLst>
-              </p:cNvPr>
-              <p:cNvSpPr/>
-              <p:nvPr/>
-            </p:nvSpPr>
-            <p:spPr>
-              <a:xfrm>
-                <a:off x="19470560" y="8314626"/>
-                <a:ext cx="579244" cy="2126206"/>
-              </a:xfrm>
-              <a:prstGeom prst="rect">
-                <a:avLst/>
-              </a:prstGeom>
-              <a:noFill/>
-              <a:ln w="28575">
-                <a:solidFill>
-                  <a:schemeClr val="tx1"/>
-                </a:solidFill>
-                <a:prstDash val="sysDot"/>
-              </a:ln>
-            </p:spPr>
-            <p:style>
-              <a:lnRef idx="2">
-                <a:schemeClr val="accent1">
-                  <a:shade val="50000"/>
-                </a:schemeClr>
-              </a:lnRef>
-              <a:fillRef idx="1">
-                <a:schemeClr val="accent1"/>
-              </a:fillRef>
-              <a:effectRef idx="0">
-                <a:schemeClr val="accent1"/>
-              </a:effectRef>
-              <a:fontRef idx="minor">
-                <a:schemeClr val="lt1"/>
-              </a:fontRef>
-            </p:style>
-            <p:txBody>
-              <a:bodyPr rtlCol="0" anchor="ctr"/>
-              <a:lstStyle/>
-              <a:p>
-                <a:pPr algn="ctr"/>
-                <a:endParaRPr lang="ko-KR" altLang="en-US"/>
-              </a:p>
-            </p:txBody>
-          </p:sp>
-          <p:sp>
-            <p:nvSpPr>
-              <p:cNvPr id="74" name="직사각형 73">
-                <a:extLst>
-                  <a:ext uri="{FF2B5EF4-FFF2-40B4-BE49-F238E27FC236}">
-                    <a16:creationId xmlns:a16="http://schemas.microsoft.com/office/drawing/2014/main" id="{87980BF3-E128-40DA-B8FA-EEF8B9CCBBAD}"/>
-                  </a:ext>
-                </a:extLst>
-              </p:cNvPr>
-              <p:cNvSpPr/>
-              <p:nvPr/>
-            </p:nvSpPr>
-            <p:spPr>
-              <a:xfrm>
-                <a:off x="14244133" y="8432954"/>
-                <a:ext cx="1231213" cy="1032233"/>
-              </a:xfrm>
-              <a:prstGeom prst="rect">
-                <a:avLst/>
-              </a:prstGeom>
-              <a:noFill/>
-              <a:ln w="28575">
-                <a:solidFill>
-                  <a:schemeClr val="tx1"/>
-                </a:solidFill>
-                <a:prstDash val="sysDot"/>
-              </a:ln>
-            </p:spPr>
-            <p:style>
-              <a:lnRef idx="2">
-                <a:schemeClr val="accent1">
-                  <a:shade val="50000"/>
-                </a:schemeClr>
-              </a:lnRef>
-              <a:fillRef idx="1">
-                <a:schemeClr val="accent1"/>
-              </a:fillRef>
-              <a:effectRef idx="0">
-                <a:schemeClr val="accent1"/>
-              </a:effectRef>
-              <a:fontRef idx="minor">
-                <a:schemeClr val="lt1"/>
-              </a:fontRef>
-            </p:style>
-            <p:txBody>
-              <a:bodyPr rtlCol="0" anchor="ctr"/>
-              <a:lstStyle/>
-              <a:p>
-                <a:pPr algn="ctr"/>
-                <a:endParaRPr lang="ko-KR" altLang="en-US"/>
-              </a:p>
-            </p:txBody>
-          </p:sp>
-          <p:sp>
-            <p:nvSpPr>
-              <p:cNvPr id="77" name="직사각형 76">
-                <a:extLst>
-                  <a:ext uri="{FF2B5EF4-FFF2-40B4-BE49-F238E27FC236}">
-                    <a16:creationId xmlns:a16="http://schemas.microsoft.com/office/drawing/2014/main" id="{F07F4073-CE7A-4A5F-BBC6-FC71F867BF01}"/>
-                  </a:ext>
-                </a:extLst>
-              </p:cNvPr>
-              <p:cNvSpPr/>
-              <p:nvPr/>
-            </p:nvSpPr>
-            <p:spPr>
-              <a:xfrm>
-                <a:off x="16656634" y="8150519"/>
-                <a:ext cx="2211882" cy="1032233"/>
-              </a:xfrm>
-              <a:prstGeom prst="rect">
-                <a:avLst/>
-              </a:prstGeom>
-              <a:noFill/>
-              <a:ln w="28575">
-                <a:solidFill>
-                  <a:schemeClr val="tx1"/>
-                </a:solidFill>
-                <a:prstDash val="sysDot"/>
-              </a:ln>
-            </p:spPr>
-            <p:style>
-              <a:lnRef idx="2">
-                <a:schemeClr val="accent1">
-                  <a:shade val="50000"/>
-                </a:schemeClr>
-              </a:lnRef>
-              <a:fillRef idx="1">
-                <a:schemeClr val="accent1"/>
-              </a:fillRef>
-              <a:effectRef idx="0">
-                <a:schemeClr val="accent1"/>
-              </a:effectRef>
-              <a:fontRef idx="minor">
-                <a:schemeClr val="lt1"/>
-              </a:fontRef>
-            </p:style>
-            <p:txBody>
-              <a:bodyPr rtlCol="0" anchor="ctr"/>
-              <a:lstStyle/>
-              <a:p>
-                <a:pPr algn="ctr"/>
-                <a:endParaRPr lang="ko-KR" altLang="en-US"/>
-              </a:p>
-            </p:txBody>
-          </p:sp>
-        </p:grpSp>
+            <a:prstGeom prst="rect">
+              <a:avLst/>
+            </a:prstGeom>
+          </p:spPr>
+        </p:pic>
+        <p:sp>
+          <p:nvSpPr>
+            <p:cNvPr id="28" name="직사각형 27">
+              <a:extLst>
+                <a:ext uri="{FF2B5EF4-FFF2-40B4-BE49-F238E27FC236}">
+                  <a16:creationId xmlns:a16="http://schemas.microsoft.com/office/drawing/2014/main" id="{7EF0F793-8566-465E-B82B-F06D32422925}"/>
+                </a:ext>
+              </a:extLst>
+            </p:cNvPr>
+            <p:cNvSpPr/>
+            <p:nvPr/>
+          </p:nvSpPr>
+          <p:spPr>
+            <a:xfrm>
+              <a:off x="12559047" y="8451267"/>
+              <a:ext cx="815214" cy="1951290"/>
+            </a:xfrm>
+            <a:prstGeom prst="rect">
+              <a:avLst/>
+            </a:prstGeom>
+            <a:noFill/>
+            <a:ln w="38100">
+              <a:solidFill>
+                <a:srgbClr val="00B050"/>
+              </a:solidFill>
+              <a:prstDash val="sysDot"/>
+            </a:ln>
+          </p:spPr>
+          <p:style>
+            <a:lnRef idx="2">
+              <a:schemeClr val="accent1">
+                <a:shade val="50000"/>
+              </a:schemeClr>
+            </a:lnRef>
+            <a:fillRef idx="1">
+              <a:schemeClr val="accent1"/>
+            </a:fillRef>
+            <a:effectRef idx="0">
+              <a:schemeClr val="accent1"/>
+            </a:effectRef>
+            <a:fontRef idx="minor">
+              <a:schemeClr val="lt1"/>
+            </a:fontRef>
+          </p:style>
+          <p:txBody>
+            <a:bodyPr rtlCol="0" anchor="ctr"/>
+            <a:lstStyle/>
+            <a:p>
+              <a:pPr algn="ctr"/>
+              <a:endParaRPr lang="ko-KR" altLang="en-US"/>
+            </a:p>
+          </p:txBody>
+        </p:sp>
+        <p:sp>
+          <p:nvSpPr>
+            <p:cNvPr id="30" name="직사각형 29">
+              <a:extLst>
+                <a:ext uri="{FF2B5EF4-FFF2-40B4-BE49-F238E27FC236}">
+                  <a16:creationId xmlns:a16="http://schemas.microsoft.com/office/drawing/2014/main" id="{E21B902B-EAAE-4A2D-9C1E-A0677195FEB5}"/>
+                </a:ext>
+              </a:extLst>
+            </p:cNvPr>
+            <p:cNvSpPr/>
+            <p:nvPr/>
+          </p:nvSpPr>
+          <p:spPr>
+            <a:xfrm>
+              <a:off x="19607720" y="8276351"/>
+              <a:ext cx="579244" cy="2126206"/>
+            </a:xfrm>
+            <a:prstGeom prst="rect">
+              <a:avLst/>
+            </a:prstGeom>
+            <a:noFill/>
+            <a:ln w="38100">
+              <a:solidFill>
+                <a:srgbClr val="00B050"/>
+              </a:solidFill>
+              <a:prstDash val="sysDot"/>
+            </a:ln>
+          </p:spPr>
+          <p:style>
+            <a:lnRef idx="2">
+              <a:schemeClr val="accent1">
+                <a:shade val="50000"/>
+              </a:schemeClr>
+            </a:lnRef>
+            <a:fillRef idx="1">
+              <a:schemeClr val="accent1"/>
+            </a:fillRef>
+            <a:effectRef idx="0">
+              <a:schemeClr val="accent1"/>
+            </a:effectRef>
+            <a:fontRef idx="minor">
+              <a:schemeClr val="lt1"/>
+            </a:fontRef>
+          </p:style>
+          <p:txBody>
+            <a:bodyPr rtlCol="0" anchor="ctr"/>
+            <a:lstStyle/>
+            <a:p>
+              <a:pPr algn="ctr"/>
+              <a:endParaRPr lang="ko-KR" altLang="en-US"/>
+            </a:p>
+          </p:txBody>
+        </p:sp>
+        <p:sp>
+          <p:nvSpPr>
+            <p:cNvPr id="74" name="직사각형 73">
+              <a:extLst>
+                <a:ext uri="{FF2B5EF4-FFF2-40B4-BE49-F238E27FC236}">
+                  <a16:creationId xmlns:a16="http://schemas.microsoft.com/office/drawing/2014/main" id="{87980BF3-E128-40DA-B8FA-EEF8B9CCBBAD}"/>
+                </a:ext>
+              </a:extLst>
+            </p:cNvPr>
+            <p:cNvSpPr/>
+            <p:nvPr/>
+          </p:nvSpPr>
+          <p:spPr>
+            <a:xfrm>
+              <a:off x="14381293" y="8394679"/>
+              <a:ext cx="1231213" cy="1032233"/>
+            </a:xfrm>
+            <a:prstGeom prst="rect">
+              <a:avLst/>
+            </a:prstGeom>
+            <a:noFill/>
+            <a:ln w="38100">
+              <a:solidFill>
+                <a:srgbClr val="00B050"/>
+              </a:solidFill>
+              <a:prstDash val="sysDot"/>
+            </a:ln>
+          </p:spPr>
+          <p:style>
+            <a:lnRef idx="2">
+              <a:schemeClr val="accent1">
+                <a:shade val="50000"/>
+              </a:schemeClr>
+            </a:lnRef>
+            <a:fillRef idx="1">
+              <a:schemeClr val="accent1"/>
+            </a:fillRef>
+            <a:effectRef idx="0">
+              <a:schemeClr val="accent1"/>
+            </a:effectRef>
+            <a:fontRef idx="minor">
+              <a:schemeClr val="lt1"/>
+            </a:fontRef>
+          </p:style>
+          <p:txBody>
+            <a:bodyPr rtlCol="0" anchor="ctr"/>
+            <a:lstStyle/>
+            <a:p>
+              <a:pPr algn="ctr"/>
+              <a:endParaRPr lang="ko-KR" altLang="en-US"/>
+            </a:p>
+          </p:txBody>
+        </p:sp>
+        <p:sp>
+          <p:nvSpPr>
+            <p:cNvPr id="77" name="직사각형 76">
+              <a:extLst>
+                <a:ext uri="{FF2B5EF4-FFF2-40B4-BE49-F238E27FC236}">
+                  <a16:creationId xmlns:a16="http://schemas.microsoft.com/office/drawing/2014/main" id="{F07F4073-CE7A-4A5F-BBC6-FC71F867BF01}"/>
+                </a:ext>
+              </a:extLst>
+            </p:cNvPr>
+            <p:cNvSpPr/>
+            <p:nvPr/>
+          </p:nvSpPr>
+          <p:spPr>
+            <a:xfrm>
+              <a:off x="16793794" y="8112244"/>
+              <a:ext cx="2211882" cy="1032233"/>
+            </a:xfrm>
+            <a:prstGeom prst="rect">
+              <a:avLst/>
+            </a:prstGeom>
+            <a:noFill/>
+            <a:ln w="38100">
+              <a:solidFill>
+                <a:srgbClr val="00B050"/>
+              </a:solidFill>
+              <a:prstDash val="sysDot"/>
+            </a:ln>
+          </p:spPr>
+          <p:style>
+            <a:lnRef idx="2">
+              <a:schemeClr val="accent1">
+                <a:shade val="50000"/>
+              </a:schemeClr>
+            </a:lnRef>
+            <a:fillRef idx="1">
+              <a:schemeClr val="accent1"/>
+            </a:fillRef>
+            <a:effectRef idx="0">
+              <a:schemeClr val="accent1"/>
+            </a:effectRef>
+            <a:fontRef idx="minor">
+              <a:schemeClr val="lt1"/>
+            </a:fontRef>
+          </p:style>
+          <p:txBody>
+            <a:bodyPr rtlCol="0" anchor="ctr"/>
+            <a:lstStyle/>
+            <a:p>
+              <a:pPr algn="ctr"/>
+              <a:endParaRPr lang="ko-KR" altLang="en-US"/>
+            </a:p>
+          </p:txBody>
+        </p:sp>
       </p:grpSp>
     </p:spTree>
     <p:extLst>
@@ -19010,7 +19100,7 @@
 </p:sld>
 </file>
 
-<file path=ppt/slides/slide17.xml><?xml version="1.0" encoding="utf-8"?>
+<file path=ppt/slides/slide18.xml><?xml version="1.0" encoding="utf-8"?>
 <p:sld xmlns:a="http://schemas.openxmlformats.org/drawingml/2006/main" xmlns:r="http://schemas.openxmlformats.org/officeDocument/2006/relationships" xmlns:p="http://schemas.openxmlformats.org/presentationml/2006/main">
   <p:cSld>
     <p:spTree>
@@ -19142,7 +19232,7 @@
 </p:sld>
 </file>
 
-<file path=ppt/slides/slide18.xml><?xml version="1.0" encoding="utf-8"?>
+<file path=ppt/slides/slide19.xml><?xml version="1.0" encoding="utf-8"?>
 <p:sld xmlns:a="http://schemas.openxmlformats.org/drawingml/2006/main" xmlns:r="http://schemas.openxmlformats.org/officeDocument/2006/relationships" xmlns:p="http://schemas.openxmlformats.org/presentationml/2006/main">
   <p:cSld>
     <p:spTree>
@@ -20608,15 +20698,7 @@
           <a:p>
             <a:r>
               <a:rPr lang="en-US" altLang="ko-KR" dirty="0"/>
-              <a:t>MAPE (</a:t>
-            </a:r>
-            <a:r>
-              <a:rPr lang="ko-KR" altLang="en-US" dirty="0"/>
-              <a:t>정규화 전</a:t>
-            </a:r>
-            <a:r>
-              <a:rPr lang="en-US" altLang="ko-KR" dirty="0"/>
-              <a:t>)</a:t>
+              <a:t>MAPE(%)</a:t>
             </a:r>
             <a:endParaRPr lang="ko-KR" altLang="en-US" dirty="0"/>
           </a:p>
@@ -20637,14 +20719,14 @@
           <p:nvPr>
             <p:extLst>
               <p:ext uri="{D42A27DB-BD31-4B8C-83A1-F6EECF244321}">
-                <p14:modId xmlns:p14="http://schemas.microsoft.com/office/powerpoint/2010/main" val="3541087070"/>
+                <p14:modId xmlns:p14="http://schemas.microsoft.com/office/powerpoint/2010/main" val="2561971830"/>
               </p:ext>
             </p:extLst>
           </p:nvPr>
         </p:nvGraphicFramePr>
         <p:xfrm>
-          <a:off x="2299007" y="3641557"/>
-          <a:ext cx="17076124" cy="7084913"/>
+          <a:off x="2004040" y="2553543"/>
+          <a:ext cx="17076124" cy="8528387"/>
         </p:xfrm>
         <a:graphic>
           <a:graphicData uri="http://schemas.openxmlformats.org/drawingml/2006/table">
@@ -20958,7 +21040,7 @@
                       <a:pPr latinLnBrk="1"/>
                       <a:r>
                         <a:rPr lang="en-US" altLang="ko-KR" sz="2800" dirty="0"/>
-                        <a:t>2.8872087544547393</a:t>
+                        <a:t>2.88</a:t>
                       </a:r>
                       <a:endParaRPr lang="ko-KR" altLang="en-US" sz="2800" dirty="0"/>
                     </a:p>
@@ -21010,7 +21092,7 @@
                       <a:pPr latinLnBrk="1"/>
                       <a:r>
                         <a:rPr lang="en-US" altLang="ko-KR" sz="2800" dirty="0"/>
-                        <a:t>5.861178684017609</a:t>
+                        <a:t>5.86</a:t>
                       </a:r>
                       <a:endParaRPr lang="ko-KR" altLang="en-US" sz="2800" dirty="0"/>
                     </a:p>
@@ -21062,7 +21144,7 @@
                       <a:pPr latinLnBrk="1"/>
                       <a:r>
                         <a:rPr lang="en-US" altLang="ko-KR" sz="2800" dirty="0"/>
-                        <a:t>6.038429821194515</a:t>
+                        <a:t>6.03</a:t>
                       </a:r>
                       <a:endParaRPr lang="ko-KR" altLang="en-US" sz="2800" dirty="0"/>
                     </a:p>
@@ -21173,7 +21255,7 @@
                       <a:pPr latinLnBrk="1"/>
                       <a:r>
                         <a:rPr lang="en-US" altLang="ko-KR" sz="2800" dirty="0"/>
-                        <a:t>6.417701990876125</a:t>
+                        <a:t>6.41</a:t>
                       </a:r>
                       <a:endParaRPr lang="ko-KR" altLang="en-US" sz="2800" dirty="0"/>
                     </a:p>
@@ -21225,7 +21307,7 @@
                       <a:pPr latinLnBrk="1"/>
                       <a:r>
                         <a:rPr lang="en-US" altLang="ko-KR" sz="2800" dirty="0"/>
-                        <a:t>13.429052407903647</a:t>
+                        <a:t>13.42</a:t>
                       </a:r>
                       <a:endParaRPr lang="ko-KR" altLang="en-US" sz="2800" dirty="0"/>
                     </a:p>
@@ -21277,7 +21359,7 @@
                       <a:pPr latinLnBrk="1"/>
                       <a:r>
                         <a:rPr lang="en-US" altLang="ko-KR" sz="2800" dirty="0"/>
-                        <a:t>16.18713528362225</a:t>
+                        <a:t>16.18</a:t>
                       </a:r>
                       <a:endParaRPr lang="ko-KR" altLang="en-US" sz="2800" dirty="0"/>
                     </a:p>
@@ -21400,7 +21482,7 @@
                             <a:srgbClr val="FFFF00"/>
                           </a:highlight>
                         </a:rPr>
-                        <a:t>13.225598377711108</a:t>
+                        <a:t>13.22</a:t>
                       </a:r>
                       <a:endParaRPr lang="ko-KR" altLang="en-US" sz="2800" dirty="0">
                         <a:highlight>
@@ -21460,7 +21542,7 @@
                             <a:srgbClr val="FFFF00"/>
                           </a:highlight>
                         </a:rPr>
-                        <a:t>54.8460506544275</a:t>
+                        <a:t>54.84</a:t>
                       </a:r>
                       <a:endParaRPr lang="ko-KR" altLang="en-US" sz="2800" dirty="0">
                         <a:highlight>
@@ -21520,7 +21602,7 @@
                             <a:srgbClr val="FFFF00"/>
                           </a:highlight>
                         </a:rPr>
-                        <a:t>26.609694501825466</a:t>
+                        <a:t>26.60</a:t>
                       </a:r>
                       <a:endParaRPr lang="ko-KR" altLang="en-US" sz="2800" dirty="0">
                         <a:highlight>
@@ -21647,7 +21729,7 @@
                             <a:srgbClr val="FFFF00"/>
                           </a:highlight>
                         </a:rPr>
-                        <a:t>13.822062628582088</a:t>
+                        <a:t>13.82</a:t>
                       </a:r>
                       <a:endParaRPr lang="ko-KR" altLang="en-US" sz="2800" dirty="0">
                         <a:highlight>
@@ -21707,7 +21789,7 @@
                             <a:srgbClr val="FFFF00"/>
                           </a:highlight>
                         </a:rPr>
-                        <a:t>51.23745428470032</a:t>
+                        <a:t>51.23</a:t>
                       </a:r>
                       <a:endParaRPr lang="ko-KR" altLang="en-US" sz="2800" dirty="0">
                         <a:highlight>
@@ -21767,7 +21849,7 @@
                             <a:srgbClr val="FFFF00"/>
                           </a:highlight>
                         </a:rPr>
-                        <a:t>21.83058127682691</a:t>
+                        <a:t>21.83</a:t>
                       </a:r>
                       <a:endParaRPr lang="ko-KR" altLang="en-US" sz="2800" dirty="0">
                         <a:highlight>
@@ -21894,7 +21976,7 @@
                             <a:srgbClr val="FFFF00"/>
                           </a:highlight>
                         </a:rPr>
-                        <a:t>15.74471020429046</a:t>
+                        <a:t>15.74</a:t>
                       </a:r>
                       <a:endParaRPr lang="ko-KR" altLang="en-US" sz="2800" dirty="0">
                         <a:highlight>
@@ -21954,7 +22036,7 @@
                             <a:srgbClr val="FFFF00"/>
                           </a:highlight>
                         </a:rPr>
-                        <a:t>172.7571737338772</a:t>
+                        <a:t>172.75</a:t>
                       </a:r>
                       <a:endParaRPr lang="ko-KR" altLang="en-US" sz="2800" dirty="0">
                         <a:highlight>
@@ -22014,7 +22096,7 @@
                             <a:srgbClr val="FFFF00"/>
                           </a:highlight>
                         </a:rPr>
-                        <a:t>56.64611957484694</a:t>
+                        <a:t>56.64</a:t>
                       </a:r>
                       <a:endParaRPr lang="ko-KR" altLang="en-US" sz="2800" dirty="0">
                         <a:highlight>
@@ -22129,7 +22211,7 @@
                       <a:pPr latinLnBrk="1"/>
                       <a:r>
                         <a:rPr lang="en-US" altLang="ko-KR" sz="2800" dirty="0"/>
-                        <a:t>14.33750709789632</a:t>
+                        <a:t>14.33</a:t>
                       </a:r>
                       <a:endParaRPr lang="ko-KR" altLang="en-US" sz="2800" dirty="0"/>
                     </a:p>
@@ -22181,7 +22263,7 @@
                       <a:pPr latinLnBrk="1"/>
                       <a:r>
                         <a:rPr lang="en-US" altLang="ko-KR" sz="2800" dirty="0"/>
-                        <a:t>30.811411874400505</a:t>
+                        <a:t>30.81</a:t>
                       </a:r>
                       <a:endParaRPr lang="ko-KR" altLang="en-US" sz="2800" dirty="0"/>
                     </a:p>
@@ -22233,7 +22315,7 @@
                       <a:pPr latinLnBrk="1"/>
                       <a:r>
                         <a:rPr lang="en-US" altLang="ko-KR" sz="2800" dirty="0"/>
-                        <a:t>12.544127794962371</a:t>
+                        <a:t>12.54</a:t>
                       </a:r>
                       <a:endParaRPr lang="ko-KR" altLang="en-US" sz="2800" dirty="0"/>
                     </a:p>
@@ -22344,7 +22426,7 @@
                       <a:pPr latinLnBrk="1"/>
                       <a:r>
                         <a:rPr lang="en-US" altLang="ko-KR" sz="2800" dirty="0"/>
-                        <a:t>6.005514752653282</a:t>
+                        <a:t>6.00</a:t>
                       </a:r>
                       <a:endParaRPr lang="ko-KR" altLang="en-US" sz="2800" dirty="0"/>
                     </a:p>
@@ -22396,7 +22478,7 @@
                       <a:pPr latinLnBrk="1"/>
                       <a:r>
                         <a:rPr lang="en-US" altLang="ko-KR" sz="2800" dirty="0"/>
-                        <a:t>17.129279303668273</a:t>
+                        <a:t>17.12</a:t>
                       </a:r>
                       <a:endParaRPr lang="ko-KR" altLang="en-US" sz="2800" dirty="0"/>
                     </a:p>
@@ -22448,7 +22530,7 @@
                       <a:pPr latinLnBrk="1"/>
                       <a:r>
                         <a:rPr lang="en-US" altLang="ko-KR" sz="2800" dirty="0"/>
-                        <a:t>9.449196919322652</a:t>
+                        <a:t>9.44</a:t>
                       </a:r>
                       <a:endParaRPr lang="ko-KR" altLang="en-US" sz="2800" dirty="0"/>
                     </a:p>
@@ -22559,7 +22641,7 @@
                       <a:pPr latinLnBrk="1"/>
                       <a:r>
                         <a:rPr lang="en-US" altLang="ko-KR" sz="2800" dirty="0"/>
-                        <a:t>8.381996054357625</a:t>
+                        <a:t>8.38</a:t>
                       </a:r>
                       <a:endParaRPr lang="ko-KR" altLang="en-US" sz="2800" dirty="0"/>
                     </a:p>
@@ -22611,7 +22693,7 @@
                       <a:pPr latinLnBrk="1"/>
                       <a:r>
                         <a:rPr lang="en-US" altLang="ko-KR" sz="2800" dirty="0"/>
-                        <a:t>22.146049975544425</a:t>
+                        <a:t>22.14</a:t>
                       </a:r>
                       <a:endParaRPr lang="ko-KR" altLang="en-US" sz="2800" dirty="0"/>
                     </a:p>
@@ -22663,7 +22745,7 @@
                       <a:pPr latinLnBrk="1"/>
                       <a:r>
                         <a:rPr lang="en-US" altLang="ko-KR" sz="2800" dirty="0"/>
-                        <a:t>11.242315299918836</a:t>
+                        <a:t>11.24</a:t>
                       </a:r>
                       <a:endParaRPr lang="ko-KR" altLang="en-US" sz="2800" dirty="0"/>
                     </a:p>
@@ -22774,7 +22856,7 @@
                       <a:pPr latinLnBrk="1"/>
                       <a:r>
                         <a:rPr lang="en-US" altLang="ko-KR" sz="2800" dirty="0"/>
-                        <a:t>3.180680456622452</a:t>
+                        <a:t>3.18</a:t>
                       </a:r>
                       <a:endParaRPr lang="ko-KR" altLang="en-US" sz="2800" dirty="0"/>
                     </a:p>
@@ -22826,7 +22908,7 @@
                       <a:pPr latinLnBrk="1"/>
                       <a:r>
                         <a:rPr lang="en-US" altLang="ko-KR" sz="2800" dirty="0"/>
-                        <a:t>14.026737728930842</a:t>
+                        <a:t>14.02</a:t>
                       </a:r>
                       <a:endParaRPr lang="ko-KR" altLang="en-US" sz="2800" dirty="0"/>
                     </a:p>
@@ -22878,7 +22960,7 @@
                       <a:pPr latinLnBrk="1"/>
                       <a:r>
                         <a:rPr lang="en-US" altLang="ko-KR" sz="2800" dirty="0"/>
-                        <a:t>13.948012329409012</a:t>
+                        <a:t>13.94</a:t>
                       </a:r>
                       <a:endParaRPr lang="ko-KR" altLang="en-US" sz="2800" dirty="0"/>
                     </a:p>
@@ -22925,6 +23007,484 @@
                 <a:extLst>
                   <a:ext uri="{0D108BD9-81ED-4DB2-BD59-A6C34878D82A}">
                     <a16:rowId xmlns:a16="http://schemas.microsoft.com/office/drawing/2014/main" val="1695988370"/>
+                  </a:ext>
+                </a:extLst>
+              </a:tr>
+              <a:tr h="721737">
+                <a:tc>
+                  <a:txBody>
+                    <a:bodyPr/>
+                    <a:lstStyle/>
+                    <a:p>
+                      <a:pPr latinLnBrk="1"/>
+                      <a:r>
+                        <a:rPr lang="en-US" altLang="ko-KR" sz="2800" dirty="0"/>
+                        <a:t>10</a:t>
+                      </a:r>
+                      <a:endParaRPr lang="ko-KR" altLang="en-US" sz="2800" dirty="0"/>
+                    </a:p>
+                  </a:txBody>
+                  <a:tcPr marL="162560" marR="162560" marT="81280" marB="81280">
+                    <a:lnL w="12700" cap="flat" cmpd="sng" algn="ctr">
+                      <a:solidFill>
+                        <a:schemeClr val="tx1"/>
+                      </a:solidFill>
+                      <a:prstDash val="solid"/>
+                      <a:round/>
+                      <a:headEnd type="none" w="med" len="med"/>
+                      <a:tailEnd type="none" w="med" len="med"/>
+                    </a:lnL>
+                    <a:lnR w="12700" cap="flat" cmpd="sng" algn="ctr">
+                      <a:solidFill>
+                        <a:schemeClr val="tx1"/>
+                      </a:solidFill>
+                      <a:prstDash val="solid"/>
+                      <a:round/>
+                      <a:headEnd type="none" w="med" len="med"/>
+                      <a:tailEnd type="none" w="med" len="med"/>
+                    </a:lnR>
+                    <a:lnT w="12700" cap="flat" cmpd="sng" algn="ctr">
+                      <a:solidFill>
+                        <a:schemeClr val="tx1"/>
+                      </a:solidFill>
+                      <a:prstDash val="solid"/>
+                      <a:round/>
+                      <a:headEnd type="none" w="med" len="med"/>
+                      <a:tailEnd type="none" w="med" len="med"/>
+                    </a:lnT>
+                    <a:lnB w="12700" cap="flat" cmpd="sng" algn="ctr">
+                      <a:solidFill>
+                        <a:schemeClr val="tx1"/>
+                      </a:solidFill>
+                      <a:prstDash val="solid"/>
+                      <a:round/>
+                      <a:headEnd type="none" w="med" len="med"/>
+                      <a:tailEnd type="none" w="med" len="med"/>
+                    </a:lnB>
+                  </a:tcPr>
+                </a:tc>
+                <a:tc>
+                  <a:txBody>
+                    <a:bodyPr/>
+                    <a:lstStyle/>
+                    <a:p>
+                      <a:pPr latinLnBrk="1"/>
+                      <a:r>
+                        <a:rPr lang="en-US" altLang="ko-KR" sz="3200" b="0" i="0" kern="1200" dirty="0">
+                          <a:solidFill>
+                            <a:schemeClr val="tx1"/>
+                          </a:solidFill>
+                          <a:effectLst/>
+                          <a:latin typeface="+mn-lt"/>
+                          <a:ea typeface="+mn-ea"/>
+                          <a:cs typeface="+mn-cs"/>
+                        </a:rPr>
+                        <a:t>66.68</a:t>
+                      </a:r>
+                      <a:endParaRPr lang="ko-KR" altLang="en-US" sz="2800" dirty="0"/>
+                    </a:p>
+                  </a:txBody>
+                  <a:tcPr marL="162560" marR="162560" marT="81280" marB="81280">
+                    <a:lnL w="12700" cap="flat" cmpd="sng" algn="ctr">
+                      <a:solidFill>
+                        <a:schemeClr val="tx1"/>
+                      </a:solidFill>
+                      <a:prstDash val="solid"/>
+                      <a:round/>
+                      <a:headEnd type="none" w="med" len="med"/>
+                      <a:tailEnd type="none" w="med" len="med"/>
+                    </a:lnL>
+                    <a:lnR w="12700" cap="flat" cmpd="sng" algn="ctr">
+                      <a:solidFill>
+                        <a:schemeClr val="tx1"/>
+                      </a:solidFill>
+                      <a:prstDash val="solid"/>
+                      <a:round/>
+                      <a:headEnd type="none" w="med" len="med"/>
+                      <a:tailEnd type="none" w="med" len="med"/>
+                    </a:lnR>
+                    <a:lnT w="12700" cap="flat" cmpd="sng" algn="ctr">
+                      <a:solidFill>
+                        <a:schemeClr val="tx1"/>
+                      </a:solidFill>
+                      <a:prstDash val="solid"/>
+                      <a:round/>
+                      <a:headEnd type="none" w="med" len="med"/>
+                      <a:tailEnd type="none" w="med" len="med"/>
+                    </a:lnT>
+                    <a:lnB w="12700" cap="flat" cmpd="sng" algn="ctr">
+                      <a:solidFill>
+                        <a:schemeClr val="tx1"/>
+                      </a:solidFill>
+                      <a:prstDash val="solid"/>
+                      <a:round/>
+                      <a:headEnd type="none" w="med" len="med"/>
+                      <a:tailEnd type="none" w="med" len="med"/>
+                    </a:lnB>
+                  </a:tcPr>
+                </a:tc>
+                <a:tc>
+                  <a:txBody>
+                    <a:bodyPr/>
+                    <a:lstStyle/>
+                    <a:p>
+                      <a:pPr latinLnBrk="1"/>
+                      <a:r>
+                        <a:rPr lang="en-US" altLang="ko-KR" sz="3200" b="0" i="0" kern="1200" dirty="0">
+                          <a:solidFill>
+                            <a:schemeClr val="tx1"/>
+                          </a:solidFill>
+                          <a:effectLst/>
+                          <a:latin typeface="+mn-lt"/>
+                          <a:ea typeface="+mn-ea"/>
+                          <a:cs typeface="+mn-cs"/>
+                        </a:rPr>
+                        <a:t>75.56</a:t>
+                      </a:r>
+                      <a:endParaRPr lang="ko-KR" altLang="en-US" sz="2800" dirty="0"/>
+                    </a:p>
+                  </a:txBody>
+                  <a:tcPr marL="162560" marR="162560" marT="81280" marB="81280">
+                    <a:lnL w="12700" cap="flat" cmpd="sng" algn="ctr">
+                      <a:solidFill>
+                        <a:schemeClr val="tx1"/>
+                      </a:solidFill>
+                      <a:prstDash val="solid"/>
+                      <a:round/>
+                      <a:headEnd type="none" w="med" len="med"/>
+                      <a:tailEnd type="none" w="med" len="med"/>
+                    </a:lnL>
+                    <a:lnR w="12700" cap="flat" cmpd="sng" algn="ctr">
+                      <a:solidFill>
+                        <a:schemeClr val="tx1"/>
+                      </a:solidFill>
+                      <a:prstDash val="solid"/>
+                      <a:round/>
+                      <a:headEnd type="none" w="med" len="med"/>
+                      <a:tailEnd type="none" w="med" len="med"/>
+                    </a:lnR>
+                    <a:lnT w="12700" cap="flat" cmpd="sng" algn="ctr">
+                      <a:solidFill>
+                        <a:schemeClr val="tx1"/>
+                      </a:solidFill>
+                      <a:prstDash val="solid"/>
+                      <a:round/>
+                      <a:headEnd type="none" w="med" len="med"/>
+                      <a:tailEnd type="none" w="med" len="med"/>
+                    </a:lnT>
+                    <a:lnB w="12700" cap="flat" cmpd="sng" algn="ctr">
+                      <a:solidFill>
+                        <a:schemeClr val="tx1"/>
+                      </a:solidFill>
+                      <a:prstDash val="solid"/>
+                      <a:round/>
+                      <a:headEnd type="none" w="med" len="med"/>
+                      <a:tailEnd type="none" w="med" len="med"/>
+                    </a:lnB>
+                  </a:tcPr>
+                </a:tc>
+                <a:tc>
+                  <a:txBody>
+                    <a:bodyPr/>
+                    <a:lstStyle/>
+                    <a:p>
+                      <a:pPr latinLnBrk="1"/>
+                      <a:r>
+                        <a:rPr lang="en-US" altLang="ko-KR" sz="3200" b="0" i="0" kern="1200" dirty="0">
+                          <a:solidFill>
+                            <a:schemeClr val="tx1"/>
+                          </a:solidFill>
+                          <a:effectLst/>
+                          <a:latin typeface="+mn-lt"/>
+                          <a:ea typeface="+mn-ea"/>
+                          <a:cs typeface="+mn-cs"/>
+                        </a:rPr>
+                        <a:t>10.53</a:t>
+                      </a:r>
+                      <a:endParaRPr lang="ko-KR" altLang="en-US" sz="2800" dirty="0"/>
+                    </a:p>
+                  </a:txBody>
+                  <a:tcPr marL="162560" marR="162560" marT="81280" marB="81280">
+                    <a:lnL w="12700" cap="flat" cmpd="sng" algn="ctr">
+                      <a:solidFill>
+                        <a:schemeClr val="tx1"/>
+                      </a:solidFill>
+                      <a:prstDash val="solid"/>
+                      <a:round/>
+                      <a:headEnd type="none" w="med" len="med"/>
+                      <a:tailEnd type="none" w="med" len="med"/>
+                    </a:lnL>
+                    <a:lnR w="12700" cap="flat" cmpd="sng" algn="ctr">
+                      <a:solidFill>
+                        <a:schemeClr val="tx1"/>
+                      </a:solidFill>
+                      <a:prstDash val="solid"/>
+                      <a:round/>
+                      <a:headEnd type="none" w="med" len="med"/>
+                      <a:tailEnd type="none" w="med" len="med"/>
+                    </a:lnR>
+                    <a:lnT w="12700" cap="flat" cmpd="sng" algn="ctr">
+                      <a:solidFill>
+                        <a:schemeClr val="tx1"/>
+                      </a:solidFill>
+                      <a:prstDash val="solid"/>
+                      <a:round/>
+                      <a:headEnd type="none" w="med" len="med"/>
+                      <a:tailEnd type="none" w="med" len="med"/>
+                    </a:lnT>
+                    <a:lnB w="12700" cap="flat" cmpd="sng" algn="ctr">
+                      <a:solidFill>
+                        <a:schemeClr val="tx1"/>
+                      </a:solidFill>
+                      <a:prstDash val="solid"/>
+                      <a:round/>
+                      <a:headEnd type="none" w="med" len="med"/>
+                      <a:tailEnd type="none" w="med" len="med"/>
+                    </a:lnB>
+                  </a:tcPr>
+                </a:tc>
+                <a:extLst>
+                  <a:ext uri="{0D108BD9-81ED-4DB2-BD59-A6C34878D82A}">
+                    <a16:rowId xmlns:a16="http://schemas.microsoft.com/office/drawing/2014/main" val="2013870078"/>
+                  </a:ext>
+                </a:extLst>
+              </a:tr>
+              <a:tr h="721737">
+                <a:tc>
+                  <a:txBody>
+                    <a:bodyPr/>
+                    <a:lstStyle/>
+                    <a:p>
+                      <a:pPr latinLnBrk="1"/>
+                      <a:r>
+                        <a:rPr lang="en-US" altLang="ko-KR" sz="2800" dirty="0"/>
+                        <a:t>11</a:t>
+                      </a:r>
+                      <a:endParaRPr lang="ko-KR" altLang="en-US" sz="2800" dirty="0"/>
+                    </a:p>
+                  </a:txBody>
+                  <a:tcPr marL="162560" marR="162560" marT="81280" marB="81280">
+                    <a:lnL w="12700" cap="flat" cmpd="sng" algn="ctr">
+                      <a:solidFill>
+                        <a:schemeClr val="tx1"/>
+                      </a:solidFill>
+                      <a:prstDash val="solid"/>
+                      <a:round/>
+                      <a:headEnd type="none" w="med" len="med"/>
+                      <a:tailEnd type="none" w="med" len="med"/>
+                    </a:lnL>
+                    <a:lnR w="12700" cap="flat" cmpd="sng" algn="ctr">
+                      <a:solidFill>
+                        <a:schemeClr val="tx1"/>
+                      </a:solidFill>
+                      <a:prstDash val="solid"/>
+                      <a:round/>
+                      <a:headEnd type="none" w="med" len="med"/>
+                      <a:tailEnd type="none" w="med" len="med"/>
+                    </a:lnR>
+                    <a:lnT w="12700" cap="flat" cmpd="sng" algn="ctr">
+                      <a:solidFill>
+                        <a:schemeClr val="tx1"/>
+                      </a:solidFill>
+                      <a:prstDash val="solid"/>
+                      <a:round/>
+                      <a:headEnd type="none" w="med" len="med"/>
+                      <a:tailEnd type="none" w="med" len="med"/>
+                    </a:lnT>
+                    <a:lnB w="12700" cap="flat" cmpd="sng" algn="ctr">
+                      <a:solidFill>
+                        <a:schemeClr val="tx1"/>
+                      </a:solidFill>
+                      <a:prstDash val="solid"/>
+                      <a:round/>
+                      <a:headEnd type="none" w="med" len="med"/>
+                      <a:tailEnd type="none" w="med" len="med"/>
+                    </a:lnB>
+                  </a:tcPr>
+                </a:tc>
+                <a:tc>
+                  <a:txBody>
+                    <a:bodyPr/>
+                    <a:lstStyle/>
+                    <a:p>
+                      <a:pPr latinLnBrk="1"/>
+                      <a:r>
+                        <a:rPr lang="en-US" altLang="ko-KR" sz="3200" b="0" i="0" kern="1200" dirty="0">
+                          <a:solidFill>
+                            <a:schemeClr val="tx1"/>
+                          </a:solidFill>
+                          <a:effectLst/>
+                          <a:latin typeface="+mn-lt"/>
+                          <a:ea typeface="+mn-ea"/>
+                          <a:cs typeface="+mn-cs"/>
+                        </a:rPr>
+                        <a:t>48.13</a:t>
+                      </a:r>
+                      <a:endParaRPr lang="ko-KR" altLang="en-US" sz="2800" dirty="0"/>
+                    </a:p>
+                  </a:txBody>
+                  <a:tcPr marL="162560" marR="162560" marT="81280" marB="81280">
+                    <a:lnL w="12700" cap="flat" cmpd="sng" algn="ctr">
+                      <a:solidFill>
+                        <a:schemeClr val="tx1"/>
+                      </a:solidFill>
+                      <a:prstDash val="solid"/>
+                      <a:round/>
+                      <a:headEnd type="none" w="med" len="med"/>
+                      <a:tailEnd type="none" w="med" len="med"/>
+                    </a:lnL>
+                    <a:lnR w="12700" cap="flat" cmpd="sng" algn="ctr">
+                      <a:solidFill>
+                        <a:schemeClr val="tx1"/>
+                      </a:solidFill>
+                      <a:prstDash val="solid"/>
+                      <a:round/>
+                      <a:headEnd type="none" w="med" len="med"/>
+                      <a:tailEnd type="none" w="med" len="med"/>
+                    </a:lnR>
+                    <a:lnT w="12700" cap="flat" cmpd="sng" algn="ctr">
+                      <a:solidFill>
+                        <a:schemeClr val="tx1"/>
+                      </a:solidFill>
+                      <a:prstDash val="solid"/>
+                      <a:round/>
+                      <a:headEnd type="none" w="med" len="med"/>
+                      <a:tailEnd type="none" w="med" len="med"/>
+                    </a:lnT>
+                    <a:lnB w="12700" cap="flat" cmpd="sng" algn="ctr">
+                      <a:solidFill>
+                        <a:schemeClr val="tx1"/>
+                      </a:solidFill>
+                      <a:prstDash val="solid"/>
+                      <a:round/>
+                      <a:headEnd type="none" w="med" len="med"/>
+                      <a:tailEnd type="none" w="med" len="med"/>
+                    </a:lnB>
+                  </a:tcPr>
+                </a:tc>
+                <a:tc>
+                  <a:txBody>
+                    <a:bodyPr/>
+                    <a:lstStyle/>
+                    <a:p>
+                      <a:pPr latinLnBrk="1"/>
+                      <a:r>
+                        <a:rPr lang="en-US" altLang="ko-KR" sz="3200" b="0" i="0" kern="1200" dirty="0">
+                          <a:solidFill>
+                            <a:schemeClr val="tx1"/>
+                          </a:solidFill>
+                          <a:effectLst/>
+                          <a:latin typeface="+mn-lt"/>
+                          <a:ea typeface="+mn-ea"/>
+                          <a:cs typeface="+mn-cs"/>
+                        </a:rPr>
+                        <a:t>75.99</a:t>
+                      </a:r>
+                      <a:endParaRPr lang="ko-KR" altLang="en-US" sz="2800" dirty="0"/>
+                    </a:p>
+                  </a:txBody>
+                  <a:tcPr marL="162560" marR="162560" marT="81280" marB="81280">
+                    <a:lnL w="12700" cap="flat" cmpd="sng" algn="ctr">
+                      <a:solidFill>
+                        <a:schemeClr val="tx1"/>
+                      </a:solidFill>
+                      <a:prstDash val="solid"/>
+                      <a:round/>
+                      <a:headEnd type="none" w="med" len="med"/>
+                      <a:tailEnd type="none" w="med" len="med"/>
+                    </a:lnL>
+                    <a:lnR w="12700" cap="flat" cmpd="sng" algn="ctr">
+                      <a:solidFill>
+                        <a:schemeClr val="tx1"/>
+                      </a:solidFill>
+                      <a:prstDash val="solid"/>
+                      <a:round/>
+                      <a:headEnd type="none" w="med" len="med"/>
+                      <a:tailEnd type="none" w="med" len="med"/>
+                    </a:lnR>
+                    <a:lnT w="12700" cap="flat" cmpd="sng" algn="ctr">
+                      <a:solidFill>
+                        <a:schemeClr val="tx1"/>
+                      </a:solidFill>
+                      <a:prstDash val="solid"/>
+                      <a:round/>
+                      <a:headEnd type="none" w="med" len="med"/>
+                      <a:tailEnd type="none" w="med" len="med"/>
+                    </a:lnT>
+                    <a:lnB w="12700" cap="flat" cmpd="sng" algn="ctr">
+                      <a:solidFill>
+                        <a:schemeClr val="tx1"/>
+                      </a:solidFill>
+                      <a:prstDash val="solid"/>
+                      <a:round/>
+                      <a:headEnd type="none" w="med" len="med"/>
+                      <a:tailEnd type="none" w="med" len="med"/>
+                    </a:lnB>
+                  </a:tcPr>
+                </a:tc>
+                <a:tc>
+                  <a:txBody>
+                    <a:bodyPr/>
+                    <a:lstStyle/>
+                    <a:p>
+                      <a:pPr latinLnBrk="1"/>
+                      <a:r>
+                        <a:rPr lang="en-US" altLang="ko-KR" sz="3200" b="0" i="0" kern="1200" dirty="0">
+                          <a:solidFill>
+                            <a:schemeClr val="tx1"/>
+                          </a:solidFill>
+                          <a:effectLst/>
+                          <a:latin typeface="+mn-lt"/>
+                          <a:ea typeface="+mn-ea"/>
+                          <a:cs typeface="+mn-cs"/>
+                        </a:rPr>
+                        <a:t>15.76</a:t>
+                      </a:r>
+                      <a:endParaRPr lang="ko-KR" altLang="en-US" sz="2800" dirty="0"/>
+                    </a:p>
+                  </a:txBody>
+                  <a:tcPr marL="162560" marR="162560" marT="81280" marB="81280">
+                    <a:lnL w="12700" cap="flat" cmpd="sng" algn="ctr">
+                      <a:solidFill>
+                        <a:schemeClr val="tx1"/>
+                      </a:solidFill>
+                      <a:prstDash val="solid"/>
+                      <a:round/>
+                      <a:headEnd type="none" w="med" len="med"/>
+                      <a:tailEnd type="none" w="med" len="med"/>
+                    </a:lnL>
+                    <a:lnR w="12700" cap="flat" cmpd="sng" algn="ctr">
+                      <a:solidFill>
+                        <a:schemeClr val="tx1"/>
+                      </a:solidFill>
+                      <a:prstDash val="solid"/>
+                      <a:round/>
+                      <a:headEnd type="none" w="med" len="med"/>
+                      <a:tailEnd type="none" w="med" len="med"/>
+                    </a:lnR>
+                    <a:lnT w="12700" cap="flat" cmpd="sng" algn="ctr">
+                      <a:solidFill>
+                        <a:schemeClr val="tx1"/>
+                      </a:solidFill>
+                      <a:prstDash val="solid"/>
+                      <a:round/>
+                      <a:headEnd type="none" w="med" len="med"/>
+                      <a:tailEnd type="none" w="med" len="med"/>
+                    </a:lnT>
+                    <a:lnB w="12700" cap="flat" cmpd="sng" algn="ctr">
+                      <a:solidFill>
+                        <a:schemeClr val="tx1"/>
+                      </a:solidFill>
+                      <a:prstDash val="solid"/>
+                      <a:round/>
+                      <a:headEnd type="none" w="med" len="med"/>
+                      <a:tailEnd type="none" w="med" len="med"/>
+                    </a:lnB>
+                  </a:tcPr>
+                </a:tc>
+                <a:extLst>
+                  <a:ext uri="{0D108BD9-81ED-4DB2-BD59-A6C34878D82A}">
+                    <a16:rowId xmlns:a16="http://schemas.microsoft.com/office/drawing/2014/main" val="689635958"/>
                   </a:ext>
                 </a:extLst>
               </a:tr>
@@ -22946,6 +23506,2836 @@
 </file>
 
 <file path=ppt/slides/slide8.xml><?xml version="1.0" encoding="utf-8"?>
+<p:sld xmlns:a="http://schemas.openxmlformats.org/drawingml/2006/main" xmlns:r="http://schemas.openxmlformats.org/officeDocument/2006/relationships" xmlns:p="http://schemas.openxmlformats.org/presentationml/2006/main">
+  <p:cSld>
+    <p:spTree>
+      <p:nvGrpSpPr>
+        <p:cNvPr id="1" name=""/>
+        <p:cNvGrpSpPr/>
+        <p:nvPr/>
+      </p:nvGrpSpPr>
+      <p:grpSpPr>
+        <a:xfrm>
+          <a:off x="0" y="0"/>
+          <a:ext cx="0" cy="0"/>
+          <a:chOff x="0" y="0"/>
+          <a:chExt cx="0" cy="0"/>
+        </a:xfrm>
+      </p:grpSpPr>
+      <p:sp>
+        <p:nvSpPr>
+          <p:cNvPr id="2" name="제목 1">
+            <a:extLst>
+              <a:ext uri="{FF2B5EF4-FFF2-40B4-BE49-F238E27FC236}">
+                <a16:creationId xmlns:a16="http://schemas.microsoft.com/office/drawing/2014/main" id="{DAFBDD32-470D-4BC9-9073-386EF9CA32B2}"/>
+              </a:ext>
+            </a:extLst>
+          </p:cNvPr>
+          <p:cNvSpPr>
+            <a:spLocks noGrp="1"/>
+          </p:cNvSpPr>
+          <p:nvPr>
+            <p:ph type="title"/>
+          </p:nvPr>
+        </p:nvSpPr>
+        <p:spPr/>
+        <p:txBody>
+          <a:bodyPr/>
+          <a:lstStyle/>
+          <a:p>
+            <a:r>
+              <a:rPr lang="en-US" altLang="ko-KR" dirty="0"/>
+              <a:t>MAPE(%)</a:t>
+            </a:r>
+            <a:endParaRPr lang="ko-KR" altLang="en-US" dirty="0"/>
+          </a:p>
+        </p:txBody>
+      </p:sp>
+      <p:graphicFrame>
+        <p:nvGraphicFramePr>
+          <p:cNvPr id="4" name="표 4">
+            <a:extLst>
+              <a:ext uri="{FF2B5EF4-FFF2-40B4-BE49-F238E27FC236}">
+                <a16:creationId xmlns:a16="http://schemas.microsoft.com/office/drawing/2014/main" id="{61673D40-F4D5-4D10-89E3-D8E762EC3655}"/>
+              </a:ext>
+            </a:extLst>
+          </p:cNvPr>
+          <p:cNvGraphicFramePr>
+            <a:graphicFrameLocks noGrp="1"/>
+          </p:cNvGraphicFramePr>
+          <p:nvPr>
+            <p:extLst>
+              <p:ext uri="{D42A27DB-BD31-4B8C-83A1-F6EECF244321}">
+                <p14:modId xmlns:p14="http://schemas.microsoft.com/office/powerpoint/2010/main" val="3630265449"/>
+              </p:ext>
+            </p:extLst>
+          </p:nvPr>
+        </p:nvGraphicFramePr>
+        <p:xfrm>
+          <a:off x="2004040" y="2553543"/>
+          <a:ext cx="17076124" cy="8528387"/>
+        </p:xfrm>
+        <a:graphic>
+          <a:graphicData uri="http://schemas.openxmlformats.org/drawingml/2006/table">
+            <a:tbl>
+              <a:tblPr firstRow="1" bandRow="1">
+                <a:tableStyleId>{2D5ABB26-0587-4C30-8999-92F81FD0307C}</a:tableStyleId>
+              </a:tblPr>
+              <a:tblGrid>
+                <a:gridCol w="4269031">
+                  <a:extLst>
+                    <a:ext uri="{9D8B030D-6E8A-4147-A177-3AD203B41FA5}">
+                      <a16:colId xmlns:a16="http://schemas.microsoft.com/office/drawing/2014/main" val="2207789726"/>
+                    </a:ext>
+                  </a:extLst>
+                </a:gridCol>
+                <a:gridCol w="4269031">
+                  <a:extLst>
+                    <a:ext uri="{9D8B030D-6E8A-4147-A177-3AD203B41FA5}">
+                      <a16:colId xmlns:a16="http://schemas.microsoft.com/office/drawing/2014/main" val="1156148369"/>
+                    </a:ext>
+                  </a:extLst>
+                </a:gridCol>
+                <a:gridCol w="4269031">
+                  <a:extLst>
+                    <a:ext uri="{9D8B030D-6E8A-4147-A177-3AD203B41FA5}">
+                      <a16:colId xmlns:a16="http://schemas.microsoft.com/office/drawing/2014/main" val="2899967993"/>
+                    </a:ext>
+                  </a:extLst>
+                </a:gridCol>
+                <a:gridCol w="4269031">
+                  <a:extLst>
+                    <a:ext uri="{9D8B030D-6E8A-4147-A177-3AD203B41FA5}">
+                      <a16:colId xmlns:a16="http://schemas.microsoft.com/office/drawing/2014/main" val="1904904495"/>
+                    </a:ext>
+                  </a:extLst>
+                </a:gridCol>
+              </a:tblGrid>
+              <a:tr h="391745">
+                <a:tc>
+                  <a:txBody>
+                    <a:bodyPr/>
+                    <a:lstStyle/>
+                    <a:p>
+                      <a:pPr latinLnBrk="1"/>
+                      <a:r>
+                        <a:rPr lang="en-US" altLang="ko-KR" sz="2800" dirty="0"/>
+                        <a:t>subject</a:t>
+                      </a:r>
+                      <a:endParaRPr lang="ko-KR" altLang="en-US" sz="2800" dirty="0"/>
+                    </a:p>
+                  </a:txBody>
+                  <a:tcPr marL="162560" marR="162560" marT="81280" marB="81280">
+                    <a:lnL w="12700" cap="flat" cmpd="sng" algn="ctr">
+                      <a:solidFill>
+                        <a:schemeClr val="tx1"/>
+                      </a:solidFill>
+                      <a:prstDash val="solid"/>
+                      <a:round/>
+                      <a:headEnd type="none" w="med" len="med"/>
+                      <a:tailEnd type="none" w="med" len="med"/>
+                    </a:lnL>
+                    <a:lnR w="12700" cap="flat" cmpd="sng" algn="ctr">
+                      <a:solidFill>
+                        <a:schemeClr val="tx1"/>
+                      </a:solidFill>
+                      <a:prstDash val="solid"/>
+                      <a:round/>
+                      <a:headEnd type="none" w="med" len="med"/>
+                      <a:tailEnd type="none" w="med" len="med"/>
+                    </a:lnR>
+                    <a:lnT w="12700" cap="flat" cmpd="sng" algn="ctr">
+                      <a:solidFill>
+                        <a:schemeClr val="tx1"/>
+                      </a:solidFill>
+                      <a:prstDash val="solid"/>
+                      <a:round/>
+                      <a:headEnd type="none" w="med" len="med"/>
+                      <a:tailEnd type="none" w="med" len="med"/>
+                    </a:lnT>
+                    <a:lnB w="12700" cap="flat" cmpd="sng" algn="ctr">
+                      <a:solidFill>
+                        <a:schemeClr val="tx1"/>
+                      </a:solidFill>
+                      <a:prstDash val="solid"/>
+                      <a:round/>
+                      <a:headEnd type="none" w="med" len="med"/>
+                      <a:tailEnd type="none" w="med" len="med"/>
+                    </a:lnB>
+                  </a:tcPr>
+                </a:tc>
+                <a:tc>
+                  <a:txBody>
+                    <a:bodyPr/>
+                    <a:lstStyle/>
+                    <a:p>
+                      <a:pPr latinLnBrk="1"/>
+                      <a:r>
+                        <a:rPr lang="en-US" altLang="ko-KR" sz="2800" dirty="0" err="1"/>
+                        <a:t>LFnu</a:t>
+                      </a:r>
+                      <a:endParaRPr lang="ko-KR" altLang="en-US" sz="2800" dirty="0"/>
+                    </a:p>
+                  </a:txBody>
+                  <a:tcPr marL="162560" marR="162560" marT="81280" marB="81280">
+                    <a:lnL w="12700" cap="flat" cmpd="sng" algn="ctr">
+                      <a:solidFill>
+                        <a:schemeClr val="tx1"/>
+                      </a:solidFill>
+                      <a:prstDash val="solid"/>
+                      <a:round/>
+                      <a:headEnd type="none" w="med" len="med"/>
+                      <a:tailEnd type="none" w="med" len="med"/>
+                    </a:lnL>
+                    <a:lnR w="12700" cap="flat" cmpd="sng" algn="ctr">
+                      <a:solidFill>
+                        <a:schemeClr val="tx1"/>
+                      </a:solidFill>
+                      <a:prstDash val="solid"/>
+                      <a:round/>
+                      <a:headEnd type="none" w="med" len="med"/>
+                      <a:tailEnd type="none" w="med" len="med"/>
+                    </a:lnR>
+                    <a:lnT w="12700" cap="flat" cmpd="sng" algn="ctr">
+                      <a:solidFill>
+                        <a:schemeClr val="tx1"/>
+                      </a:solidFill>
+                      <a:prstDash val="solid"/>
+                      <a:round/>
+                      <a:headEnd type="none" w="med" len="med"/>
+                      <a:tailEnd type="none" w="med" len="med"/>
+                    </a:lnT>
+                    <a:lnB w="12700" cap="flat" cmpd="sng" algn="ctr">
+                      <a:solidFill>
+                        <a:schemeClr val="tx1"/>
+                      </a:solidFill>
+                      <a:prstDash val="solid"/>
+                      <a:round/>
+                      <a:headEnd type="none" w="med" len="med"/>
+                      <a:tailEnd type="none" w="med" len="med"/>
+                    </a:lnB>
+                  </a:tcPr>
+                </a:tc>
+                <a:tc>
+                  <a:txBody>
+                    <a:bodyPr/>
+                    <a:lstStyle/>
+                    <a:p>
+                      <a:pPr latinLnBrk="1"/>
+                      <a:r>
+                        <a:rPr lang="en-US" altLang="ko-KR" sz="2800" dirty="0" err="1"/>
+                        <a:t>HFnu</a:t>
+                      </a:r>
+                      <a:endParaRPr lang="ko-KR" altLang="en-US" sz="2800" dirty="0"/>
+                    </a:p>
+                  </a:txBody>
+                  <a:tcPr marL="162560" marR="162560" marT="81280" marB="81280">
+                    <a:lnL w="12700" cap="flat" cmpd="sng" algn="ctr">
+                      <a:solidFill>
+                        <a:schemeClr val="tx1"/>
+                      </a:solidFill>
+                      <a:prstDash val="solid"/>
+                      <a:round/>
+                      <a:headEnd type="none" w="med" len="med"/>
+                      <a:tailEnd type="none" w="med" len="med"/>
+                    </a:lnL>
+                    <a:lnR w="12700" cap="flat" cmpd="sng" algn="ctr">
+                      <a:solidFill>
+                        <a:schemeClr val="tx1"/>
+                      </a:solidFill>
+                      <a:prstDash val="solid"/>
+                      <a:round/>
+                      <a:headEnd type="none" w="med" len="med"/>
+                      <a:tailEnd type="none" w="med" len="med"/>
+                    </a:lnR>
+                    <a:lnT w="12700" cap="flat" cmpd="sng" algn="ctr">
+                      <a:solidFill>
+                        <a:schemeClr val="tx1"/>
+                      </a:solidFill>
+                      <a:prstDash val="solid"/>
+                      <a:round/>
+                      <a:headEnd type="none" w="med" len="med"/>
+                      <a:tailEnd type="none" w="med" len="med"/>
+                    </a:lnT>
+                    <a:lnB w="12700" cap="flat" cmpd="sng" algn="ctr">
+                      <a:solidFill>
+                        <a:schemeClr val="tx1"/>
+                      </a:solidFill>
+                      <a:prstDash val="solid"/>
+                      <a:round/>
+                      <a:headEnd type="none" w="med" len="med"/>
+                      <a:tailEnd type="none" w="med" len="med"/>
+                    </a:lnB>
+                  </a:tcPr>
+                </a:tc>
+                <a:tc>
+                  <a:txBody>
+                    <a:bodyPr/>
+                    <a:lstStyle/>
+                    <a:p>
+                      <a:pPr latinLnBrk="1"/>
+                      <a:r>
+                        <a:rPr lang="en-US" altLang="ko-KR" sz="2800" dirty="0"/>
+                        <a:t>LF/HF</a:t>
+                      </a:r>
+                      <a:endParaRPr lang="ko-KR" altLang="en-US" sz="2800" dirty="0"/>
+                    </a:p>
+                  </a:txBody>
+                  <a:tcPr marL="162560" marR="162560" marT="81280" marB="81280">
+                    <a:lnL w="12700" cap="flat" cmpd="sng" algn="ctr">
+                      <a:solidFill>
+                        <a:schemeClr val="tx1"/>
+                      </a:solidFill>
+                      <a:prstDash val="solid"/>
+                      <a:round/>
+                      <a:headEnd type="none" w="med" len="med"/>
+                      <a:tailEnd type="none" w="med" len="med"/>
+                    </a:lnL>
+                    <a:lnR w="12700" cap="flat" cmpd="sng" algn="ctr">
+                      <a:solidFill>
+                        <a:schemeClr val="tx1"/>
+                      </a:solidFill>
+                      <a:prstDash val="solid"/>
+                      <a:round/>
+                      <a:headEnd type="none" w="med" len="med"/>
+                      <a:tailEnd type="none" w="med" len="med"/>
+                    </a:lnR>
+                    <a:lnT w="12700" cap="flat" cmpd="sng" algn="ctr">
+                      <a:solidFill>
+                        <a:schemeClr val="tx1"/>
+                      </a:solidFill>
+                      <a:prstDash val="solid"/>
+                      <a:round/>
+                      <a:headEnd type="none" w="med" len="med"/>
+                      <a:tailEnd type="none" w="med" len="med"/>
+                    </a:lnT>
+                    <a:lnB w="12700" cap="flat" cmpd="sng" algn="ctr">
+                      <a:solidFill>
+                        <a:schemeClr val="tx1"/>
+                      </a:solidFill>
+                      <a:prstDash val="solid"/>
+                      <a:round/>
+                      <a:headEnd type="none" w="med" len="med"/>
+                      <a:tailEnd type="none" w="med" len="med"/>
+                    </a:lnB>
+                  </a:tcPr>
+                </a:tc>
+                <a:extLst>
+                  <a:ext uri="{0D108BD9-81ED-4DB2-BD59-A6C34878D82A}">
+                    <a16:rowId xmlns:a16="http://schemas.microsoft.com/office/drawing/2014/main" val="1623203689"/>
+                  </a:ext>
+                </a:extLst>
+              </a:tr>
+              <a:tr h="721737">
+                <a:tc>
+                  <a:txBody>
+                    <a:bodyPr/>
+                    <a:lstStyle/>
+                    <a:p>
+                      <a:pPr latinLnBrk="1"/>
+                      <a:r>
+                        <a:rPr lang="en-US" altLang="ko-KR" sz="2800"/>
+                        <a:t>0</a:t>
+                      </a:r>
+                      <a:endParaRPr lang="ko-KR" altLang="en-US" sz="2800" dirty="0"/>
+                    </a:p>
+                  </a:txBody>
+                  <a:tcPr marL="162560" marR="162560" marT="81280" marB="81280">
+                    <a:lnL w="12700" cap="flat" cmpd="sng" algn="ctr">
+                      <a:solidFill>
+                        <a:schemeClr val="tx1"/>
+                      </a:solidFill>
+                      <a:prstDash val="solid"/>
+                      <a:round/>
+                      <a:headEnd type="none" w="med" len="med"/>
+                      <a:tailEnd type="none" w="med" len="med"/>
+                    </a:lnL>
+                    <a:lnR w="12700" cap="flat" cmpd="sng" algn="ctr">
+                      <a:solidFill>
+                        <a:schemeClr val="tx1"/>
+                      </a:solidFill>
+                      <a:prstDash val="solid"/>
+                      <a:round/>
+                      <a:headEnd type="none" w="med" len="med"/>
+                      <a:tailEnd type="none" w="med" len="med"/>
+                    </a:lnR>
+                    <a:lnT w="12700" cap="flat" cmpd="sng" algn="ctr">
+                      <a:solidFill>
+                        <a:schemeClr val="tx1"/>
+                      </a:solidFill>
+                      <a:prstDash val="solid"/>
+                      <a:round/>
+                      <a:headEnd type="none" w="med" len="med"/>
+                      <a:tailEnd type="none" w="med" len="med"/>
+                    </a:lnT>
+                    <a:lnB w="12700" cap="flat" cmpd="sng" algn="ctr">
+                      <a:solidFill>
+                        <a:schemeClr val="tx1"/>
+                      </a:solidFill>
+                      <a:prstDash val="solid"/>
+                      <a:round/>
+                      <a:headEnd type="none" w="med" len="med"/>
+                      <a:tailEnd type="none" w="med" len="med"/>
+                    </a:lnB>
+                  </a:tcPr>
+                </a:tc>
+                <a:tc>
+                  <a:txBody>
+                    <a:bodyPr/>
+                    <a:lstStyle/>
+                    <a:p>
+                      <a:pPr latinLnBrk="1"/>
+                      <a:r>
+                        <a:rPr lang="en-US" altLang="ko-KR" sz="3200" b="0" i="0" kern="1200" dirty="0">
+                          <a:solidFill>
+                            <a:schemeClr val="tx1"/>
+                          </a:solidFill>
+                          <a:effectLst/>
+                          <a:latin typeface="+mn-lt"/>
+                          <a:ea typeface="+mn-ea"/>
+                          <a:cs typeface="+mn-cs"/>
+                        </a:rPr>
+                        <a:t>3.35</a:t>
+                      </a:r>
+                    </a:p>
+                  </a:txBody>
+                  <a:tcPr marL="162560" marR="162560" marT="81280" marB="81280">
+                    <a:lnL w="12700" cap="flat" cmpd="sng" algn="ctr">
+                      <a:solidFill>
+                        <a:schemeClr val="tx1"/>
+                      </a:solidFill>
+                      <a:prstDash val="solid"/>
+                      <a:round/>
+                      <a:headEnd type="none" w="med" len="med"/>
+                      <a:tailEnd type="none" w="med" len="med"/>
+                    </a:lnL>
+                    <a:lnR w="12700" cap="flat" cmpd="sng" algn="ctr">
+                      <a:solidFill>
+                        <a:schemeClr val="tx1"/>
+                      </a:solidFill>
+                      <a:prstDash val="solid"/>
+                      <a:round/>
+                      <a:headEnd type="none" w="med" len="med"/>
+                      <a:tailEnd type="none" w="med" len="med"/>
+                    </a:lnR>
+                    <a:lnT w="12700" cap="flat" cmpd="sng" algn="ctr">
+                      <a:solidFill>
+                        <a:schemeClr val="tx1"/>
+                      </a:solidFill>
+                      <a:prstDash val="solid"/>
+                      <a:round/>
+                      <a:headEnd type="none" w="med" len="med"/>
+                      <a:tailEnd type="none" w="med" len="med"/>
+                    </a:lnT>
+                    <a:lnB w="12700" cap="flat" cmpd="sng" algn="ctr">
+                      <a:solidFill>
+                        <a:schemeClr val="tx1"/>
+                      </a:solidFill>
+                      <a:prstDash val="solid"/>
+                      <a:round/>
+                      <a:headEnd type="none" w="med" len="med"/>
+                      <a:tailEnd type="none" w="med" len="med"/>
+                    </a:lnB>
+                  </a:tcPr>
+                </a:tc>
+                <a:tc>
+                  <a:txBody>
+                    <a:bodyPr/>
+                    <a:lstStyle/>
+                    <a:p>
+                      <a:pPr latinLnBrk="1"/>
+                      <a:r>
+                        <a:rPr lang="en-US" altLang="ko-KR" sz="3200" b="0" i="0" kern="1200" dirty="0">
+                          <a:solidFill>
+                            <a:schemeClr val="tx1"/>
+                          </a:solidFill>
+                          <a:effectLst/>
+                          <a:latin typeface="+mn-lt"/>
+                          <a:ea typeface="+mn-ea"/>
+                          <a:cs typeface="+mn-cs"/>
+                        </a:rPr>
+                        <a:t>2.81</a:t>
+                      </a:r>
+                      <a:endParaRPr lang="ko-KR" altLang="en-US" sz="2800" dirty="0"/>
+                    </a:p>
+                  </a:txBody>
+                  <a:tcPr marL="162560" marR="162560" marT="81280" marB="81280">
+                    <a:lnL w="12700" cap="flat" cmpd="sng" algn="ctr">
+                      <a:solidFill>
+                        <a:schemeClr val="tx1"/>
+                      </a:solidFill>
+                      <a:prstDash val="solid"/>
+                      <a:round/>
+                      <a:headEnd type="none" w="med" len="med"/>
+                      <a:tailEnd type="none" w="med" len="med"/>
+                    </a:lnL>
+                    <a:lnR w="12700" cap="flat" cmpd="sng" algn="ctr">
+                      <a:solidFill>
+                        <a:schemeClr val="tx1"/>
+                      </a:solidFill>
+                      <a:prstDash val="solid"/>
+                      <a:round/>
+                      <a:headEnd type="none" w="med" len="med"/>
+                      <a:tailEnd type="none" w="med" len="med"/>
+                    </a:lnR>
+                    <a:lnT w="12700" cap="flat" cmpd="sng" algn="ctr">
+                      <a:solidFill>
+                        <a:schemeClr val="tx1"/>
+                      </a:solidFill>
+                      <a:prstDash val="solid"/>
+                      <a:round/>
+                      <a:headEnd type="none" w="med" len="med"/>
+                      <a:tailEnd type="none" w="med" len="med"/>
+                    </a:lnT>
+                    <a:lnB w="12700" cap="flat" cmpd="sng" algn="ctr">
+                      <a:solidFill>
+                        <a:schemeClr val="tx1"/>
+                      </a:solidFill>
+                      <a:prstDash val="solid"/>
+                      <a:round/>
+                      <a:headEnd type="none" w="med" len="med"/>
+                      <a:tailEnd type="none" w="med" len="med"/>
+                    </a:lnB>
+                  </a:tcPr>
+                </a:tc>
+                <a:tc>
+                  <a:txBody>
+                    <a:bodyPr/>
+                    <a:lstStyle/>
+                    <a:p>
+                      <a:pPr latinLnBrk="1"/>
+                      <a:r>
+                        <a:rPr lang="en-US" altLang="ko-KR" sz="2800" dirty="0"/>
+                        <a:t>6.03</a:t>
+                      </a:r>
+                      <a:endParaRPr lang="ko-KR" altLang="en-US" sz="2800" dirty="0"/>
+                    </a:p>
+                  </a:txBody>
+                  <a:tcPr marL="162560" marR="162560" marT="81280" marB="81280">
+                    <a:lnL w="12700" cap="flat" cmpd="sng" algn="ctr">
+                      <a:solidFill>
+                        <a:schemeClr val="tx1"/>
+                      </a:solidFill>
+                      <a:prstDash val="solid"/>
+                      <a:round/>
+                      <a:headEnd type="none" w="med" len="med"/>
+                      <a:tailEnd type="none" w="med" len="med"/>
+                    </a:lnL>
+                    <a:lnR w="12700" cap="flat" cmpd="sng" algn="ctr">
+                      <a:solidFill>
+                        <a:schemeClr val="tx1"/>
+                      </a:solidFill>
+                      <a:prstDash val="solid"/>
+                      <a:round/>
+                      <a:headEnd type="none" w="med" len="med"/>
+                      <a:tailEnd type="none" w="med" len="med"/>
+                    </a:lnR>
+                    <a:lnT w="12700" cap="flat" cmpd="sng" algn="ctr">
+                      <a:solidFill>
+                        <a:schemeClr val="tx1"/>
+                      </a:solidFill>
+                      <a:prstDash val="solid"/>
+                      <a:round/>
+                      <a:headEnd type="none" w="med" len="med"/>
+                      <a:tailEnd type="none" w="med" len="med"/>
+                    </a:lnT>
+                    <a:lnB w="12700" cap="flat" cmpd="sng" algn="ctr">
+                      <a:solidFill>
+                        <a:schemeClr val="tx1"/>
+                      </a:solidFill>
+                      <a:prstDash val="solid"/>
+                      <a:round/>
+                      <a:headEnd type="none" w="med" len="med"/>
+                      <a:tailEnd type="none" w="med" len="med"/>
+                    </a:lnB>
+                  </a:tcPr>
+                </a:tc>
+                <a:extLst>
+                  <a:ext uri="{0D108BD9-81ED-4DB2-BD59-A6C34878D82A}">
+                    <a16:rowId xmlns:a16="http://schemas.microsoft.com/office/drawing/2014/main" val="457231338"/>
+                  </a:ext>
+                </a:extLst>
+              </a:tr>
+              <a:tr h="721737">
+                <a:tc>
+                  <a:txBody>
+                    <a:bodyPr/>
+                    <a:lstStyle/>
+                    <a:p>
+                      <a:pPr latinLnBrk="1"/>
+                      <a:r>
+                        <a:rPr lang="en-US" altLang="ko-KR" sz="2800" dirty="0"/>
+                        <a:t>1</a:t>
+                      </a:r>
+                      <a:endParaRPr lang="ko-KR" altLang="en-US" sz="2800" dirty="0"/>
+                    </a:p>
+                  </a:txBody>
+                  <a:tcPr marL="162560" marR="162560" marT="81280" marB="81280">
+                    <a:lnL w="12700" cap="flat" cmpd="sng" algn="ctr">
+                      <a:solidFill>
+                        <a:schemeClr val="tx1"/>
+                      </a:solidFill>
+                      <a:prstDash val="solid"/>
+                      <a:round/>
+                      <a:headEnd type="none" w="med" len="med"/>
+                      <a:tailEnd type="none" w="med" len="med"/>
+                    </a:lnL>
+                    <a:lnR w="12700" cap="flat" cmpd="sng" algn="ctr">
+                      <a:solidFill>
+                        <a:schemeClr val="tx1"/>
+                      </a:solidFill>
+                      <a:prstDash val="solid"/>
+                      <a:round/>
+                      <a:headEnd type="none" w="med" len="med"/>
+                      <a:tailEnd type="none" w="med" len="med"/>
+                    </a:lnR>
+                    <a:lnT w="12700" cap="flat" cmpd="sng" algn="ctr">
+                      <a:solidFill>
+                        <a:schemeClr val="tx1"/>
+                      </a:solidFill>
+                      <a:prstDash val="solid"/>
+                      <a:round/>
+                      <a:headEnd type="none" w="med" len="med"/>
+                      <a:tailEnd type="none" w="med" len="med"/>
+                    </a:lnT>
+                    <a:lnB w="12700" cap="flat" cmpd="sng" algn="ctr">
+                      <a:solidFill>
+                        <a:schemeClr val="tx1"/>
+                      </a:solidFill>
+                      <a:prstDash val="solid"/>
+                      <a:round/>
+                      <a:headEnd type="none" w="med" len="med"/>
+                      <a:tailEnd type="none" w="med" len="med"/>
+                    </a:lnB>
+                  </a:tcPr>
+                </a:tc>
+                <a:tc>
+                  <a:txBody>
+                    <a:bodyPr/>
+                    <a:lstStyle/>
+                    <a:p>
+                      <a:r>
+                        <a:rPr lang="en-US" altLang="ko-KR" dirty="0">
+                          <a:effectLst/>
+                        </a:rPr>
+                        <a:t>11.11</a:t>
+                      </a:r>
+                    </a:p>
+                  </a:txBody>
+                  <a:tcPr marL="99060" marR="99060" anchor="ctr">
+                    <a:lnL w="12700" cap="flat" cmpd="sng" algn="ctr">
+                      <a:solidFill>
+                        <a:schemeClr val="tx1"/>
+                      </a:solidFill>
+                      <a:prstDash val="solid"/>
+                      <a:round/>
+                      <a:headEnd type="none" w="med" len="med"/>
+                      <a:tailEnd type="none" w="med" len="med"/>
+                    </a:lnL>
+                    <a:lnR w="12700" cap="flat" cmpd="sng" algn="ctr">
+                      <a:solidFill>
+                        <a:schemeClr val="tx1"/>
+                      </a:solidFill>
+                      <a:prstDash val="solid"/>
+                      <a:round/>
+                      <a:headEnd type="none" w="med" len="med"/>
+                      <a:tailEnd type="none" w="med" len="med"/>
+                    </a:lnR>
+                    <a:lnT w="12700" cap="flat" cmpd="sng" algn="ctr">
+                      <a:solidFill>
+                        <a:schemeClr val="tx1"/>
+                      </a:solidFill>
+                      <a:prstDash val="solid"/>
+                      <a:round/>
+                      <a:headEnd type="none" w="med" len="med"/>
+                      <a:tailEnd type="none" w="med" len="med"/>
+                    </a:lnT>
+                    <a:lnB w="12700" cap="flat" cmpd="sng" algn="ctr">
+                      <a:solidFill>
+                        <a:schemeClr val="tx1"/>
+                      </a:solidFill>
+                      <a:prstDash val="solid"/>
+                      <a:round/>
+                      <a:headEnd type="none" w="med" len="med"/>
+                      <a:tailEnd type="none" w="med" len="med"/>
+                    </a:lnB>
+                  </a:tcPr>
+                </a:tc>
+                <a:tc>
+                  <a:txBody>
+                    <a:bodyPr/>
+                    <a:lstStyle/>
+                    <a:p>
+                      <a:r>
+                        <a:rPr lang="en-US" altLang="ko-KR" dirty="0">
+                          <a:effectLst/>
+                        </a:rPr>
+                        <a:t>6.19</a:t>
+                      </a:r>
+                    </a:p>
+                  </a:txBody>
+                  <a:tcPr marL="99060" marR="99060" anchor="ctr">
+                    <a:lnL w="12700" cap="flat" cmpd="sng" algn="ctr">
+                      <a:solidFill>
+                        <a:schemeClr val="tx1"/>
+                      </a:solidFill>
+                      <a:prstDash val="solid"/>
+                      <a:round/>
+                      <a:headEnd type="none" w="med" len="med"/>
+                      <a:tailEnd type="none" w="med" len="med"/>
+                    </a:lnL>
+                    <a:lnR w="12700" cap="flat" cmpd="sng" algn="ctr">
+                      <a:solidFill>
+                        <a:schemeClr val="tx1"/>
+                      </a:solidFill>
+                      <a:prstDash val="solid"/>
+                      <a:round/>
+                      <a:headEnd type="none" w="med" len="med"/>
+                      <a:tailEnd type="none" w="med" len="med"/>
+                    </a:lnR>
+                    <a:lnT w="12700" cap="flat" cmpd="sng" algn="ctr">
+                      <a:solidFill>
+                        <a:schemeClr val="tx1"/>
+                      </a:solidFill>
+                      <a:prstDash val="solid"/>
+                      <a:round/>
+                      <a:headEnd type="none" w="med" len="med"/>
+                      <a:tailEnd type="none" w="med" len="med"/>
+                    </a:lnT>
+                    <a:lnB w="12700" cap="flat" cmpd="sng" algn="ctr">
+                      <a:solidFill>
+                        <a:schemeClr val="tx1"/>
+                      </a:solidFill>
+                      <a:prstDash val="solid"/>
+                      <a:round/>
+                      <a:headEnd type="none" w="med" len="med"/>
+                      <a:tailEnd type="none" w="med" len="med"/>
+                    </a:lnB>
+                  </a:tcPr>
+                </a:tc>
+                <a:tc>
+                  <a:txBody>
+                    <a:bodyPr/>
+                    <a:lstStyle/>
+                    <a:p>
+                      <a:pPr latinLnBrk="1"/>
+                      <a:r>
+                        <a:rPr lang="en-US" altLang="ko-KR" sz="2800" dirty="0"/>
+                        <a:t>16.18</a:t>
+                      </a:r>
+                      <a:endParaRPr lang="ko-KR" altLang="en-US" sz="2800" dirty="0"/>
+                    </a:p>
+                  </a:txBody>
+                  <a:tcPr marL="162560" marR="162560" marT="81280" marB="81280">
+                    <a:lnL w="12700" cap="flat" cmpd="sng" algn="ctr">
+                      <a:solidFill>
+                        <a:schemeClr val="tx1"/>
+                      </a:solidFill>
+                      <a:prstDash val="solid"/>
+                      <a:round/>
+                      <a:headEnd type="none" w="med" len="med"/>
+                      <a:tailEnd type="none" w="med" len="med"/>
+                    </a:lnL>
+                    <a:lnR w="12700" cap="flat" cmpd="sng" algn="ctr">
+                      <a:solidFill>
+                        <a:schemeClr val="tx1"/>
+                      </a:solidFill>
+                      <a:prstDash val="solid"/>
+                      <a:round/>
+                      <a:headEnd type="none" w="med" len="med"/>
+                      <a:tailEnd type="none" w="med" len="med"/>
+                    </a:lnR>
+                    <a:lnT w="12700" cap="flat" cmpd="sng" algn="ctr">
+                      <a:solidFill>
+                        <a:schemeClr val="tx1"/>
+                      </a:solidFill>
+                      <a:prstDash val="solid"/>
+                      <a:round/>
+                      <a:headEnd type="none" w="med" len="med"/>
+                      <a:tailEnd type="none" w="med" len="med"/>
+                    </a:lnT>
+                    <a:lnB w="12700" cap="flat" cmpd="sng" algn="ctr">
+                      <a:solidFill>
+                        <a:schemeClr val="tx1"/>
+                      </a:solidFill>
+                      <a:prstDash val="solid"/>
+                      <a:round/>
+                      <a:headEnd type="none" w="med" len="med"/>
+                      <a:tailEnd type="none" w="med" len="med"/>
+                    </a:lnB>
+                  </a:tcPr>
+                </a:tc>
+                <a:extLst>
+                  <a:ext uri="{0D108BD9-81ED-4DB2-BD59-A6C34878D82A}">
+                    <a16:rowId xmlns:a16="http://schemas.microsoft.com/office/drawing/2014/main" val="3207577392"/>
+                  </a:ext>
+                </a:extLst>
+              </a:tr>
+              <a:tr h="721737">
+                <a:tc>
+                  <a:txBody>
+                    <a:bodyPr/>
+                    <a:lstStyle/>
+                    <a:p>
+                      <a:pPr latinLnBrk="1"/>
+                      <a:r>
+                        <a:rPr lang="en-US" altLang="ko-KR" sz="2800" dirty="0">
+                          <a:highlight>
+                            <a:srgbClr val="FFFF00"/>
+                          </a:highlight>
+                        </a:rPr>
+                        <a:t>2</a:t>
+                      </a:r>
+                      <a:endParaRPr lang="ko-KR" altLang="en-US" sz="2800" dirty="0">
+                        <a:highlight>
+                          <a:srgbClr val="FFFF00"/>
+                        </a:highlight>
+                      </a:endParaRPr>
+                    </a:p>
+                  </a:txBody>
+                  <a:tcPr marL="162560" marR="162560" marT="81280" marB="81280">
+                    <a:lnL w="12700" cap="flat" cmpd="sng" algn="ctr">
+                      <a:solidFill>
+                        <a:schemeClr val="tx1"/>
+                      </a:solidFill>
+                      <a:prstDash val="solid"/>
+                      <a:round/>
+                      <a:headEnd type="none" w="med" len="med"/>
+                      <a:tailEnd type="none" w="med" len="med"/>
+                    </a:lnL>
+                    <a:lnR w="12700" cap="flat" cmpd="sng" algn="ctr">
+                      <a:solidFill>
+                        <a:schemeClr val="tx1"/>
+                      </a:solidFill>
+                      <a:prstDash val="solid"/>
+                      <a:round/>
+                      <a:headEnd type="none" w="med" len="med"/>
+                      <a:tailEnd type="none" w="med" len="med"/>
+                    </a:lnR>
+                    <a:lnT w="12700" cap="flat" cmpd="sng" algn="ctr">
+                      <a:solidFill>
+                        <a:schemeClr val="tx1"/>
+                      </a:solidFill>
+                      <a:prstDash val="solid"/>
+                      <a:round/>
+                      <a:headEnd type="none" w="med" len="med"/>
+                      <a:tailEnd type="none" w="med" len="med"/>
+                    </a:lnT>
+                    <a:lnB w="12700" cap="flat" cmpd="sng" algn="ctr">
+                      <a:solidFill>
+                        <a:schemeClr val="tx1"/>
+                      </a:solidFill>
+                      <a:prstDash val="solid"/>
+                      <a:round/>
+                      <a:headEnd type="none" w="med" len="med"/>
+                      <a:tailEnd type="none" w="med" len="med"/>
+                    </a:lnB>
+                  </a:tcPr>
+                </a:tc>
+                <a:tc>
+                  <a:txBody>
+                    <a:bodyPr/>
+                    <a:lstStyle/>
+                    <a:p>
+                      <a:r>
+                        <a:rPr lang="en-US" altLang="ko-KR" dirty="0">
+                          <a:effectLst/>
+                          <a:highlight>
+                            <a:srgbClr val="FFFF00"/>
+                          </a:highlight>
+                        </a:rPr>
+                        <a:t>14.62</a:t>
+                      </a:r>
+                    </a:p>
+                  </a:txBody>
+                  <a:tcPr marL="99060" marR="99060" anchor="ctr">
+                    <a:lnL w="12700" cap="flat" cmpd="sng" algn="ctr">
+                      <a:solidFill>
+                        <a:schemeClr val="tx1"/>
+                      </a:solidFill>
+                      <a:prstDash val="solid"/>
+                      <a:round/>
+                      <a:headEnd type="none" w="med" len="med"/>
+                      <a:tailEnd type="none" w="med" len="med"/>
+                    </a:lnL>
+                    <a:lnR w="12700" cap="flat" cmpd="sng" algn="ctr">
+                      <a:solidFill>
+                        <a:schemeClr val="tx1"/>
+                      </a:solidFill>
+                      <a:prstDash val="solid"/>
+                      <a:round/>
+                      <a:headEnd type="none" w="med" len="med"/>
+                      <a:tailEnd type="none" w="med" len="med"/>
+                    </a:lnR>
+                    <a:lnT w="12700" cap="flat" cmpd="sng" algn="ctr">
+                      <a:solidFill>
+                        <a:schemeClr val="tx1"/>
+                      </a:solidFill>
+                      <a:prstDash val="solid"/>
+                      <a:round/>
+                      <a:headEnd type="none" w="med" len="med"/>
+                      <a:tailEnd type="none" w="med" len="med"/>
+                    </a:lnT>
+                    <a:lnB w="12700" cap="flat" cmpd="sng" algn="ctr">
+                      <a:solidFill>
+                        <a:schemeClr val="tx1"/>
+                      </a:solidFill>
+                      <a:prstDash val="solid"/>
+                      <a:round/>
+                      <a:headEnd type="none" w="med" len="med"/>
+                      <a:tailEnd type="none" w="med" len="med"/>
+                    </a:lnB>
+                  </a:tcPr>
+                </a:tc>
+                <a:tc>
+                  <a:txBody>
+                    <a:bodyPr/>
+                    <a:lstStyle/>
+                    <a:p>
+                      <a:r>
+                        <a:rPr lang="en-US" altLang="ko-KR" dirty="0">
+                          <a:effectLst/>
+                          <a:highlight>
+                            <a:srgbClr val="FFFF00"/>
+                          </a:highlight>
+                        </a:rPr>
+                        <a:t>16.43</a:t>
+                      </a:r>
+                    </a:p>
+                  </a:txBody>
+                  <a:tcPr marL="99060" marR="99060" anchor="ctr">
+                    <a:lnL w="12700" cap="flat" cmpd="sng" algn="ctr">
+                      <a:solidFill>
+                        <a:schemeClr val="tx1"/>
+                      </a:solidFill>
+                      <a:prstDash val="solid"/>
+                      <a:round/>
+                      <a:headEnd type="none" w="med" len="med"/>
+                      <a:tailEnd type="none" w="med" len="med"/>
+                    </a:lnL>
+                    <a:lnR w="12700" cap="flat" cmpd="sng" algn="ctr">
+                      <a:solidFill>
+                        <a:schemeClr val="tx1"/>
+                      </a:solidFill>
+                      <a:prstDash val="solid"/>
+                      <a:round/>
+                      <a:headEnd type="none" w="med" len="med"/>
+                      <a:tailEnd type="none" w="med" len="med"/>
+                    </a:lnR>
+                    <a:lnT w="12700" cap="flat" cmpd="sng" algn="ctr">
+                      <a:solidFill>
+                        <a:schemeClr val="tx1"/>
+                      </a:solidFill>
+                      <a:prstDash val="solid"/>
+                      <a:round/>
+                      <a:headEnd type="none" w="med" len="med"/>
+                      <a:tailEnd type="none" w="med" len="med"/>
+                    </a:lnT>
+                    <a:lnB w="12700" cap="flat" cmpd="sng" algn="ctr">
+                      <a:solidFill>
+                        <a:schemeClr val="tx1"/>
+                      </a:solidFill>
+                      <a:prstDash val="solid"/>
+                      <a:round/>
+                      <a:headEnd type="none" w="med" len="med"/>
+                      <a:tailEnd type="none" w="med" len="med"/>
+                    </a:lnB>
+                  </a:tcPr>
+                </a:tc>
+                <a:tc>
+                  <a:txBody>
+                    <a:bodyPr/>
+                    <a:lstStyle/>
+                    <a:p>
+                      <a:pPr latinLnBrk="1"/>
+                      <a:r>
+                        <a:rPr lang="en-US" altLang="ko-KR" sz="2800" dirty="0">
+                          <a:highlight>
+                            <a:srgbClr val="FFFF00"/>
+                          </a:highlight>
+                        </a:rPr>
+                        <a:t>26.60</a:t>
+                      </a:r>
+                      <a:endParaRPr lang="ko-KR" altLang="en-US" sz="2800" dirty="0">
+                        <a:highlight>
+                          <a:srgbClr val="FFFF00"/>
+                        </a:highlight>
+                      </a:endParaRPr>
+                    </a:p>
+                  </a:txBody>
+                  <a:tcPr marL="162560" marR="162560" marT="81280" marB="81280">
+                    <a:lnL w="12700" cap="flat" cmpd="sng" algn="ctr">
+                      <a:solidFill>
+                        <a:schemeClr val="tx1"/>
+                      </a:solidFill>
+                      <a:prstDash val="solid"/>
+                      <a:round/>
+                      <a:headEnd type="none" w="med" len="med"/>
+                      <a:tailEnd type="none" w="med" len="med"/>
+                    </a:lnL>
+                    <a:lnR w="12700" cap="flat" cmpd="sng" algn="ctr">
+                      <a:solidFill>
+                        <a:schemeClr val="tx1"/>
+                      </a:solidFill>
+                      <a:prstDash val="solid"/>
+                      <a:round/>
+                      <a:headEnd type="none" w="med" len="med"/>
+                      <a:tailEnd type="none" w="med" len="med"/>
+                    </a:lnR>
+                    <a:lnT w="12700" cap="flat" cmpd="sng" algn="ctr">
+                      <a:solidFill>
+                        <a:schemeClr val="tx1"/>
+                      </a:solidFill>
+                      <a:prstDash val="solid"/>
+                      <a:round/>
+                      <a:headEnd type="none" w="med" len="med"/>
+                      <a:tailEnd type="none" w="med" len="med"/>
+                    </a:lnT>
+                    <a:lnB w="12700" cap="flat" cmpd="sng" algn="ctr">
+                      <a:solidFill>
+                        <a:schemeClr val="tx1"/>
+                      </a:solidFill>
+                      <a:prstDash val="solid"/>
+                      <a:round/>
+                      <a:headEnd type="none" w="med" len="med"/>
+                      <a:tailEnd type="none" w="med" len="med"/>
+                    </a:lnB>
+                  </a:tcPr>
+                </a:tc>
+                <a:extLst>
+                  <a:ext uri="{0D108BD9-81ED-4DB2-BD59-A6C34878D82A}">
+                    <a16:rowId xmlns:a16="http://schemas.microsoft.com/office/drawing/2014/main" val="1972724796"/>
+                  </a:ext>
+                </a:extLst>
+              </a:tr>
+              <a:tr h="721737">
+                <a:tc>
+                  <a:txBody>
+                    <a:bodyPr/>
+                    <a:lstStyle/>
+                    <a:p>
+                      <a:pPr latinLnBrk="1"/>
+                      <a:r>
+                        <a:rPr lang="en-US" altLang="ko-KR" sz="2800" dirty="0">
+                          <a:highlight>
+                            <a:srgbClr val="FFFF00"/>
+                          </a:highlight>
+                        </a:rPr>
+                        <a:t>3</a:t>
+                      </a:r>
+                      <a:endParaRPr lang="ko-KR" altLang="en-US" sz="2800" dirty="0">
+                        <a:highlight>
+                          <a:srgbClr val="FFFF00"/>
+                        </a:highlight>
+                      </a:endParaRPr>
+                    </a:p>
+                  </a:txBody>
+                  <a:tcPr marL="162560" marR="162560" marT="81280" marB="81280">
+                    <a:lnL w="12700" cap="flat" cmpd="sng" algn="ctr">
+                      <a:solidFill>
+                        <a:schemeClr val="tx1"/>
+                      </a:solidFill>
+                      <a:prstDash val="solid"/>
+                      <a:round/>
+                      <a:headEnd type="none" w="med" len="med"/>
+                      <a:tailEnd type="none" w="med" len="med"/>
+                    </a:lnL>
+                    <a:lnR w="12700" cap="flat" cmpd="sng" algn="ctr">
+                      <a:solidFill>
+                        <a:schemeClr val="tx1"/>
+                      </a:solidFill>
+                      <a:prstDash val="solid"/>
+                      <a:round/>
+                      <a:headEnd type="none" w="med" len="med"/>
+                      <a:tailEnd type="none" w="med" len="med"/>
+                    </a:lnR>
+                    <a:lnT w="12700" cap="flat" cmpd="sng" algn="ctr">
+                      <a:solidFill>
+                        <a:schemeClr val="tx1"/>
+                      </a:solidFill>
+                      <a:prstDash val="solid"/>
+                      <a:round/>
+                      <a:headEnd type="none" w="med" len="med"/>
+                      <a:tailEnd type="none" w="med" len="med"/>
+                    </a:lnT>
+                    <a:lnB w="12700" cap="flat" cmpd="sng" algn="ctr">
+                      <a:solidFill>
+                        <a:schemeClr val="tx1"/>
+                      </a:solidFill>
+                      <a:prstDash val="solid"/>
+                      <a:round/>
+                      <a:headEnd type="none" w="med" len="med"/>
+                      <a:tailEnd type="none" w="med" len="med"/>
+                    </a:lnB>
+                  </a:tcPr>
+                </a:tc>
+                <a:tc>
+                  <a:txBody>
+                    <a:bodyPr/>
+                    <a:lstStyle/>
+                    <a:p>
+                      <a:r>
+                        <a:rPr lang="en-US" altLang="ko-KR" dirty="0">
+                          <a:effectLst/>
+                          <a:highlight>
+                            <a:srgbClr val="FFFF00"/>
+                          </a:highlight>
+                        </a:rPr>
+                        <a:t>9.61</a:t>
+                      </a:r>
+                    </a:p>
+                  </a:txBody>
+                  <a:tcPr marL="99060" marR="99060" anchor="ctr">
+                    <a:lnL w="12700" cap="flat" cmpd="sng" algn="ctr">
+                      <a:solidFill>
+                        <a:schemeClr val="tx1"/>
+                      </a:solidFill>
+                      <a:prstDash val="solid"/>
+                      <a:round/>
+                      <a:headEnd type="none" w="med" len="med"/>
+                      <a:tailEnd type="none" w="med" len="med"/>
+                    </a:lnL>
+                    <a:lnR w="12700" cap="flat" cmpd="sng" algn="ctr">
+                      <a:solidFill>
+                        <a:schemeClr val="tx1"/>
+                      </a:solidFill>
+                      <a:prstDash val="solid"/>
+                      <a:round/>
+                      <a:headEnd type="none" w="med" len="med"/>
+                      <a:tailEnd type="none" w="med" len="med"/>
+                    </a:lnR>
+                    <a:lnT w="12700" cap="flat" cmpd="sng" algn="ctr">
+                      <a:solidFill>
+                        <a:schemeClr val="tx1"/>
+                      </a:solidFill>
+                      <a:prstDash val="solid"/>
+                      <a:round/>
+                      <a:headEnd type="none" w="med" len="med"/>
+                      <a:tailEnd type="none" w="med" len="med"/>
+                    </a:lnT>
+                    <a:lnB w="12700" cap="flat" cmpd="sng" algn="ctr">
+                      <a:solidFill>
+                        <a:schemeClr val="tx1"/>
+                      </a:solidFill>
+                      <a:prstDash val="solid"/>
+                      <a:round/>
+                      <a:headEnd type="none" w="med" len="med"/>
+                      <a:tailEnd type="none" w="med" len="med"/>
+                    </a:lnB>
+                  </a:tcPr>
+                </a:tc>
+                <a:tc>
+                  <a:txBody>
+                    <a:bodyPr/>
+                    <a:lstStyle/>
+                    <a:p>
+                      <a:r>
+                        <a:rPr lang="en-US" altLang="ko-KR" dirty="0">
+                          <a:effectLst/>
+                          <a:highlight>
+                            <a:srgbClr val="FFFF00"/>
+                          </a:highlight>
+                        </a:rPr>
+                        <a:t>17.89</a:t>
+                      </a:r>
+                    </a:p>
+                  </a:txBody>
+                  <a:tcPr marL="99060" marR="99060" anchor="ctr">
+                    <a:lnL w="12700" cap="flat" cmpd="sng" algn="ctr">
+                      <a:solidFill>
+                        <a:schemeClr val="tx1"/>
+                      </a:solidFill>
+                      <a:prstDash val="solid"/>
+                      <a:round/>
+                      <a:headEnd type="none" w="med" len="med"/>
+                      <a:tailEnd type="none" w="med" len="med"/>
+                    </a:lnL>
+                    <a:lnR w="12700" cap="flat" cmpd="sng" algn="ctr">
+                      <a:solidFill>
+                        <a:schemeClr val="tx1"/>
+                      </a:solidFill>
+                      <a:prstDash val="solid"/>
+                      <a:round/>
+                      <a:headEnd type="none" w="med" len="med"/>
+                      <a:tailEnd type="none" w="med" len="med"/>
+                    </a:lnR>
+                    <a:lnT w="12700" cap="flat" cmpd="sng" algn="ctr">
+                      <a:solidFill>
+                        <a:schemeClr val="tx1"/>
+                      </a:solidFill>
+                      <a:prstDash val="solid"/>
+                      <a:round/>
+                      <a:headEnd type="none" w="med" len="med"/>
+                      <a:tailEnd type="none" w="med" len="med"/>
+                    </a:lnT>
+                    <a:lnB w="12700" cap="flat" cmpd="sng" algn="ctr">
+                      <a:solidFill>
+                        <a:schemeClr val="tx1"/>
+                      </a:solidFill>
+                      <a:prstDash val="solid"/>
+                      <a:round/>
+                      <a:headEnd type="none" w="med" len="med"/>
+                      <a:tailEnd type="none" w="med" len="med"/>
+                    </a:lnB>
+                  </a:tcPr>
+                </a:tc>
+                <a:tc>
+                  <a:txBody>
+                    <a:bodyPr/>
+                    <a:lstStyle/>
+                    <a:p>
+                      <a:pPr latinLnBrk="1"/>
+                      <a:r>
+                        <a:rPr lang="en-US" altLang="ko-KR" sz="2800" dirty="0">
+                          <a:highlight>
+                            <a:srgbClr val="FFFF00"/>
+                          </a:highlight>
+                        </a:rPr>
+                        <a:t>21.83</a:t>
+                      </a:r>
+                      <a:endParaRPr lang="ko-KR" altLang="en-US" sz="2800" dirty="0">
+                        <a:highlight>
+                          <a:srgbClr val="FFFF00"/>
+                        </a:highlight>
+                      </a:endParaRPr>
+                    </a:p>
+                  </a:txBody>
+                  <a:tcPr marL="162560" marR="162560" marT="81280" marB="81280">
+                    <a:lnL w="12700" cap="flat" cmpd="sng" algn="ctr">
+                      <a:solidFill>
+                        <a:schemeClr val="tx1"/>
+                      </a:solidFill>
+                      <a:prstDash val="solid"/>
+                      <a:round/>
+                      <a:headEnd type="none" w="med" len="med"/>
+                      <a:tailEnd type="none" w="med" len="med"/>
+                    </a:lnL>
+                    <a:lnR w="12700" cap="flat" cmpd="sng" algn="ctr">
+                      <a:solidFill>
+                        <a:schemeClr val="tx1"/>
+                      </a:solidFill>
+                      <a:prstDash val="solid"/>
+                      <a:round/>
+                      <a:headEnd type="none" w="med" len="med"/>
+                      <a:tailEnd type="none" w="med" len="med"/>
+                    </a:lnR>
+                    <a:lnT w="12700" cap="flat" cmpd="sng" algn="ctr">
+                      <a:solidFill>
+                        <a:schemeClr val="tx1"/>
+                      </a:solidFill>
+                      <a:prstDash val="solid"/>
+                      <a:round/>
+                      <a:headEnd type="none" w="med" len="med"/>
+                      <a:tailEnd type="none" w="med" len="med"/>
+                    </a:lnT>
+                    <a:lnB w="12700" cap="flat" cmpd="sng" algn="ctr">
+                      <a:solidFill>
+                        <a:schemeClr val="tx1"/>
+                      </a:solidFill>
+                      <a:prstDash val="solid"/>
+                      <a:round/>
+                      <a:headEnd type="none" w="med" len="med"/>
+                      <a:tailEnd type="none" w="med" len="med"/>
+                    </a:lnB>
+                  </a:tcPr>
+                </a:tc>
+                <a:extLst>
+                  <a:ext uri="{0D108BD9-81ED-4DB2-BD59-A6C34878D82A}">
+                    <a16:rowId xmlns:a16="http://schemas.microsoft.com/office/drawing/2014/main" val="3876492714"/>
+                  </a:ext>
+                </a:extLst>
+              </a:tr>
+              <a:tr h="721737">
+                <a:tc>
+                  <a:txBody>
+                    <a:bodyPr/>
+                    <a:lstStyle/>
+                    <a:p>
+                      <a:pPr latinLnBrk="1"/>
+                      <a:r>
+                        <a:rPr lang="en-US" altLang="ko-KR" sz="2800" dirty="0">
+                          <a:highlight>
+                            <a:srgbClr val="FFFF00"/>
+                          </a:highlight>
+                        </a:rPr>
+                        <a:t>4</a:t>
+                      </a:r>
+                      <a:endParaRPr lang="ko-KR" altLang="en-US" sz="2800" dirty="0">
+                        <a:highlight>
+                          <a:srgbClr val="FFFF00"/>
+                        </a:highlight>
+                      </a:endParaRPr>
+                    </a:p>
+                  </a:txBody>
+                  <a:tcPr marL="162560" marR="162560" marT="81280" marB="81280">
+                    <a:lnL w="12700" cap="flat" cmpd="sng" algn="ctr">
+                      <a:solidFill>
+                        <a:schemeClr val="tx1"/>
+                      </a:solidFill>
+                      <a:prstDash val="solid"/>
+                      <a:round/>
+                      <a:headEnd type="none" w="med" len="med"/>
+                      <a:tailEnd type="none" w="med" len="med"/>
+                    </a:lnL>
+                    <a:lnR w="12700" cap="flat" cmpd="sng" algn="ctr">
+                      <a:solidFill>
+                        <a:schemeClr val="tx1"/>
+                      </a:solidFill>
+                      <a:prstDash val="solid"/>
+                      <a:round/>
+                      <a:headEnd type="none" w="med" len="med"/>
+                      <a:tailEnd type="none" w="med" len="med"/>
+                    </a:lnR>
+                    <a:lnT w="12700" cap="flat" cmpd="sng" algn="ctr">
+                      <a:solidFill>
+                        <a:schemeClr val="tx1"/>
+                      </a:solidFill>
+                      <a:prstDash val="solid"/>
+                      <a:round/>
+                      <a:headEnd type="none" w="med" len="med"/>
+                      <a:tailEnd type="none" w="med" len="med"/>
+                    </a:lnT>
+                    <a:lnB w="12700" cap="flat" cmpd="sng" algn="ctr">
+                      <a:solidFill>
+                        <a:schemeClr val="tx1"/>
+                      </a:solidFill>
+                      <a:prstDash val="solid"/>
+                      <a:round/>
+                      <a:headEnd type="none" w="med" len="med"/>
+                      <a:tailEnd type="none" w="med" len="med"/>
+                    </a:lnB>
+                  </a:tcPr>
+                </a:tc>
+                <a:tc>
+                  <a:txBody>
+                    <a:bodyPr/>
+                    <a:lstStyle/>
+                    <a:p>
+                      <a:r>
+                        <a:rPr lang="en-US" altLang="ko-KR" dirty="0">
+                          <a:effectLst/>
+                          <a:highlight>
+                            <a:srgbClr val="FFFF00"/>
+                          </a:highlight>
+                        </a:rPr>
+                        <a:t>35.88</a:t>
+                      </a:r>
+                    </a:p>
+                  </a:txBody>
+                  <a:tcPr marL="99060" marR="99060" anchor="ctr">
+                    <a:lnL w="12700" cap="flat" cmpd="sng" algn="ctr">
+                      <a:solidFill>
+                        <a:schemeClr val="tx1"/>
+                      </a:solidFill>
+                      <a:prstDash val="solid"/>
+                      <a:round/>
+                      <a:headEnd type="none" w="med" len="med"/>
+                      <a:tailEnd type="none" w="med" len="med"/>
+                    </a:lnL>
+                    <a:lnR w="12700" cap="flat" cmpd="sng" algn="ctr">
+                      <a:solidFill>
+                        <a:schemeClr val="tx1"/>
+                      </a:solidFill>
+                      <a:prstDash val="solid"/>
+                      <a:round/>
+                      <a:headEnd type="none" w="med" len="med"/>
+                      <a:tailEnd type="none" w="med" len="med"/>
+                    </a:lnR>
+                    <a:lnT w="12700" cap="flat" cmpd="sng" algn="ctr">
+                      <a:solidFill>
+                        <a:schemeClr val="tx1"/>
+                      </a:solidFill>
+                      <a:prstDash val="solid"/>
+                      <a:round/>
+                      <a:headEnd type="none" w="med" len="med"/>
+                      <a:tailEnd type="none" w="med" len="med"/>
+                    </a:lnT>
+                    <a:lnB w="12700" cap="flat" cmpd="sng" algn="ctr">
+                      <a:solidFill>
+                        <a:schemeClr val="tx1"/>
+                      </a:solidFill>
+                      <a:prstDash val="solid"/>
+                      <a:round/>
+                      <a:headEnd type="none" w="med" len="med"/>
+                      <a:tailEnd type="none" w="med" len="med"/>
+                    </a:lnB>
+                  </a:tcPr>
+                </a:tc>
+                <a:tc>
+                  <a:txBody>
+                    <a:bodyPr/>
+                    <a:lstStyle/>
+                    <a:p>
+                      <a:r>
+                        <a:rPr lang="en-US" altLang="ko-KR" dirty="0">
+                          <a:effectLst/>
+                          <a:highlight>
+                            <a:srgbClr val="FFFF00"/>
+                          </a:highlight>
+                        </a:rPr>
+                        <a:t>50.01</a:t>
+                      </a:r>
+                    </a:p>
+                  </a:txBody>
+                  <a:tcPr marL="99060" marR="99060" anchor="ctr">
+                    <a:lnL w="12700" cap="flat" cmpd="sng" algn="ctr">
+                      <a:solidFill>
+                        <a:schemeClr val="tx1"/>
+                      </a:solidFill>
+                      <a:prstDash val="solid"/>
+                      <a:round/>
+                      <a:headEnd type="none" w="med" len="med"/>
+                      <a:tailEnd type="none" w="med" len="med"/>
+                    </a:lnL>
+                    <a:lnR w="12700" cap="flat" cmpd="sng" algn="ctr">
+                      <a:solidFill>
+                        <a:schemeClr val="tx1"/>
+                      </a:solidFill>
+                      <a:prstDash val="solid"/>
+                      <a:round/>
+                      <a:headEnd type="none" w="med" len="med"/>
+                      <a:tailEnd type="none" w="med" len="med"/>
+                    </a:lnR>
+                    <a:lnT w="12700" cap="flat" cmpd="sng" algn="ctr">
+                      <a:solidFill>
+                        <a:schemeClr val="tx1"/>
+                      </a:solidFill>
+                      <a:prstDash val="solid"/>
+                      <a:round/>
+                      <a:headEnd type="none" w="med" len="med"/>
+                      <a:tailEnd type="none" w="med" len="med"/>
+                    </a:lnT>
+                    <a:lnB w="12700" cap="flat" cmpd="sng" algn="ctr">
+                      <a:solidFill>
+                        <a:schemeClr val="tx1"/>
+                      </a:solidFill>
+                      <a:prstDash val="solid"/>
+                      <a:round/>
+                      <a:headEnd type="none" w="med" len="med"/>
+                      <a:tailEnd type="none" w="med" len="med"/>
+                    </a:lnB>
+                  </a:tcPr>
+                </a:tc>
+                <a:tc>
+                  <a:txBody>
+                    <a:bodyPr/>
+                    <a:lstStyle/>
+                    <a:p>
+                      <a:pPr latinLnBrk="1"/>
+                      <a:r>
+                        <a:rPr lang="en-US" altLang="ko-KR" sz="2800" dirty="0">
+                          <a:highlight>
+                            <a:srgbClr val="FFFF00"/>
+                          </a:highlight>
+                        </a:rPr>
+                        <a:t>56.64</a:t>
+                      </a:r>
+                      <a:endParaRPr lang="ko-KR" altLang="en-US" sz="2800" dirty="0">
+                        <a:highlight>
+                          <a:srgbClr val="FFFF00"/>
+                        </a:highlight>
+                      </a:endParaRPr>
+                    </a:p>
+                  </a:txBody>
+                  <a:tcPr marL="162560" marR="162560" marT="81280" marB="81280">
+                    <a:lnL w="12700" cap="flat" cmpd="sng" algn="ctr">
+                      <a:solidFill>
+                        <a:schemeClr val="tx1"/>
+                      </a:solidFill>
+                      <a:prstDash val="solid"/>
+                      <a:round/>
+                      <a:headEnd type="none" w="med" len="med"/>
+                      <a:tailEnd type="none" w="med" len="med"/>
+                    </a:lnL>
+                    <a:lnR w="12700" cap="flat" cmpd="sng" algn="ctr">
+                      <a:solidFill>
+                        <a:schemeClr val="tx1"/>
+                      </a:solidFill>
+                      <a:prstDash val="solid"/>
+                      <a:round/>
+                      <a:headEnd type="none" w="med" len="med"/>
+                      <a:tailEnd type="none" w="med" len="med"/>
+                    </a:lnR>
+                    <a:lnT w="12700" cap="flat" cmpd="sng" algn="ctr">
+                      <a:solidFill>
+                        <a:schemeClr val="tx1"/>
+                      </a:solidFill>
+                      <a:prstDash val="solid"/>
+                      <a:round/>
+                      <a:headEnd type="none" w="med" len="med"/>
+                      <a:tailEnd type="none" w="med" len="med"/>
+                    </a:lnT>
+                    <a:lnB w="12700" cap="flat" cmpd="sng" algn="ctr">
+                      <a:solidFill>
+                        <a:schemeClr val="tx1"/>
+                      </a:solidFill>
+                      <a:prstDash val="solid"/>
+                      <a:round/>
+                      <a:headEnd type="none" w="med" len="med"/>
+                      <a:tailEnd type="none" w="med" len="med"/>
+                    </a:lnB>
+                  </a:tcPr>
+                </a:tc>
+                <a:extLst>
+                  <a:ext uri="{0D108BD9-81ED-4DB2-BD59-A6C34878D82A}">
+                    <a16:rowId xmlns:a16="http://schemas.microsoft.com/office/drawing/2014/main" val="3547616457"/>
+                  </a:ext>
+                </a:extLst>
+              </a:tr>
+              <a:tr h="721737">
+                <a:tc>
+                  <a:txBody>
+                    <a:bodyPr/>
+                    <a:lstStyle/>
+                    <a:p>
+                      <a:pPr latinLnBrk="1"/>
+                      <a:r>
+                        <a:rPr lang="en-US" altLang="ko-KR" sz="2800" dirty="0"/>
+                        <a:t>6</a:t>
+                      </a:r>
+                      <a:endParaRPr lang="ko-KR" altLang="en-US" sz="2800" dirty="0"/>
+                    </a:p>
+                  </a:txBody>
+                  <a:tcPr marL="162560" marR="162560" marT="81280" marB="81280">
+                    <a:lnL w="12700" cap="flat" cmpd="sng" algn="ctr">
+                      <a:solidFill>
+                        <a:schemeClr val="tx1"/>
+                      </a:solidFill>
+                      <a:prstDash val="solid"/>
+                      <a:round/>
+                      <a:headEnd type="none" w="med" len="med"/>
+                      <a:tailEnd type="none" w="med" len="med"/>
+                    </a:lnL>
+                    <a:lnR w="12700" cap="flat" cmpd="sng" algn="ctr">
+                      <a:solidFill>
+                        <a:schemeClr val="tx1"/>
+                      </a:solidFill>
+                      <a:prstDash val="solid"/>
+                      <a:round/>
+                      <a:headEnd type="none" w="med" len="med"/>
+                      <a:tailEnd type="none" w="med" len="med"/>
+                    </a:lnR>
+                    <a:lnT w="12700" cap="flat" cmpd="sng" algn="ctr">
+                      <a:solidFill>
+                        <a:schemeClr val="tx1"/>
+                      </a:solidFill>
+                      <a:prstDash val="solid"/>
+                      <a:round/>
+                      <a:headEnd type="none" w="med" len="med"/>
+                      <a:tailEnd type="none" w="med" len="med"/>
+                    </a:lnT>
+                    <a:lnB w="12700" cap="flat" cmpd="sng" algn="ctr">
+                      <a:solidFill>
+                        <a:schemeClr val="tx1"/>
+                      </a:solidFill>
+                      <a:prstDash val="solid"/>
+                      <a:round/>
+                      <a:headEnd type="none" w="med" len="med"/>
+                      <a:tailEnd type="none" w="med" len="med"/>
+                    </a:lnB>
+                  </a:tcPr>
+                </a:tc>
+                <a:tc>
+                  <a:txBody>
+                    <a:bodyPr/>
+                    <a:lstStyle/>
+                    <a:p>
+                      <a:r>
+                        <a:rPr lang="en-US" altLang="ko-KR" dirty="0">
+                          <a:effectLst/>
+                        </a:rPr>
+                        <a:t>6.37</a:t>
+                      </a:r>
+                    </a:p>
+                  </a:txBody>
+                  <a:tcPr marL="99060" marR="99060" anchor="ctr">
+                    <a:lnL w="12700" cap="flat" cmpd="sng" algn="ctr">
+                      <a:solidFill>
+                        <a:schemeClr val="tx1"/>
+                      </a:solidFill>
+                      <a:prstDash val="solid"/>
+                      <a:round/>
+                      <a:headEnd type="none" w="med" len="med"/>
+                      <a:tailEnd type="none" w="med" len="med"/>
+                    </a:lnL>
+                    <a:lnR w="12700" cap="flat" cmpd="sng" algn="ctr">
+                      <a:solidFill>
+                        <a:schemeClr val="tx1"/>
+                      </a:solidFill>
+                      <a:prstDash val="solid"/>
+                      <a:round/>
+                      <a:headEnd type="none" w="med" len="med"/>
+                      <a:tailEnd type="none" w="med" len="med"/>
+                    </a:lnR>
+                    <a:lnT w="12700" cap="flat" cmpd="sng" algn="ctr">
+                      <a:solidFill>
+                        <a:schemeClr val="tx1"/>
+                      </a:solidFill>
+                      <a:prstDash val="solid"/>
+                      <a:round/>
+                      <a:headEnd type="none" w="med" len="med"/>
+                      <a:tailEnd type="none" w="med" len="med"/>
+                    </a:lnT>
+                    <a:lnB w="12700" cap="flat" cmpd="sng" algn="ctr">
+                      <a:solidFill>
+                        <a:schemeClr val="tx1"/>
+                      </a:solidFill>
+                      <a:prstDash val="solid"/>
+                      <a:round/>
+                      <a:headEnd type="none" w="med" len="med"/>
+                      <a:tailEnd type="none" w="med" len="med"/>
+                    </a:lnB>
+                  </a:tcPr>
+                </a:tc>
+                <a:tc>
+                  <a:txBody>
+                    <a:bodyPr/>
+                    <a:lstStyle/>
+                    <a:p>
+                      <a:r>
+                        <a:rPr lang="en-US" altLang="ko-KR" dirty="0">
+                          <a:effectLst/>
+                        </a:rPr>
+                        <a:t>7.60</a:t>
+                      </a:r>
+                    </a:p>
+                  </a:txBody>
+                  <a:tcPr marL="99060" marR="99060" anchor="ctr">
+                    <a:lnL w="12700" cap="flat" cmpd="sng" algn="ctr">
+                      <a:solidFill>
+                        <a:schemeClr val="tx1"/>
+                      </a:solidFill>
+                      <a:prstDash val="solid"/>
+                      <a:round/>
+                      <a:headEnd type="none" w="med" len="med"/>
+                      <a:tailEnd type="none" w="med" len="med"/>
+                    </a:lnL>
+                    <a:lnR w="12700" cap="flat" cmpd="sng" algn="ctr">
+                      <a:solidFill>
+                        <a:schemeClr val="tx1"/>
+                      </a:solidFill>
+                      <a:prstDash val="solid"/>
+                      <a:round/>
+                      <a:headEnd type="none" w="med" len="med"/>
+                      <a:tailEnd type="none" w="med" len="med"/>
+                    </a:lnR>
+                    <a:lnT w="12700" cap="flat" cmpd="sng" algn="ctr">
+                      <a:solidFill>
+                        <a:schemeClr val="tx1"/>
+                      </a:solidFill>
+                      <a:prstDash val="solid"/>
+                      <a:round/>
+                      <a:headEnd type="none" w="med" len="med"/>
+                      <a:tailEnd type="none" w="med" len="med"/>
+                    </a:lnT>
+                    <a:lnB w="12700" cap="flat" cmpd="sng" algn="ctr">
+                      <a:solidFill>
+                        <a:schemeClr val="tx1"/>
+                      </a:solidFill>
+                      <a:prstDash val="solid"/>
+                      <a:round/>
+                      <a:headEnd type="none" w="med" len="med"/>
+                      <a:tailEnd type="none" w="med" len="med"/>
+                    </a:lnB>
+                  </a:tcPr>
+                </a:tc>
+                <a:tc>
+                  <a:txBody>
+                    <a:bodyPr/>
+                    <a:lstStyle/>
+                    <a:p>
+                      <a:pPr latinLnBrk="1"/>
+                      <a:r>
+                        <a:rPr lang="en-US" altLang="ko-KR" sz="2800" dirty="0"/>
+                        <a:t>12.54</a:t>
+                      </a:r>
+                      <a:endParaRPr lang="ko-KR" altLang="en-US" sz="2800" dirty="0"/>
+                    </a:p>
+                  </a:txBody>
+                  <a:tcPr marL="162560" marR="162560" marT="81280" marB="81280">
+                    <a:lnL w="12700" cap="flat" cmpd="sng" algn="ctr">
+                      <a:solidFill>
+                        <a:schemeClr val="tx1"/>
+                      </a:solidFill>
+                      <a:prstDash val="solid"/>
+                      <a:round/>
+                      <a:headEnd type="none" w="med" len="med"/>
+                      <a:tailEnd type="none" w="med" len="med"/>
+                    </a:lnL>
+                    <a:lnR w="12700" cap="flat" cmpd="sng" algn="ctr">
+                      <a:solidFill>
+                        <a:schemeClr val="tx1"/>
+                      </a:solidFill>
+                      <a:prstDash val="solid"/>
+                      <a:round/>
+                      <a:headEnd type="none" w="med" len="med"/>
+                      <a:tailEnd type="none" w="med" len="med"/>
+                    </a:lnR>
+                    <a:lnT w="12700" cap="flat" cmpd="sng" algn="ctr">
+                      <a:solidFill>
+                        <a:schemeClr val="tx1"/>
+                      </a:solidFill>
+                      <a:prstDash val="solid"/>
+                      <a:round/>
+                      <a:headEnd type="none" w="med" len="med"/>
+                      <a:tailEnd type="none" w="med" len="med"/>
+                    </a:lnT>
+                    <a:lnB w="12700" cap="flat" cmpd="sng" algn="ctr">
+                      <a:solidFill>
+                        <a:schemeClr val="tx1"/>
+                      </a:solidFill>
+                      <a:prstDash val="solid"/>
+                      <a:round/>
+                      <a:headEnd type="none" w="med" len="med"/>
+                      <a:tailEnd type="none" w="med" len="med"/>
+                    </a:lnB>
+                  </a:tcPr>
+                </a:tc>
+                <a:extLst>
+                  <a:ext uri="{0D108BD9-81ED-4DB2-BD59-A6C34878D82A}">
+                    <a16:rowId xmlns:a16="http://schemas.microsoft.com/office/drawing/2014/main" val="1632678418"/>
+                  </a:ext>
+                </a:extLst>
+              </a:tr>
+              <a:tr h="721737">
+                <a:tc>
+                  <a:txBody>
+                    <a:bodyPr/>
+                    <a:lstStyle/>
+                    <a:p>
+                      <a:pPr latinLnBrk="1"/>
+                      <a:r>
+                        <a:rPr lang="en-US" altLang="ko-KR" sz="2800" dirty="0"/>
+                        <a:t>7</a:t>
+                      </a:r>
+                      <a:endParaRPr lang="ko-KR" altLang="en-US" sz="2800" dirty="0"/>
+                    </a:p>
+                  </a:txBody>
+                  <a:tcPr marL="162560" marR="162560" marT="81280" marB="81280">
+                    <a:lnL w="12700" cap="flat" cmpd="sng" algn="ctr">
+                      <a:solidFill>
+                        <a:schemeClr val="tx1"/>
+                      </a:solidFill>
+                      <a:prstDash val="solid"/>
+                      <a:round/>
+                      <a:headEnd type="none" w="med" len="med"/>
+                      <a:tailEnd type="none" w="med" len="med"/>
+                    </a:lnL>
+                    <a:lnR w="12700" cap="flat" cmpd="sng" algn="ctr">
+                      <a:solidFill>
+                        <a:schemeClr val="tx1"/>
+                      </a:solidFill>
+                      <a:prstDash val="solid"/>
+                      <a:round/>
+                      <a:headEnd type="none" w="med" len="med"/>
+                      <a:tailEnd type="none" w="med" len="med"/>
+                    </a:lnR>
+                    <a:lnT w="12700" cap="flat" cmpd="sng" algn="ctr">
+                      <a:solidFill>
+                        <a:schemeClr val="tx1"/>
+                      </a:solidFill>
+                      <a:prstDash val="solid"/>
+                      <a:round/>
+                      <a:headEnd type="none" w="med" len="med"/>
+                      <a:tailEnd type="none" w="med" len="med"/>
+                    </a:lnT>
+                    <a:lnB w="12700" cap="flat" cmpd="sng" algn="ctr">
+                      <a:solidFill>
+                        <a:schemeClr val="tx1"/>
+                      </a:solidFill>
+                      <a:prstDash val="solid"/>
+                      <a:round/>
+                      <a:headEnd type="none" w="med" len="med"/>
+                      <a:tailEnd type="none" w="med" len="med"/>
+                    </a:lnB>
+                  </a:tcPr>
+                </a:tc>
+                <a:tc>
+                  <a:txBody>
+                    <a:bodyPr/>
+                    <a:lstStyle/>
+                    <a:p>
+                      <a:r>
+                        <a:rPr lang="en-US" altLang="ko-KR" dirty="0">
+                          <a:effectLst/>
+                        </a:rPr>
+                        <a:t>3.38</a:t>
+                      </a:r>
+                    </a:p>
+                  </a:txBody>
+                  <a:tcPr marL="99060" marR="99060" anchor="ctr">
+                    <a:lnL w="12700" cap="flat" cmpd="sng" algn="ctr">
+                      <a:solidFill>
+                        <a:schemeClr val="tx1"/>
+                      </a:solidFill>
+                      <a:prstDash val="solid"/>
+                      <a:round/>
+                      <a:headEnd type="none" w="med" len="med"/>
+                      <a:tailEnd type="none" w="med" len="med"/>
+                    </a:lnL>
+                    <a:lnR w="12700" cap="flat" cmpd="sng" algn="ctr">
+                      <a:solidFill>
+                        <a:schemeClr val="tx1"/>
+                      </a:solidFill>
+                      <a:prstDash val="solid"/>
+                      <a:round/>
+                      <a:headEnd type="none" w="med" len="med"/>
+                      <a:tailEnd type="none" w="med" len="med"/>
+                    </a:lnR>
+                    <a:lnT w="12700" cap="flat" cmpd="sng" algn="ctr">
+                      <a:solidFill>
+                        <a:schemeClr val="tx1"/>
+                      </a:solidFill>
+                      <a:prstDash val="solid"/>
+                      <a:round/>
+                      <a:headEnd type="none" w="med" len="med"/>
+                      <a:tailEnd type="none" w="med" len="med"/>
+                    </a:lnT>
+                    <a:lnB w="12700" cap="flat" cmpd="sng" algn="ctr">
+                      <a:solidFill>
+                        <a:schemeClr val="tx1"/>
+                      </a:solidFill>
+                      <a:prstDash val="solid"/>
+                      <a:round/>
+                      <a:headEnd type="none" w="med" len="med"/>
+                      <a:tailEnd type="none" w="med" len="med"/>
+                    </a:lnB>
+                  </a:tcPr>
+                </a:tc>
+                <a:tc>
+                  <a:txBody>
+                    <a:bodyPr/>
+                    <a:lstStyle/>
+                    <a:p>
+                      <a:r>
+                        <a:rPr lang="en-US" altLang="ko-KR" dirty="0">
+                          <a:effectLst/>
+                        </a:rPr>
+                        <a:t>6.73</a:t>
+                      </a:r>
+                    </a:p>
+                  </a:txBody>
+                  <a:tcPr marL="99060" marR="99060" anchor="ctr">
+                    <a:lnL w="12700" cap="flat" cmpd="sng" algn="ctr">
+                      <a:solidFill>
+                        <a:schemeClr val="tx1"/>
+                      </a:solidFill>
+                      <a:prstDash val="solid"/>
+                      <a:round/>
+                      <a:headEnd type="none" w="med" len="med"/>
+                      <a:tailEnd type="none" w="med" len="med"/>
+                    </a:lnL>
+                    <a:lnR w="12700" cap="flat" cmpd="sng" algn="ctr">
+                      <a:solidFill>
+                        <a:schemeClr val="tx1"/>
+                      </a:solidFill>
+                      <a:prstDash val="solid"/>
+                      <a:round/>
+                      <a:headEnd type="none" w="med" len="med"/>
+                      <a:tailEnd type="none" w="med" len="med"/>
+                    </a:lnR>
+                    <a:lnT w="12700" cap="flat" cmpd="sng" algn="ctr">
+                      <a:solidFill>
+                        <a:schemeClr val="tx1"/>
+                      </a:solidFill>
+                      <a:prstDash val="solid"/>
+                      <a:round/>
+                      <a:headEnd type="none" w="med" len="med"/>
+                      <a:tailEnd type="none" w="med" len="med"/>
+                    </a:lnT>
+                    <a:lnB w="12700" cap="flat" cmpd="sng" algn="ctr">
+                      <a:solidFill>
+                        <a:schemeClr val="tx1"/>
+                      </a:solidFill>
+                      <a:prstDash val="solid"/>
+                      <a:round/>
+                      <a:headEnd type="none" w="med" len="med"/>
+                      <a:tailEnd type="none" w="med" len="med"/>
+                    </a:lnB>
+                  </a:tcPr>
+                </a:tc>
+                <a:tc>
+                  <a:txBody>
+                    <a:bodyPr/>
+                    <a:lstStyle/>
+                    <a:p>
+                      <a:pPr latinLnBrk="1"/>
+                      <a:r>
+                        <a:rPr lang="en-US" altLang="ko-KR" sz="2800" dirty="0"/>
+                        <a:t>9.44</a:t>
+                      </a:r>
+                      <a:endParaRPr lang="ko-KR" altLang="en-US" sz="2800" dirty="0"/>
+                    </a:p>
+                  </a:txBody>
+                  <a:tcPr marL="162560" marR="162560" marT="81280" marB="81280">
+                    <a:lnL w="12700" cap="flat" cmpd="sng" algn="ctr">
+                      <a:solidFill>
+                        <a:schemeClr val="tx1"/>
+                      </a:solidFill>
+                      <a:prstDash val="solid"/>
+                      <a:round/>
+                      <a:headEnd type="none" w="med" len="med"/>
+                      <a:tailEnd type="none" w="med" len="med"/>
+                    </a:lnL>
+                    <a:lnR w="12700" cap="flat" cmpd="sng" algn="ctr">
+                      <a:solidFill>
+                        <a:schemeClr val="tx1"/>
+                      </a:solidFill>
+                      <a:prstDash val="solid"/>
+                      <a:round/>
+                      <a:headEnd type="none" w="med" len="med"/>
+                      <a:tailEnd type="none" w="med" len="med"/>
+                    </a:lnR>
+                    <a:lnT w="12700" cap="flat" cmpd="sng" algn="ctr">
+                      <a:solidFill>
+                        <a:schemeClr val="tx1"/>
+                      </a:solidFill>
+                      <a:prstDash val="solid"/>
+                      <a:round/>
+                      <a:headEnd type="none" w="med" len="med"/>
+                      <a:tailEnd type="none" w="med" len="med"/>
+                    </a:lnT>
+                    <a:lnB w="12700" cap="flat" cmpd="sng" algn="ctr">
+                      <a:solidFill>
+                        <a:schemeClr val="tx1"/>
+                      </a:solidFill>
+                      <a:prstDash val="solid"/>
+                      <a:round/>
+                      <a:headEnd type="none" w="med" len="med"/>
+                      <a:tailEnd type="none" w="med" len="med"/>
+                    </a:lnB>
+                  </a:tcPr>
+                </a:tc>
+                <a:extLst>
+                  <a:ext uri="{0D108BD9-81ED-4DB2-BD59-A6C34878D82A}">
+                    <a16:rowId xmlns:a16="http://schemas.microsoft.com/office/drawing/2014/main" val="3027741080"/>
+                  </a:ext>
+                </a:extLst>
+              </a:tr>
+              <a:tr h="721737">
+                <a:tc>
+                  <a:txBody>
+                    <a:bodyPr/>
+                    <a:lstStyle/>
+                    <a:p>
+                      <a:pPr latinLnBrk="1"/>
+                      <a:r>
+                        <a:rPr lang="en-US" altLang="ko-KR" sz="2800" dirty="0"/>
+                        <a:t>8</a:t>
+                      </a:r>
+                      <a:endParaRPr lang="ko-KR" altLang="en-US" sz="2800" dirty="0"/>
+                    </a:p>
+                  </a:txBody>
+                  <a:tcPr marL="162560" marR="162560" marT="81280" marB="81280">
+                    <a:lnL w="12700" cap="flat" cmpd="sng" algn="ctr">
+                      <a:solidFill>
+                        <a:schemeClr val="tx1"/>
+                      </a:solidFill>
+                      <a:prstDash val="solid"/>
+                      <a:round/>
+                      <a:headEnd type="none" w="med" len="med"/>
+                      <a:tailEnd type="none" w="med" len="med"/>
+                    </a:lnL>
+                    <a:lnR w="12700" cap="flat" cmpd="sng" algn="ctr">
+                      <a:solidFill>
+                        <a:schemeClr val="tx1"/>
+                      </a:solidFill>
+                      <a:prstDash val="solid"/>
+                      <a:round/>
+                      <a:headEnd type="none" w="med" len="med"/>
+                      <a:tailEnd type="none" w="med" len="med"/>
+                    </a:lnR>
+                    <a:lnT w="12700" cap="flat" cmpd="sng" algn="ctr">
+                      <a:solidFill>
+                        <a:schemeClr val="tx1"/>
+                      </a:solidFill>
+                      <a:prstDash val="solid"/>
+                      <a:round/>
+                      <a:headEnd type="none" w="med" len="med"/>
+                      <a:tailEnd type="none" w="med" len="med"/>
+                    </a:lnT>
+                    <a:lnB w="12700" cap="flat" cmpd="sng" algn="ctr">
+                      <a:solidFill>
+                        <a:schemeClr val="tx1"/>
+                      </a:solidFill>
+                      <a:prstDash val="solid"/>
+                      <a:round/>
+                      <a:headEnd type="none" w="med" len="med"/>
+                      <a:tailEnd type="none" w="med" len="med"/>
+                    </a:lnB>
+                  </a:tcPr>
+                </a:tc>
+                <a:tc>
+                  <a:txBody>
+                    <a:bodyPr/>
+                    <a:lstStyle/>
+                    <a:p>
+                      <a:r>
+                        <a:rPr lang="en-US" altLang="ko-KR" dirty="0">
+                          <a:effectLst/>
+                        </a:rPr>
+                        <a:t>4.70</a:t>
+                      </a:r>
+                    </a:p>
+                  </a:txBody>
+                  <a:tcPr marL="99060" marR="99060" anchor="ctr">
+                    <a:lnL w="12700" cap="flat" cmpd="sng" algn="ctr">
+                      <a:solidFill>
+                        <a:schemeClr val="tx1"/>
+                      </a:solidFill>
+                      <a:prstDash val="solid"/>
+                      <a:round/>
+                      <a:headEnd type="none" w="med" len="med"/>
+                      <a:tailEnd type="none" w="med" len="med"/>
+                    </a:lnL>
+                    <a:lnR w="12700" cap="flat" cmpd="sng" algn="ctr">
+                      <a:solidFill>
+                        <a:schemeClr val="tx1"/>
+                      </a:solidFill>
+                      <a:prstDash val="solid"/>
+                      <a:round/>
+                      <a:headEnd type="none" w="med" len="med"/>
+                      <a:tailEnd type="none" w="med" len="med"/>
+                    </a:lnR>
+                    <a:lnT w="12700" cap="flat" cmpd="sng" algn="ctr">
+                      <a:solidFill>
+                        <a:schemeClr val="tx1"/>
+                      </a:solidFill>
+                      <a:prstDash val="solid"/>
+                      <a:round/>
+                      <a:headEnd type="none" w="med" len="med"/>
+                      <a:tailEnd type="none" w="med" len="med"/>
+                    </a:lnT>
+                    <a:lnB w="12700" cap="flat" cmpd="sng" algn="ctr">
+                      <a:solidFill>
+                        <a:schemeClr val="tx1"/>
+                      </a:solidFill>
+                      <a:prstDash val="solid"/>
+                      <a:round/>
+                      <a:headEnd type="none" w="med" len="med"/>
+                      <a:tailEnd type="none" w="med" len="med"/>
+                    </a:lnB>
+                  </a:tcPr>
+                </a:tc>
+                <a:tc>
+                  <a:txBody>
+                    <a:bodyPr/>
+                    <a:lstStyle/>
+                    <a:p>
+                      <a:r>
+                        <a:rPr lang="en-US" altLang="ko-KR" dirty="0">
+                          <a:effectLst/>
+                        </a:rPr>
+                        <a:t>7.38</a:t>
+                      </a:r>
+                    </a:p>
+                  </a:txBody>
+                  <a:tcPr marL="99060" marR="99060" anchor="ctr">
+                    <a:lnL w="12700" cap="flat" cmpd="sng" algn="ctr">
+                      <a:solidFill>
+                        <a:schemeClr val="tx1"/>
+                      </a:solidFill>
+                      <a:prstDash val="solid"/>
+                      <a:round/>
+                      <a:headEnd type="none" w="med" len="med"/>
+                      <a:tailEnd type="none" w="med" len="med"/>
+                    </a:lnL>
+                    <a:lnR w="12700" cap="flat" cmpd="sng" algn="ctr">
+                      <a:solidFill>
+                        <a:schemeClr val="tx1"/>
+                      </a:solidFill>
+                      <a:prstDash val="solid"/>
+                      <a:round/>
+                      <a:headEnd type="none" w="med" len="med"/>
+                      <a:tailEnd type="none" w="med" len="med"/>
+                    </a:lnR>
+                    <a:lnT w="12700" cap="flat" cmpd="sng" algn="ctr">
+                      <a:solidFill>
+                        <a:schemeClr val="tx1"/>
+                      </a:solidFill>
+                      <a:prstDash val="solid"/>
+                      <a:round/>
+                      <a:headEnd type="none" w="med" len="med"/>
+                      <a:tailEnd type="none" w="med" len="med"/>
+                    </a:lnT>
+                    <a:lnB w="12700" cap="flat" cmpd="sng" algn="ctr">
+                      <a:solidFill>
+                        <a:schemeClr val="tx1"/>
+                      </a:solidFill>
+                      <a:prstDash val="solid"/>
+                      <a:round/>
+                      <a:headEnd type="none" w="med" len="med"/>
+                      <a:tailEnd type="none" w="med" len="med"/>
+                    </a:lnB>
+                  </a:tcPr>
+                </a:tc>
+                <a:tc>
+                  <a:txBody>
+                    <a:bodyPr/>
+                    <a:lstStyle/>
+                    <a:p>
+                      <a:pPr latinLnBrk="1"/>
+                      <a:r>
+                        <a:rPr lang="en-US" altLang="ko-KR" sz="2800" dirty="0"/>
+                        <a:t>11.24</a:t>
+                      </a:r>
+                      <a:endParaRPr lang="ko-KR" altLang="en-US" sz="2800" dirty="0"/>
+                    </a:p>
+                  </a:txBody>
+                  <a:tcPr marL="162560" marR="162560" marT="81280" marB="81280">
+                    <a:lnL w="12700" cap="flat" cmpd="sng" algn="ctr">
+                      <a:solidFill>
+                        <a:schemeClr val="tx1"/>
+                      </a:solidFill>
+                      <a:prstDash val="solid"/>
+                      <a:round/>
+                      <a:headEnd type="none" w="med" len="med"/>
+                      <a:tailEnd type="none" w="med" len="med"/>
+                    </a:lnL>
+                    <a:lnR w="12700" cap="flat" cmpd="sng" algn="ctr">
+                      <a:solidFill>
+                        <a:schemeClr val="tx1"/>
+                      </a:solidFill>
+                      <a:prstDash val="solid"/>
+                      <a:round/>
+                      <a:headEnd type="none" w="med" len="med"/>
+                      <a:tailEnd type="none" w="med" len="med"/>
+                    </a:lnR>
+                    <a:lnT w="12700" cap="flat" cmpd="sng" algn="ctr">
+                      <a:solidFill>
+                        <a:schemeClr val="tx1"/>
+                      </a:solidFill>
+                      <a:prstDash val="solid"/>
+                      <a:round/>
+                      <a:headEnd type="none" w="med" len="med"/>
+                      <a:tailEnd type="none" w="med" len="med"/>
+                    </a:lnT>
+                    <a:lnB w="12700" cap="flat" cmpd="sng" algn="ctr">
+                      <a:solidFill>
+                        <a:schemeClr val="tx1"/>
+                      </a:solidFill>
+                      <a:prstDash val="solid"/>
+                      <a:round/>
+                      <a:headEnd type="none" w="med" len="med"/>
+                      <a:tailEnd type="none" w="med" len="med"/>
+                    </a:lnB>
+                  </a:tcPr>
+                </a:tc>
+                <a:extLst>
+                  <a:ext uri="{0D108BD9-81ED-4DB2-BD59-A6C34878D82A}">
+                    <a16:rowId xmlns:a16="http://schemas.microsoft.com/office/drawing/2014/main" val="552226853"/>
+                  </a:ext>
+                </a:extLst>
+              </a:tr>
+              <a:tr h="721737">
+                <a:tc>
+                  <a:txBody>
+                    <a:bodyPr/>
+                    <a:lstStyle/>
+                    <a:p>
+                      <a:pPr latinLnBrk="1"/>
+                      <a:r>
+                        <a:rPr lang="en-US" altLang="ko-KR" sz="2800" dirty="0"/>
+                        <a:t>9</a:t>
+                      </a:r>
+                      <a:endParaRPr lang="ko-KR" altLang="en-US" sz="2800" dirty="0"/>
+                    </a:p>
+                  </a:txBody>
+                  <a:tcPr marL="162560" marR="162560" marT="81280" marB="81280">
+                    <a:lnL w="12700" cap="flat" cmpd="sng" algn="ctr">
+                      <a:solidFill>
+                        <a:schemeClr val="tx1"/>
+                      </a:solidFill>
+                      <a:prstDash val="solid"/>
+                      <a:round/>
+                      <a:headEnd type="none" w="med" len="med"/>
+                      <a:tailEnd type="none" w="med" len="med"/>
+                    </a:lnL>
+                    <a:lnR w="12700" cap="flat" cmpd="sng" algn="ctr">
+                      <a:solidFill>
+                        <a:schemeClr val="tx1"/>
+                      </a:solidFill>
+                      <a:prstDash val="solid"/>
+                      <a:round/>
+                      <a:headEnd type="none" w="med" len="med"/>
+                      <a:tailEnd type="none" w="med" len="med"/>
+                    </a:lnR>
+                    <a:lnT w="12700" cap="flat" cmpd="sng" algn="ctr">
+                      <a:solidFill>
+                        <a:schemeClr val="tx1"/>
+                      </a:solidFill>
+                      <a:prstDash val="solid"/>
+                      <a:round/>
+                      <a:headEnd type="none" w="med" len="med"/>
+                      <a:tailEnd type="none" w="med" len="med"/>
+                    </a:lnT>
+                    <a:lnB w="12700" cap="flat" cmpd="sng" algn="ctr">
+                      <a:solidFill>
+                        <a:schemeClr val="tx1"/>
+                      </a:solidFill>
+                      <a:prstDash val="solid"/>
+                      <a:round/>
+                      <a:headEnd type="none" w="med" len="med"/>
+                      <a:tailEnd type="none" w="med" len="med"/>
+                    </a:lnB>
+                  </a:tcPr>
+                </a:tc>
+                <a:tc>
+                  <a:txBody>
+                    <a:bodyPr/>
+                    <a:lstStyle/>
+                    <a:p>
+                      <a:r>
+                        <a:rPr lang="en-US" altLang="ko-KR" dirty="0">
+                          <a:effectLst/>
+                        </a:rPr>
+                        <a:t>7.12</a:t>
+                      </a:r>
+                    </a:p>
+                  </a:txBody>
+                  <a:tcPr marL="99060" marR="99060" anchor="ctr">
+                    <a:lnL w="12700" cap="flat" cmpd="sng" algn="ctr">
+                      <a:solidFill>
+                        <a:schemeClr val="tx1"/>
+                      </a:solidFill>
+                      <a:prstDash val="solid"/>
+                      <a:round/>
+                      <a:headEnd type="none" w="med" len="med"/>
+                      <a:tailEnd type="none" w="med" len="med"/>
+                    </a:lnL>
+                    <a:lnR w="12700" cap="flat" cmpd="sng" algn="ctr">
+                      <a:solidFill>
+                        <a:schemeClr val="tx1"/>
+                      </a:solidFill>
+                      <a:prstDash val="solid"/>
+                      <a:round/>
+                      <a:headEnd type="none" w="med" len="med"/>
+                      <a:tailEnd type="none" w="med" len="med"/>
+                    </a:lnR>
+                    <a:lnT w="12700" cap="flat" cmpd="sng" algn="ctr">
+                      <a:solidFill>
+                        <a:schemeClr val="tx1"/>
+                      </a:solidFill>
+                      <a:prstDash val="solid"/>
+                      <a:round/>
+                      <a:headEnd type="none" w="med" len="med"/>
+                      <a:tailEnd type="none" w="med" len="med"/>
+                    </a:lnT>
+                    <a:lnB w="12700" cap="flat" cmpd="sng" algn="ctr">
+                      <a:solidFill>
+                        <a:schemeClr val="tx1"/>
+                      </a:solidFill>
+                      <a:prstDash val="solid"/>
+                      <a:round/>
+                      <a:headEnd type="none" w="med" len="med"/>
+                      <a:tailEnd type="none" w="med" len="med"/>
+                    </a:lnB>
+                  </a:tcPr>
+                </a:tc>
+                <a:tc>
+                  <a:txBody>
+                    <a:bodyPr/>
+                    <a:lstStyle/>
+                    <a:p>
+                      <a:r>
+                        <a:rPr lang="en-US" altLang="ko-KR" dirty="0">
+                          <a:effectLst/>
+                        </a:rPr>
+                        <a:t>8.00</a:t>
+                      </a:r>
+                    </a:p>
+                  </a:txBody>
+                  <a:tcPr marL="99060" marR="99060" anchor="ctr">
+                    <a:lnL w="12700" cap="flat" cmpd="sng" algn="ctr">
+                      <a:solidFill>
+                        <a:schemeClr val="tx1"/>
+                      </a:solidFill>
+                      <a:prstDash val="solid"/>
+                      <a:round/>
+                      <a:headEnd type="none" w="med" len="med"/>
+                      <a:tailEnd type="none" w="med" len="med"/>
+                    </a:lnL>
+                    <a:lnR w="12700" cap="flat" cmpd="sng" algn="ctr">
+                      <a:solidFill>
+                        <a:schemeClr val="tx1"/>
+                      </a:solidFill>
+                      <a:prstDash val="solid"/>
+                      <a:round/>
+                      <a:headEnd type="none" w="med" len="med"/>
+                      <a:tailEnd type="none" w="med" len="med"/>
+                    </a:lnR>
+                    <a:lnT w="12700" cap="flat" cmpd="sng" algn="ctr">
+                      <a:solidFill>
+                        <a:schemeClr val="tx1"/>
+                      </a:solidFill>
+                      <a:prstDash val="solid"/>
+                      <a:round/>
+                      <a:headEnd type="none" w="med" len="med"/>
+                      <a:tailEnd type="none" w="med" len="med"/>
+                    </a:lnT>
+                    <a:lnB w="12700" cap="flat" cmpd="sng" algn="ctr">
+                      <a:solidFill>
+                        <a:schemeClr val="tx1"/>
+                      </a:solidFill>
+                      <a:prstDash val="solid"/>
+                      <a:round/>
+                      <a:headEnd type="none" w="med" len="med"/>
+                      <a:tailEnd type="none" w="med" len="med"/>
+                    </a:lnB>
+                  </a:tcPr>
+                </a:tc>
+                <a:tc>
+                  <a:txBody>
+                    <a:bodyPr/>
+                    <a:lstStyle/>
+                    <a:p>
+                      <a:pPr latinLnBrk="1"/>
+                      <a:r>
+                        <a:rPr lang="en-US" altLang="ko-KR" sz="2800" dirty="0"/>
+                        <a:t>13.94</a:t>
+                      </a:r>
+                      <a:endParaRPr lang="ko-KR" altLang="en-US" sz="2800" dirty="0"/>
+                    </a:p>
+                  </a:txBody>
+                  <a:tcPr marL="162560" marR="162560" marT="81280" marB="81280">
+                    <a:lnL w="12700" cap="flat" cmpd="sng" algn="ctr">
+                      <a:solidFill>
+                        <a:schemeClr val="tx1"/>
+                      </a:solidFill>
+                      <a:prstDash val="solid"/>
+                      <a:round/>
+                      <a:headEnd type="none" w="med" len="med"/>
+                      <a:tailEnd type="none" w="med" len="med"/>
+                    </a:lnL>
+                    <a:lnR w="12700" cap="flat" cmpd="sng" algn="ctr">
+                      <a:solidFill>
+                        <a:schemeClr val="tx1"/>
+                      </a:solidFill>
+                      <a:prstDash val="solid"/>
+                      <a:round/>
+                      <a:headEnd type="none" w="med" len="med"/>
+                      <a:tailEnd type="none" w="med" len="med"/>
+                    </a:lnR>
+                    <a:lnT w="12700" cap="flat" cmpd="sng" algn="ctr">
+                      <a:solidFill>
+                        <a:schemeClr val="tx1"/>
+                      </a:solidFill>
+                      <a:prstDash val="solid"/>
+                      <a:round/>
+                      <a:headEnd type="none" w="med" len="med"/>
+                      <a:tailEnd type="none" w="med" len="med"/>
+                    </a:lnT>
+                    <a:lnB w="12700" cap="flat" cmpd="sng" algn="ctr">
+                      <a:solidFill>
+                        <a:schemeClr val="tx1"/>
+                      </a:solidFill>
+                      <a:prstDash val="solid"/>
+                      <a:round/>
+                      <a:headEnd type="none" w="med" len="med"/>
+                      <a:tailEnd type="none" w="med" len="med"/>
+                    </a:lnB>
+                  </a:tcPr>
+                </a:tc>
+                <a:extLst>
+                  <a:ext uri="{0D108BD9-81ED-4DB2-BD59-A6C34878D82A}">
+                    <a16:rowId xmlns:a16="http://schemas.microsoft.com/office/drawing/2014/main" val="1695988370"/>
+                  </a:ext>
+                </a:extLst>
+              </a:tr>
+              <a:tr h="721737">
+                <a:tc>
+                  <a:txBody>
+                    <a:bodyPr/>
+                    <a:lstStyle/>
+                    <a:p>
+                      <a:pPr latinLnBrk="1"/>
+                      <a:r>
+                        <a:rPr lang="en-US" altLang="ko-KR" sz="2800" dirty="0"/>
+                        <a:t>10</a:t>
+                      </a:r>
+                      <a:endParaRPr lang="ko-KR" altLang="en-US" sz="2800" dirty="0"/>
+                    </a:p>
+                  </a:txBody>
+                  <a:tcPr marL="162560" marR="162560" marT="81280" marB="81280">
+                    <a:lnL w="12700" cap="flat" cmpd="sng" algn="ctr">
+                      <a:solidFill>
+                        <a:schemeClr val="tx1"/>
+                      </a:solidFill>
+                      <a:prstDash val="solid"/>
+                      <a:round/>
+                      <a:headEnd type="none" w="med" len="med"/>
+                      <a:tailEnd type="none" w="med" len="med"/>
+                    </a:lnL>
+                    <a:lnR w="12700" cap="flat" cmpd="sng" algn="ctr">
+                      <a:solidFill>
+                        <a:schemeClr val="tx1"/>
+                      </a:solidFill>
+                      <a:prstDash val="solid"/>
+                      <a:round/>
+                      <a:headEnd type="none" w="med" len="med"/>
+                      <a:tailEnd type="none" w="med" len="med"/>
+                    </a:lnR>
+                    <a:lnT w="12700" cap="flat" cmpd="sng" algn="ctr">
+                      <a:solidFill>
+                        <a:schemeClr val="tx1"/>
+                      </a:solidFill>
+                      <a:prstDash val="solid"/>
+                      <a:round/>
+                      <a:headEnd type="none" w="med" len="med"/>
+                      <a:tailEnd type="none" w="med" len="med"/>
+                    </a:lnT>
+                    <a:lnB w="12700" cap="flat" cmpd="sng" algn="ctr">
+                      <a:solidFill>
+                        <a:schemeClr val="tx1"/>
+                      </a:solidFill>
+                      <a:prstDash val="solid"/>
+                      <a:round/>
+                      <a:headEnd type="none" w="med" len="med"/>
+                      <a:tailEnd type="none" w="med" len="med"/>
+                    </a:lnB>
+                  </a:tcPr>
+                </a:tc>
+                <a:tc>
+                  <a:txBody>
+                    <a:bodyPr/>
+                    <a:lstStyle/>
+                    <a:p>
+                      <a:r>
+                        <a:rPr lang="en-US" altLang="ko-KR" dirty="0">
+                          <a:effectLst/>
+                        </a:rPr>
+                        <a:t>7.83</a:t>
+                      </a:r>
+                    </a:p>
+                  </a:txBody>
+                  <a:tcPr marL="99060" marR="99060" anchor="ctr">
+                    <a:lnL w="12700" cap="flat" cmpd="sng" algn="ctr">
+                      <a:solidFill>
+                        <a:schemeClr val="tx1"/>
+                      </a:solidFill>
+                      <a:prstDash val="solid"/>
+                      <a:round/>
+                      <a:headEnd type="none" w="med" len="med"/>
+                      <a:tailEnd type="none" w="med" len="med"/>
+                    </a:lnL>
+                    <a:lnR w="12700" cap="flat" cmpd="sng" algn="ctr">
+                      <a:solidFill>
+                        <a:schemeClr val="tx1"/>
+                      </a:solidFill>
+                      <a:prstDash val="solid"/>
+                      <a:round/>
+                      <a:headEnd type="none" w="med" len="med"/>
+                      <a:tailEnd type="none" w="med" len="med"/>
+                    </a:lnR>
+                    <a:lnT w="12700" cap="flat" cmpd="sng" algn="ctr">
+                      <a:solidFill>
+                        <a:schemeClr val="tx1"/>
+                      </a:solidFill>
+                      <a:prstDash val="solid"/>
+                      <a:round/>
+                      <a:headEnd type="none" w="med" len="med"/>
+                      <a:tailEnd type="none" w="med" len="med"/>
+                    </a:lnT>
+                    <a:lnB w="12700" cap="flat" cmpd="sng" algn="ctr">
+                      <a:solidFill>
+                        <a:schemeClr val="tx1"/>
+                      </a:solidFill>
+                      <a:prstDash val="solid"/>
+                      <a:round/>
+                      <a:headEnd type="none" w="med" len="med"/>
+                      <a:tailEnd type="none" w="med" len="med"/>
+                    </a:lnB>
+                  </a:tcPr>
+                </a:tc>
+                <a:tc>
+                  <a:txBody>
+                    <a:bodyPr/>
+                    <a:lstStyle/>
+                    <a:p>
+                      <a:r>
+                        <a:rPr lang="en-US" altLang="ko-KR" dirty="0">
+                          <a:effectLst/>
+                        </a:rPr>
+                        <a:t>2.91</a:t>
+                      </a:r>
+                    </a:p>
+                  </a:txBody>
+                  <a:tcPr marL="99060" marR="99060" anchor="ctr">
+                    <a:lnL w="12700" cap="flat" cmpd="sng" algn="ctr">
+                      <a:solidFill>
+                        <a:schemeClr val="tx1"/>
+                      </a:solidFill>
+                      <a:prstDash val="solid"/>
+                      <a:round/>
+                      <a:headEnd type="none" w="med" len="med"/>
+                      <a:tailEnd type="none" w="med" len="med"/>
+                    </a:lnL>
+                    <a:lnR w="12700" cap="flat" cmpd="sng" algn="ctr">
+                      <a:solidFill>
+                        <a:schemeClr val="tx1"/>
+                      </a:solidFill>
+                      <a:prstDash val="solid"/>
+                      <a:round/>
+                      <a:headEnd type="none" w="med" len="med"/>
+                      <a:tailEnd type="none" w="med" len="med"/>
+                    </a:lnR>
+                    <a:lnT w="12700" cap="flat" cmpd="sng" algn="ctr">
+                      <a:solidFill>
+                        <a:schemeClr val="tx1"/>
+                      </a:solidFill>
+                      <a:prstDash val="solid"/>
+                      <a:round/>
+                      <a:headEnd type="none" w="med" len="med"/>
+                      <a:tailEnd type="none" w="med" len="med"/>
+                    </a:lnT>
+                    <a:lnB w="12700" cap="flat" cmpd="sng" algn="ctr">
+                      <a:solidFill>
+                        <a:schemeClr val="tx1"/>
+                      </a:solidFill>
+                      <a:prstDash val="solid"/>
+                      <a:round/>
+                      <a:headEnd type="none" w="med" len="med"/>
+                      <a:tailEnd type="none" w="med" len="med"/>
+                    </a:lnB>
+                  </a:tcPr>
+                </a:tc>
+                <a:tc>
+                  <a:txBody>
+                    <a:bodyPr/>
+                    <a:lstStyle/>
+                    <a:p>
+                      <a:pPr latinLnBrk="1"/>
+                      <a:r>
+                        <a:rPr lang="en-US" altLang="ko-KR" sz="3200" b="0" i="0" kern="1200" dirty="0">
+                          <a:solidFill>
+                            <a:schemeClr val="tx1"/>
+                          </a:solidFill>
+                          <a:effectLst/>
+                          <a:latin typeface="+mn-lt"/>
+                          <a:ea typeface="+mn-ea"/>
+                          <a:cs typeface="+mn-cs"/>
+                        </a:rPr>
+                        <a:t>10.53</a:t>
+                      </a:r>
+                      <a:endParaRPr lang="ko-KR" altLang="en-US" sz="2800" dirty="0"/>
+                    </a:p>
+                  </a:txBody>
+                  <a:tcPr marL="162560" marR="162560" marT="81280" marB="81280">
+                    <a:lnL w="12700" cap="flat" cmpd="sng" algn="ctr">
+                      <a:solidFill>
+                        <a:schemeClr val="tx1"/>
+                      </a:solidFill>
+                      <a:prstDash val="solid"/>
+                      <a:round/>
+                      <a:headEnd type="none" w="med" len="med"/>
+                      <a:tailEnd type="none" w="med" len="med"/>
+                    </a:lnL>
+                    <a:lnR w="12700" cap="flat" cmpd="sng" algn="ctr">
+                      <a:solidFill>
+                        <a:schemeClr val="tx1"/>
+                      </a:solidFill>
+                      <a:prstDash val="solid"/>
+                      <a:round/>
+                      <a:headEnd type="none" w="med" len="med"/>
+                      <a:tailEnd type="none" w="med" len="med"/>
+                    </a:lnR>
+                    <a:lnT w="12700" cap="flat" cmpd="sng" algn="ctr">
+                      <a:solidFill>
+                        <a:schemeClr val="tx1"/>
+                      </a:solidFill>
+                      <a:prstDash val="solid"/>
+                      <a:round/>
+                      <a:headEnd type="none" w="med" len="med"/>
+                      <a:tailEnd type="none" w="med" len="med"/>
+                    </a:lnT>
+                    <a:lnB w="12700" cap="flat" cmpd="sng" algn="ctr">
+                      <a:solidFill>
+                        <a:schemeClr val="tx1"/>
+                      </a:solidFill>
+                      <a:prstDash val="solid"/>
+                      <a:round/>
+                      <a:headEnd type="none" w="med" len="med"/>
+                      <a:tailEnd type="none" w="med" len="med"/>
+                    </a:lnB>
+                  </a:tcPr>
+                </a:tc>
+                <a:extLst>
+                  <a:ext uri="{0D108BD9-81ED-4DB2-BD59-A6C34878D82A}">
+                    <a16:rowId xmlns:a16="http://schemas.microsoft.com/office/drawing/2014/main" val="2013870078"/>
+                  </a:ext>
+                </a:extLst>
+              </a:tr>
+              <a:tr h="721737">
+                <a:tc>
+                  <a:txBody>
+                    <a:bodyPr/>
+                    <a:lstStyle/>
+                    <a:p>
+                      <a:pPr latinLnBrk="1"/>
+                      <a:r>
+                        <a:rPr lang="en-US" altLang="ko-KR" sz="2800" dirty="0"/>
+                        <a:t>11</a:t>
+                      </a:r>
+                      <a:endParaRPr lang="ko-KR" altLang="en-US" sz="2800" dirty="0"/>
+                    </a:p>
+                  </a:txBody>
+                  <a:tcPr marL="162560" marR="162560" marT="81280" marB="81280">
+                    <a:lnL w="12700" cap="flat" cmpd="sng" algn="ctr">
+                      <a:solidFill>
+                        <a:schemeClr val="tx1"/>
+                      </a:solidFill>
+                      <a:prstDash val="solid"/>
+                      <a:round/>
+                      <a:headEnd type="none" w="med" len="med"/>
+                      <a:tailEnd type="none" w="med" len="med"/>
+                    </a:lnL>
+                    <a:lnR w="12700" cap="flat" cmpd="sng" algn="ctr">
+                      <a:solidFill>
+                        <a:schemeClr val="tx1"/>
+                      </a:solidFill>
+                      <a:prstDash val="solid"/>
+                      <a:round/>
+                      <a:headEnd type="none" w="med" len="med"/>
+                      <a:tailEnd type="none" w="med" len="med"/>
+                    </a:lnR>
+                    <a:lnT w="12700" cap="flat" cmpd="sng" algn="ctr">
+                      <a:solidFill>
+                        <a:schemeClr val="tx1"/>
+                      </a:solidFill>
+                      <a:prstDash val="solid"/>
+                      <a:round/>
+                      <a:headEnd type="none" w="med" len="med"/>
+                      <a:tailEnd type="none" w="med" len="med"/>
+                    </a:lnT>
+                    <a:lnB w="12700" cap="flat" cmpd="sng" algn="ctr">
+                      <a:solidFill>
+                        <a:schemeClr val="tx1"/>
+                      </a:solidFill>
+                      <a:prstDash val="solid"/>
+                      <a:round/>
+                      <a:headEnd type="none" w="med" len="med"/>
+                      <a:tailEnd type="none" w="med" len="med"/>
+                    </a:lnB>
+                  </a:tcPr>
+                </a:tc>
+                <a:tc>
+                  <a:txBody>
+                    <a:bodyPr/>
+                    <a:lstStyle/>
+                    <a:p>
+                      <a:r>
+                        <a:rPr lang="en-US" altLang="ko-KR" dirty="0">
+                          <a:effectLst/>
+                        </a:rPr>
+                        <a:t>12.47</a:t>
+                      </a:r>
+                    </a:p>
+                  </a:txBody>
+                  <a:tcPr marL="99060" marR="99060" anchor="ctr">
+                    <a:lnL w="12700" cap="flat" cmpd="sng" algn="ctr">
+                      <a:solidFill>
+                        <a:schemeClr val="tx1"/>
+                      </a:solidFill>
+                      <a:prstDash val="solid"/>
+                      <a:round/>
+                      <a:headEnd type="none" w="med" len="med"/>
+                      <a:tailEnd type="none" w="med" len="med"/>
+                    </a:lnL>
+                    <a:lnR w="12700" cap="flat" cmpd="sng" algn="ctr">
+                      <a:solidFill>
+                        <a:schemeClr val="tx1"/>
+                      </a:solidFill>
+                      <a:prstDash val="solid"/>
+                      <a:round/>
+                      <a:headEnd type="none" w="med" len="med"/>
+                      <a:tailEnd type="none" w="med" len="med"/>
+                    </a:lnR>
+                    <a:lnT w="12700" cap="flat" cmpd="sng" algn="ctr">
+                      <a:solidFill>
+                        <a:schemeClr val="tx1"/>
+                      </a:solidFill>
+                      <a:prstDash val="solid"/>
+                      <a:round/>
+                      <a:headEnd type="none" w="med" len="med"/>
+                      <a:tailEnd type="none" w="med" len="med"/>
+                    </a:lnT>
+                    <a:lnB w="12700" cap="flat" cmpd="sng" algn="ctr">
+                      <a:solidFill>
+                        <a:schemeClr val="tx1"/>
+                      </a:solidFill>
+                      <a:prstDash val="solid"/>
+                      <a:round/>
+                      <a:headEnd type="none" w="med" len="med"/>
+                      <a:tailEnd type="none" w="med" len="med"/>
+                    </a:lnB>
+                  </a:tcPr>
+                </a:tc>
+                <a:tc>
+                  <a:txBody>
+                    <a:bodyPr/>
+                    <a:lstStyle/>
+                    <a:p>
+                      <a:r>
+                        <a:rPr lang="en-US" altLang="ko-KR" dirty="0">
+                          <a:effectLst/>
+                        </a:rPr>
+                        <a:t>4.07</a:t>
+                      </a:r>
+                    </a:p>
+                  </a:txBody>
+                  <a:tcPr marL="99060" marR="99060" anchor="ctr">
+                    <a:lnL w="12700" cap="flat" cmpd="sng" algn="ctr">
+                      <a:solidFill>
+                        <a:schemeClr val="tx1"/>
+                      </a:solidFill>
+                      <a:prstDash val="solid"/>
+                      <a:round/>
+                      <a:headEnd type="none" w="med" len="med"/>
+                      <a:tailEnd type="none" w="med" len="med"/>
+                    </a:lnL>
+                    <a:lnR w="12700" cap="flat" cmpd="sng" algn="ctr">
+                      <a:solidFill>
+                        <a:schemeClr val="tx1"/>
+                      </a:solidFill>
+                      <a:prstDash val="solid"/>
+                      <a:round/>
+                      <a:headEnd type="none" w="med" len="med"/>
+                      <a:tailEnd type="none" w="med" len="med"/>
+                    </a:lnR>
+                    <a:lnT w="12700" cap="flat" cmpd="sng" algn="ctr">
+                      <a:solidFill>
+                        <a:schemeClr val="tx1"/>
+                      </a:solidFill>
+                      <a:prstDash val="solid"/>
+                      <a:round/>
+                      <a:headEnd type="none" w="med" len="med"/>
+                      <a:tailEnd type="none" w="med" len="med"/>
+                    </a:lnT>
+                    <a:lnB w="12700" cap="flat" cmpd="sng" algn="ctr">
+                      <a:solidFill>
+                        <a:schemeClr val="tx1"/>
+                      </a:solidFill>
+                      <a:prstDash val="solid"/>
+                      <a:round/>
+                      <a:headEnd type="none" w="med" len="med"/>
+                      <a:tailEnd type="none" w="med" len="med"/>
+                    </a:lnB>
+                  </a:tcPr>
+                </a:tc>
+                <a:tc>
+                  <a:txBody>
+                    <a:bodyPr/>
+                    <a:lstStyle/>
+                    <a:p>
+                      <a:pPr latinLnBrk="1"/>
+                      <a:r>
+                        <a:rPr lang="en-US" altLang="ko-KR" sz="3200" b="0" i="0" kern="1200" dirty="0">
+                          <a:solidFill>
+                            <a:schemeClr val="tx1"/>
+                          </a:solidFill>
+                          <a:effectLst/>
+                          <a:latin typeface="+mn-lt"/>
+                          <a:ea typeface="+mn-ea"/>
+                          <a:cs typeface="+mn-cs"/>
+                        </a:rPr>
+                        <a:t>15.76</a:t>
+                      </a:r>
+                      <a:endParaRPr lang="ko-KR" altLang="en-US" sz="2800" dirty="0"/>
+                    </a:p>
+                  </a:txBody>
+                  <a:tcPr marL="162560" marR="162560" marT="81280" marB="81280">
+                    <a:lnL w="12700" cap="flat" cmpd="sng" algn="ctr">
+                      <a:solidFill>
+                        <a:schemeClr val="tx1"/>
+                      </a:solidFill>
+                      <a:prstDash val="solid"/>
+                      <a:round/>
+                      <a:headEnd type="none" w="med" len="med"/>
+                      <a:tailEnd type="none" w="med" len="med"/>
+                    </a:lnL>
+                    <a:lnR w="12700" cap="flat" cmpd="sng" algn="ctr">
+                      <a:solidFill>
+                        <a:schemeClr val="tx1"/>
+                      </a:solidFill>
+                      <a:prstDash val="solid"/>
+                      <a:round/>
+                      <a:headEnd type="none" w="med" len="med"/>
+                      <a:tailEnd type="none" w="med" len="med"/>
+                    </a:lnR>
+                    <a:lnT w="12700" cap="flat" cmpd="sng" algn="ctr">
+                      <a:solidFill>
+                        <a:schemeClr val="tx1"/>
+                      </a:solidFill>
+                      <a:prstDash val="solid"/>
+                      <a:round/>
+                      <a:headEnd type="none" w="med" len="med"/>
+                      <a:tailEnd type="none" w="med" len="med"/>
+                    </a:lnT>
+                    <a:lnB w="12700" cap="flat" cmpd="sng" algn="ctr">
+                      <a:solidFill>
+                        <a:schemeClr val="tx1"/>
+                      </a:solidFill>
+                      <a:prstDash val="solid"/>
+                      <a:round/>
+                      <a:headEnd type="none" w="med" len="med"/>
+                      <a:tailEnd type="none" w="med" len="med"/>
+                    </a:lnB>
+                  </a:tcPr>
+                </a:tc>
+                <a:extLst>
+                  <a:ext uri="{0D108BD9-81ED-4DB2-BD59-A6C34878D82A}">
+                    <a16:rowId xmlns:a16="http://schemas.microsoft.com/office/drawing/2014/main" val="689635958"/>
+                  </a:ext>
+                </a:extLst>
+              </a:tr>
+            </a:tbl>
+          </a:graphicData>
+        </a:graphic>
+      </p:graphicFrame>
+      <p:pic>
+        <p:nvPicPr>
+          <p:cNvPr id="5" name="그림 4">
+            <a:extLst>
+              <a:ext uri="{FF2B5EF4-FFF2-40B4-BE49-F238E27FC236}">
+                <a16:creationId xmlns:a16="http://schemas.microsoft.com/office/drawing/2014/main" id="{43F5557A-89C0-41D5-A56E-30036B19F42C}"/>
+              </a:ext>
+            </a:extLst>
+          </p:cNvPr>
+          <p:cNvPicPr>
+            <a:picLocks noChangeAspect="1"/>
+          </p:cNvPicPr>
+          <p:nvPr/>
+        </p:nvPicPr>
+        <p:blipFill>
+          <a:blip r:embed="rId2"/>
+          <a:stretch>
+            <a:fillRect/>
+          </a:stretch>
+        </p:blipFill>
+        <p:spPr>
+          <a:xfrm>
+            <a:off x="7651264" y="1532115"/>
+            <a:ext cx="4867275" cy="590550"/>
+          </a:xfrm>
+          <a:prstGeom prst="rect">
+            <a:avLst/>
+          </a:prstGeom>
+        </p:spPr>
+      </p:pic>
+    </p:spTree>
+    <p:extLst>
+      <p:ext uri="{BB962C8B-B14F-4D97-AF65-F5344CB8AC3E}">
+        <p14:creationId xmlns:p14="http://schemas.microsoft.com/office/powerpoint/2010/main" val="4193623461"/>
+      </p:ext>
+    </p:extLst>
+  </p:cSld>
+  <p:clrMapOvr>
+    <a:masterClrMapping/>
+  </p:clrMapOvr>
+</p:sld>
+</file>
+
+<file path=ppt/slides/slide9.xml><?xml version="1.0" encoding="utf-8"?>
 <p:sld xmlns:a="http://schemas.openxmlformats.org/drawingml/2006/main" xmlns:r="http://schemas.openxmlformats.org/officeDocument/2006/relationships" xmlns:p="http://schemas.openxmlformats.org/presentationml/2006/main">
   <p:cSld>
     <p:spTree>
@@ -23755,65 +27145,6 @@
 </p:sld>
 </file>
 
-<file path=ppt/slides/slide9.xml><?xml version="1.0" encoding="utf-8"?>
-<p:sld xmlns:a="http://schemas.openxmlformats.org/drawingml/2006/main" xmlns:r="http://schemas.openxmlformats.org/officeDocument/2006/relationships" xmlns:p="http://schemas.openxmlformats.org/presentationml/2006/main">
-  <p:cSld>
-    <p:spTree>
-      <p:nvGrpSpPr>
-        <p:cNvPr id="1" name=""/>
-        <p:cNvGrpSpPr/>
-        <p:nvPr/>
-      </p:nvGrpSpPr>
-      <p:grpSpPr>
-        <a:xfrm>
-          <a:off x="0" y="0"/>
-          <a:ext cx="0" cy="0"/>
-          <a:chOff x="0" y="0"/>
-          <a:chExt cx="0" cy="0"/>
-        </a:xfrm>
-      </p:grpSpPr>
-      <p:pic>
-        <p:nvPicPr>
-          <p:cNvPr id="11" name="그림 10">
-            <a:extLst>
-              <a:ext uri="{FF2B5EF4-FFF2-40B4-BE49-F238E27FC236}">
-                <a16:creationId xmlns:a16="http://schemas.microsoft.com/office/drawing/2014/main" id="{78F1A346-9599-4F95-9C95-F7437CC44821}"/>
-              </a:ext>
-            </a:extLst>
-          </p:cNvPr>
-          <p:cNvPicPr>
-            <a:picLocks noChangeAspect="1"/>
-          </p:cNvPicPr>
-          <p:nvPr/>
-        </p:nvPicPr>
-        <p:blipFill rotWithShape="1">
-          <a:blip r:embed="rId2"/>
-          <a:srcRect r="1107" b="1778"/>
-          <a:stretch/>
-        </p:blipFill>
-        <p:spPr>
-          <a:xfrm>
-            <a:off x="8725694" y="1227138"/>
-            <a:ext cx="4222750" cy="2509228"/>
-          </a:xfrm>
-          <a:prstGeom prst="rect">
-            <a:avLst/>
-          </a:prstGeom>
-        </p:spPr>
-      </p:pic>
-    </p:spTree>
-    <p:extLst>
-      <p:ext uri="{BB962C8B-B14F-4D97-AF65-F5344CB8AC3E}">
-        <p14:creationId xmlns:p14="http://schemas.microsoft.com/office/powerpoint/2010/main" val="342393410"/>
-      </p:ext>
-    </p:extLst>
-  </p:cSld>
-  <p:clrMapOvr>
-    <a:masterClrMapping/>
-  </p:clrMapOvr>
-</p:sld>
-</file>
-
 <file path=ppt/theme/theme1.xml><?xml version="1.0" encoding="utf-8"?>
 <a:theme xmlns:a="http://schemas.openxmlformats.org/drawingml/2006/main" name="Office 테마">
   <a:themeElements>

--- a/결과분석.pptx
+++ b/결과분석.pptx
@@ -24,6 +24,7 @@
     <p:sldId id="271" r:id="rId18"/>
     <p:sldId id="272" r:id="rId19"/>
     <p:sldId id="273" r:id="rId20"/>
+    <p:sldId id="276" r:id="rId21"/>
   </p:sldIdLst>
   <p:sldSz cx="21674138" cy="12192000"/>
   <p:notesSz cx="6858000" cy="9144000"/>
@@ -11135,7 +11136,7 @@
           <a:p>
             <a:fld id="{73F27A1E-E4D8-4627-AE39-A9A93925B403}" type="datetimeFigureOut">
               <a:rPr lang="ko-KR" altLang="en-US" smtClean="0"/>
-              <a:t>2021-07-21</a:t>
+              <a:t>2021-07-29</a:t>
             </a:fld>
             <a:endParaRPr lang="ko-KR" altLang="en-US"/>
           </a:p>
@@ -11305,7 +11306,7 @@
           <a:p>
             <a:fld id="{73F27A1E-E4D8-4627-AE39-A9A93925B403}" type="datetimeFigureOut">
               <a:rPr lang="ko-KR" altLang="en-US" smtClean="0"/>
-              <a:t>2021-07-21</a:t>
+              <a:t>2021-07-29</a:t>
             </a:fld>
             <a:endParaRPr lang="ko-KR" altLang="en-US"/>
           </a:p>
@@ -11485,7 +11486,7 @@
           <a:p>
             <a:fld id="{73F27A1E-E4D8-4627-AE39-A9A93925B403}" type="datetimeFigureOut">
               <a:rPr lang="ko-KR" altLang="en-US" smtClean="0"/>
-              <a:t>2021-07-21</a:t>
+              <a:t>2021-07-29</a:t>
             </a:fld>
             <a:endParaRPr lang="ko-KR" altLang="en-US"/>
           </a:p>
@@ -11655,7 +11656,7 @@
           <a:p>
             <a:fld id="{73F27A1E-E4D8-4627-AE39-A9A93925B403}" type="datetimeFigureOut">
               <a:rPr lang="ko-KR" altLang="en-US" smtClean="0"/>
-              <a:t>2021-07-21</a:t>
+              <a:t>2021-07-29</a:t>
             </a:fld>
             <a:endParaRPr lang="ko-KR" altLang="en-US"/>
           </a:p>
@@ -11901,7 +11902,7 @@
           <a:p>
             <a:fld id="{73F27A1E-E4D8-4627-AE39-A9A93925B403}" type="datetimeFigureOut">
               <a:rPr lang="ko-KR" altLang="en-US" smtClean="0"/>
-              <a:t>2021-07-21</a:t>
+              <a:t>2021-07-29</a:t>
             </a:fld>
             <a:endParaRPr lang="ko-KR" altLang="en-US"/>
           </a:p>
@@ -12133,7 +12134,7 @@
           <a:p>
             <a:fld id="{73F27A1E-E4D8-4627-AE39-A9A93925B403}" type="datetimeFigureOut">
               <a:rPr lang="ko-KR" altLang="en-US" smtClean="0"/>
-              <a:t>2021-07-21</a:t>
+              <a:t>2021-07-29</a:t>
             </a:fld>
             <a:endParaRPr lang="ko-KR" altLang="en-US"/>
           </a:p>
@@ -12500,7 +12501,7 @@
           <a:p>
             <a:fld id="{73F27A1E-E4D8-4627-AE39-A9A93925B403}" type="datetimeFigureOut">
               <a:rPr lang="ko-KR" altLang="en-US" smtClean="0"/>
-              <a:t>2021-07-21</a:t>
+              <a:t>2021-07-29</a:t>
             </a:fld>
             <a:endParaRPr lang="ko-KR" altLang="en-US"/>
           </a:p>
@@ -12618,7 +12619,7 @@
           <a:p>
             <a:fld id="{73F27A1E-E4D8-4627-AE39-A9A93925B403}" type="datetimeFigureOut">
               <a:rPr lang="ko-KR" altLang="en-US" smtClean="0"/>
-              <a:t>2021-07-21</a:t>
+              <a:t>2021-07-29</a:t>
             </a:fld>
             <a:endParaRPr lang="ko-KR" altLang="en-US"/>
           </a:p>
@@ -12713,7 +12714,7 @@
           <a:p>
             <a:fld id="{73F27A1E-E4D8-4627-AE39-A9A93925B403}" type="datetimeFigureOut">
               <a:rPr lang="ko-KR" altLang="en-US" smtClean="0"/>
-              <a:t>2021-07-21</a:t>
+              <a:t>2021-07-29</a:t>
             </a:fld>
             <a:endParaRPr lang="ko-KR" altLang="en-US"/>
           </a:p>
@@ -12990,7 +12991,7 @@
           <a:p>
             <a:fld id="{73F27A1E-E4D8-4627-AE39-A9A93925B403}" type="datetimeFigureOut">
               <a:rPr lang="ko-KR" altLang="en-US" smtClean="0"/>
-              <a:t>2021-07-21</a:t>
+              <a:t>2021-07-29</a:t>
             </a:fld>
             <a:endParaRPr lang="ko-KR" altLang="en-US"/>
           </a:p>
@@ -13247,7 +13248,7 @@
           <a:p>
             <a:fld id="{73F27A1E-E4D8-4627-AE39-A9A93925B403}" type="datetimeFigureOut">
               <a:rPr lang="ko-KR" altLang="en-US" smtClean="0"/>
-              <a:t>2021-07-21</a:t>
+              <a:t>2021-07-29</a:t>
             </a:fld>
             <a:endParaRPr lang="ko-KR" altLang="en-US"/>
           </a:p>
@@ -13460,7 +13461,7 @@
           <a:p>
             <a:fld id="{73F27A1E-E4D8-4627-AE39-A9A93925B403}" type="datetimeFigureOut">
               <a:rPr lang="ko-KR" altLang="en-US" smtClean="0"/>
-              <a:t>2021-07-21</a:t>
+              <a:t>2021-07-29</a:t>
             </a:fld>
             <a:endParaRPr lang="ko-KR" altLang="en-US"/>
           </a:p>
@@ -15333,7 +15334,7 @@
         </p:nvSpPr>
         <p:spPr>
           <a:xfrm>
-            <a:off x="10660318" y="4851272"/>
+            <a:off x="10850643" y="1760110"/>
             <a:ext cx="1174745" cy="523220"/>
           </a:xfrm>
           <a:prstGeom prst="rect">
@@ -15369,7 +15370,7 @@
         </p:nvSpPr>
         <p:spPr>
           <a:xfrm>
-            <a:off x="12391261" y="4481918"/>
+            <a:off x="13097113" y="1304170"/>
             <a:ext cx="1174745" cy="523220"/>
           </a:xfrm>
           <a:prstGeom prst="rect">
@@ -15405,7 +15406,7 @@
         </p:nvSpPr>
         <p:spPr>
           <a:xfrm>
-            <a:off x="15705996" y="4483052"/>
+            <a:off x="14929969" y="1312609"/>
             <a:ext cx="1174745" cy="523220"/>
           </a:xfrm>
           <a:prstGeom prst="rect">
@@ -15424,6 +15425,82 @@
               <a:t>(3)</a:t>
             </a:r>
             <a:endParaRPr lang="ko-KR" altLang="en-US" sz="2800" b="1" dirty="0"/>
+          </a:p>
+        </p:txBody>
+      </p:sp>
+      <p:sp>
+        <p:nvSpPr>
+          <p:cNvPr id="12" name="TextBox 11">
+            <a:extLst>
+              <a:ext uri="{FF2B5EF4-FFF2-40B4-BE49-F238E27FC236}">
+                <a16:creationId xmlns:a16="http://schemas.microsoft.com/office/drawing/2014/main" id="{7C5BCF30-A6B2-489D-881A-7D03E12E7711}"/>
+              </a:ext>
+            </a:extLst>
+          </p:cNvPr>
+          <p:cNvSpPr txBox="1"/>
+          <p:nvPr/>
+        </p:nvSpPr>
+        <p:spPr>
+          <a:xfrm>
+            <a:off x="9638235" y="4221614"/>
+            <a:ext cx="2365583" cy="584775"/>
+          </a:xfrm>
+          <a:prstGeom prst="rect">
+            <a:avLst/>
+          </a:prstGeom>
+          <a:solidFill>
+            <a:schemeClr val="bg1"/>
+          </a:solidFill>
+        </p:spPr>
+        <p:txBody>
+          <a:bodyPr wrap="square" rtlCol="0">
+            <a:spAutoFit/>
+          </a:bodyPr>
+          <a:lstStyle/>
+          <a:p>
+            <a:r>
+              <a:rPr lang="en-US" altLang="ko-KR" sz="3200" b="1" dirty="0"/>
+              <a:t>NN-interval</a:t>
+            </a:r>
+            <a:endParaRPr lang="ko-KR" altLang="en-US" sz="3200" b="1" dirty="0"/>
+          </a:p>
+        </p:txBody>
+      </p:sp>
+      <p:sp>
+        <p:nvSpPr>
+          <p:cNvPr id="13" name="TextBox 12">
+            <a:extLst>
+              <a:ext uri="{FF2B5EF4-FFF2-40B4-BE49-F238E27FC236}">
+                <a16:creationId xmlns:a16="http://schemas.microsoft.com/office/drawing/2014/main" id="{38510315-BF3A-4D4D-A8F9-D5ABF7CED116}"/>
+              </a:ext>
+            </a:extLst>
+          </p:cNvPr>
+          <p:cNvSpPr txBox="1"/>
+          <p:nvPr/>
+        </p:nvSpPr>
+        <p:spPr>
+          <a:xfrm rot="16200000">
+            <a:off x="1897523" y="6732203"/>
+            <a:ext cx="2365583" cy="461665"/>
+          </a:xfrm>
+          <a:prstGeom prst="rect">
+            <a:avLst/>
+          </a:prstGeom>
+          <a:solidFill>
+            <a:schemeClr val="bg1"/>
+          </a:solidFill>
+        </p:spPr>
+        <p:txBody>
+          <a:bodyPr wrap="square" rtlCol="0">
+            <a:spAutoFit/>
+          </a:bodyPr>
+          <a:lstStyle/>
+          <a:p>
+            <a:r>
+              <a:rPr lang="en-US" altLang="ko-KR" sz="2400" dirty="0"/>
+              <a:t>NN-interval</a:t>
+            </a:r>
+            <a:endParaRPr lang="ko-KR" altLang="en-US" sz="2400" dirty="0"/>
           </a:p>
         </p:txBody>
       </p:sp>
@@ -19219,6 +19296,158 @@
           </a:p>
         </p:txBody>
       </p:sp>
+      <p:sp>
+        <p:nvSpPr>
+          <p:cNvPr id="2" name="TextBox 1">
+            <a:extLst>
+              <a:ext uri="{FF2B5EF4-FFF2-40B4-BE49-F238E27FC236}">
+                <a16:creationId xmlns:a16="http://schemas.microsoft.com/office/drawing/2014/main" id="{8167CB53-5A84-47FD-9DA8-8DE4257C1430}"/>
+              </a:ext>
+            </a:extLst>
+          </p:cNvPr>
+          <p:cNvSpPr txBox="1"/>
+          <p:nvPr/>
+        </p:nvSpPr>
+        <p:spPr>
+          <a:xfrm>
+            <a:off x="10307680" y="2260684"/>
+            <a:ext cx="1572126" cy="400110"/>
+          </a:xfrm>
+          <a:prstGeom prst="rect">
+            <a:avLst/>
+          </a:prstGeom>
+          <a:solidFill>
+            <a:schemeClr val="bg1"/>
+          </a:solidFill>
+        </p:spPr>
+        <p:txBody>
+          <a:bodyPr wrap="square" rtlCol="0">
+            <a:spAutoFit/>
+          </a:bodyPr>
+          <a:lstStyle/>
+          <a:p>
+            <a:r>
+              <a:rPr lang="en-US" altLang="ko-KR" sz="2000" dirty="0"/>
+              <a:t>NN-interval</a:t>
+            </a:r>
+            <a:endParaRPr lang="ko-KR" altLang="en-US" sz="2000" dirty="0"/>
+          </a:p>
+        </p:txBody>
+      </p:sp>
+      <p:sp>
+        <p:nvSpPr>
+          <p:cNvPr id="8" name="TextBox 7">
+            <a:extLst>
+              <a:ext uri="{FF2B5EF4-FFF2-40B4-BE49-F238E27FC236}">
+                <a16:creationId xmlns:a16="http://schemas.microsoft.com/office/drawing/2014/main" id="{45015B55-8F8D-462E-8145-59104E6356ED}"/>
+              </a:ext>
+            </a:extLst>
+          </p:cNvPr>
+          <p:cNvSpPr txBox="1"/>
+          <p:nvPr/>
+        </p:nvSpPr>
+        <p:spPr>
+          <a:xfrm>
+            <a:off x="10307680" y="6007768"/>
+            <a:ext cx="1572126" cy="400110"/>
+          </a:xfrm>
+          <a:prstGeom prst="rect">
+            <a:avLst/>
+          </a:prstGeom>
+          <a:solidFill>
+            <a:schemeClr val="bg1"/>
+          </a:solidFill>
+        </p:spPr>
+        <p:txBody>
+          <a:bodyPr wrap="square" rtlCol="0">
+            <a:spAutoFit/>
+          </a:bodyPr>
+          <a:lstStyle/>
+          <a:p>
+            <a:r>
+              <a:rPr lang="en-US" altLang="ko-KR" sz="2000" dirty="0"/>
+              <a:t>NN-interval</a:t>
+            </a:r>
+            <a:endParaRPr lang="ko-KR" altLang="en-US" sz="2000" dirty="0"/>
+          </a:p>
+        </p:txBody>
+      </p:sp>
+      <p:sp>
+        <p:nvSpPr>
+          <p:cNvPr id="9" name="TextBox 8">
+            <a:extLst>
+              <a:ext uri="{FF2B5EF4-FFF2-40B4-BE49-F238E27FC236}">
+                <a16:creationId xmlns:a16="http://schemas.microsoft.com/office/drawing/2014/main" id="{1A76D072-7BEE-4C97-B044-2A5954A0607C}"/>
+              </a:ext>
+            </a:extLst>
+          </p:cNvPr>
+          <p:cNvSpPr txBox="1"/>
+          <p:nvPr/>
+        </p:nvSpPr>
+        <p:spPr>
+          <a:xfrm rot="16200000">
+            <a:off x="5460877" y="3816398"/>
+            <a:ext cx="1572126" cy="338554"/>
+          </a:xfrm>
+          <a:prstGeom prst="rect">
+            <a:avLst/>
+          </a:prstGeom>
+          <a:solidFill>
+            <a:schemeClr val="bg1"/>
+          </a:solidFill>
+        </p:spPr>
+        <p:txBody>
+          <a:bodyPr wrap="square" rtlCol="0">
+            <a:spAutoFit/>
+          </a:bodyPr>
+          <a:lstStyle/>
+          <a:p>
+            <a:r>
+              <a:rPr lang="en-US" altLang="ko-KR" sz="1600" dirty="0"/>
+              <a:t>NN-interval</a:t>
+            </a:r>
+            <a:endParaRPr lang="ko-KR" altLang="en-US" sz="1600" dirty="0"/>
+          </a:p>
+        </p:txBody>
+      </p:sp>
+      <p:sp>
+        <p:nvSpPr>
+          <p:cNvPr id="10" name="TextBox 9">
+            <a:extLst>
+              <a:ext uri="{FF2B5EF4-FFF2-40B4-BE49-F238E27FC236}">
+                <a16:creationId xmlns:a16="http://schemas.microsoft.com/office/drawing/2014/main" id="{B480B7A4-A6A9-4928-99A0-3B3AC290F2EA}"/>
+              </a:ext>
+            </a:extLst>
+          </p:cNvPr>
+          <p:cNvSpPr txBox="1"/>
+          <p:nvPr/>
+        </p:nvSpPr>
+        <p:spPr>
+          <a:xfrm rot="16200000">
+            <a:off x="5460877" y="7596900"/>
+            <a:ext cx="1572126" cy="338554"/>
+          </a:xfrm>
+          <a:prstGeom prst="rect">
+            <a:avLst/>
+          </a:prstGeom>
+          <a:solidFill>
+            <a:schemeClr val="bg1"/>
+          </a:solidFill>
+        </p:spPr>
+        <p:txBody>
+          <a:bodyPr wrap="square" rtlCol="0">
+            <a:spAutoFit/>
+          </a:bodyPr>
+          <a:lstStyle/>
+          <a:p>
+            <a:r>
+              <a:rPr lang="en-US" altLang="ko-KR" sz="1600" dirty="0"/>
+              <a:t>NN-interval</a:t>
+            </a:r>
+            <a:endParaRPr lang="ko-KR" altLang="en-US" sz="1600" dirty="0"/>
+          </a:p>
+        </p:txBody>
+      </p:sp>
     </p:spTree>
     <p:extLst>
       <p:ext uri="{BB962C8B-B14F-4D97-AF65-F5344CB8AC3E}">
@@ -19822,6 +20051,866 @@
     <p:extLst>
       <p:ext uri="{BB962C8B-B14F-4D97-AF65-F5344CB8AC3E}">
         <p14:creationId xmlns:p14="http://schemas.microsoft.com/office/powerpoint/2010/main" val="1635658606"/>
+      </p:ext>
+    </p:extLst>
+  </p:cSld>
+  <p:clrMapOvr>
+    <a:masterClrMapping/>
+  </p:clrMapOvr>
+</p:sld>
+</file>
+
+<file path=ppt/slides/slide20.xml><?xml version="1.0" encoding="utf-8"?>
+<p:sld xmlns:a="http://schemas.openxmlformats.org/drawingml/2006/main" xmlns:r="http://schemas.openxmlformats.org/officeDocument/2006/relationships" xmlns:p="http://schemas.openxmlformats.org/presentationml/2006/main">
+  <p:cSld>
+    <p:spTree>
+      <p:nvGrpSpPr>
+        <p:cNvPr id="1" name=""/>
+        <p:cNvGrpSpPr/>
+        <p:nvPr/>
+      </p:nvGrpSpPr>
+      <p:grpSpPr>
+        <a:xfrm>
+          <a:off x="0" y="0"/>
+          <a:ext cx="0" cy="0"/>
+          <a:chOff x="0" y="0"/>
+          <a:chExt cx="0" cy="0"/>
+        </a:xfrm>
+      </p:grpSpPr>
+      <p:sp>
+        <p:nvSpPr>
+          <p:cNvPr id="4" name="직사각형 3">
+            <a:extLst>
+              <a:ext uri="{FF2B5EF4-FFF2-40B4-BE49-F238E27FC236}">
+                <a16:creationId xmlns:a16="http://schemas.microsoft.com/office/drawing/2014/main" id="{B4F3BF72-8EC3-4806-9D78-8AE232891171}"/>
+              </a:ext>
+            </a:extLst>
+          </p:cNvPr>
+          <p:cNvSpPr/>
+          <p:nvPr/>
+        </p:nvSpPr>
+        <p:spPr>
+          <a:xfrm>
+            <a:off x="5903495" y="1187116"/>
+            <a:ext cx="3673642" cy="866273"/>
+          </a:xfrm>
+          <a:prstGeom prst="rect">
+            <a:avLst/>
+          </a:prstGeom>
+          <a:noFill/>
+          <a:ln w="19050">
+            <a:solidFill>
+              <a:schemeClr val="tx1"/>
+            </a:solidFill>
+          </a:ln>
+        </p:spPr>
+        <p:style>
+          <a:lnRef idx="2">
+            <a:schemeClr val="accent1">
+              <a:shade val="50000"/>
+            </a:schemeClr>
+          </a:lnRef>
+          <a:fillRef idx="1">
+            <a:schemeClr val="accent1"/>
+          </a:fillRef>
+          <a:effectRef idx="0">
+            <a:schemeClr val="accent1"/>
+          </a:effectRef>
+          <a:fontRef idx="minor">
+            <a:schemeClr val="lt1"/>
+          </a:fontRef>
+        </p:style>
+        <p:txBody>
+          <a:bodyPr rtlCol="0" anchor="ctr"/>
+          <a:lstStyle/>
+          <a:p>
+            <a:pPr algn="ctr"/>
+            <a:r>
+              <a:rPr lang="en-US" altLang="ko-KR" dirty="0">
+                <a:solidFill>
+                  <a:schemeClr val="tx1"/>
+                </a:solidFill>
+              </a:rPr>
+              <a:t>Contact</a:t>
+            </a:r>
+            <a:r>
+              <a:rPr lang="ko-KR" altLang="en-US" dirty="0">
+                <a:solidFill>
+                  <a:schemeClr val="tx1"/>
+                </a:solidFill>
+              </a:rPr>
+              <a:t> </a:t>
+            </a:r>
+            <a:r>
+              <a:rPr lang="en-US" altLang="ko-KR" dirty="0">
+                <a:solidFill>
+                  <a:schemeClr val="tx1"/>
+                </a:solidFill>
+              </a:rPr>
+              <a:t>ppg</a:t>
+            </a:r>
+            <a:r>
+              <a:rPr lang="ko-KR" altLang="en-US" dirty="0">
+                <a:solidFill>
+                  <a:schemeClr val="tx1"/>
+                </a:solidFill>
+              </a:rPr>
+              <a:t> </a:t>
+            </a:r>
+            <a:r>
+              <a:rPr lang="en-US" altLang="ko-KR" dirty="0">
+                <a:solidFill>
+                  <a:schemeClr val="tx1"/>
+                </a:solidFill>
+              </a:rPr>
+              <a:t>/</a:t>
+            </a:r>
+            <a:r>
+              <a:rPr lang="ko-KR" altLang="en-US" dirty="0">
+                <a:solidFill>
+                  <a:schemeClr val="tx1"/>
+                </a:solidFill>
+              </a:rPr>
+              <a:t> </a:t>
+            </a:r>
+            <a:r>
+              <a:rPr lang="en-US" altLang="ko-KR" dirty="0">
+                <a:solidFill>
+                  <a:schemeClr val="tx1"/>
+                </a:solidFill>
+              </a:rPr>
+              <a:t>remote</a:t>
+            </a:r>
+            <a:r>
+              <a:rPr lang="ko-KR" altLang="en-US" dirty="0">
+                <a:solidFill>
+                  <a:schemeClr val="tx1"/>
+                </a:solidFill>
+              </a:rPr>
+              <a:t> </a:t>
+            </a:r>
+            <a:r>
+              <a:rPr lang="en-US" altLang="ko-KR" dirty="0">
+                <a:solidFill>
+                  <a:schemeClr val="tx1"/>
+                </a:solidFill>
+              </a:rPr>
+              <a:t>ppg</a:t>
+            </a:r>
+          </a:p>
+          <a:p>
+            <a:pPr algn="ctr"/>
+            <a:r>
+              <a:rPr lang="ko-KR" altLang="en-US" dirty="0">
+                <a:solidFill>
+                  <a:schemeClr val="tx1"/>
+                </a:solidFill>
+              </a:rPr>
+              <a:t>측정</a:t>
+            </a:r>
+          </a:p>
+        </p:txBody>
+      </p:sp>
+      <p:sp>
+        <p:nvSpPr>
+          <p:cNvPr id="5" name="직사각형 4">
+            <a:extLst>
+              <a:ext uri="{FF2B5EF4-FFF2-40B4-BE49-F238E27FC236}">
+                <a16:creationId xmlns:a16="http://schemas.microsoft.com/office/drawing/2014/main" id="{9217B9A0-6102-422E-9E37-1CB9BC79660C}"/>
+              </a:ext>
+            </a:extLst>
+          </p:cNvPr>
+          <p:cNvSpPr/>
+          <p:nvPr/>
+        </p:nvSpPr>
+        <p:spPr>
+          <a:xfrm>
+            <a:off x="5903495" y="2542674"/>
+            <a:ext cx="3673642" cy="866273"/>
+          </a:xfrm>
+          <a:prstGeom prst="rect">
+            <a:avLst/>
+          </a:prstGeom>
+          <a:noFill/>
+          <a:ln w="19050">
+            <a:solidFill>
+              <a:schemeClr val="tx1"/>
+            </a:solidFill>
+          </a:ln>
+        </p:spPr>
+        <p:style>
+          <a:lnRef idx="2">
+            <a:schemeClr val="accent1">
+              <a:shade val="50000"/>
+            </a:schemeClr>
+          </a:lnRef>
+          <a:fillRef idx="1">
+            <a:schemeClr val="accent1"/>
+          </a:fillRef>
+          <a:effectRef idx="0">
+            <a:schemeClr val="accent1"/>
+          </a:effectRef>
+          <a:fontRef idx="minor">
+            <a:schemeClr val="lt1"/>
+          </a:fontRef>
+        </p:style>
+        <p:txBody>
+          <a:bodyPr rtlCol="0" anchor="ctr"/>
+          <a:lstStyle/>
+          <a:p>
+            <a:pPr algn="ctr"/>
+            <a:r>
+              <a:rPr lang="en-US" altLang="ko-KR" dirty="0">
+                <a:solidFill>
+                  <a:schemeClr val="tx1"/>
+                </a:solidFill>
+              </a:rPr>
+              <a:t>Noise filtering </a:t>
+            </a:r>
+            <a:r>
+              <a:rPr lang="ko-KR" altLang="en-US" dirty="0">
+                <a:solidFill>
+                  <a:schemeClr val="tx1"/>
+                </a:solidFill>
+              </a:rPr>
+              <a:t>수행</a:t>
+            </a:r>
+          </a:p>
+        </p:txBody>
+      </p:sp>
+      <p:sp>
+        <p:nvSpPr>
+          <p:cNvPr id="6" name="직사각형 5">
+            <a:extLst>
+              <a:ext uri="{FF2B5EF4-FFF2-40B4-BE49-F238E27FC236}">
+                <a16:creationId xmlns:a16="http://schemas.microsoft.com/office/drawing/2014/main" id="{54FEE4DC-20BC-4318-81FF-3D2F2B861409}"/>
+              </a:ext>
+            </a:extLst>
+          </p:cNvPr>
+          <p:cNvSpPr/>
+          <p:nvPr/>
+        </p:nvSpPr>
+        <p:spPr>
+          <a:xfrm>
+            <a:off x="5903495" y="3898232"/>
+            <a:ext cx="3673642" cy="866273"/>
+          </a:xfrm>
+          <a:prstGeom prst="rect">
+            <a:avLst/>
+          </a:prstGeom>
+          <a:noFill/>
+          <a:ln w="19050">
+            <a:solidFill>
+              <a:schemeClr val="tx1"/>
+            </a:solidFill>
+          </a:ln>
+        </p:spPr>
+        <p:style>
+          <a:lnRef idx="2">
+            <a:schemeClr val="accent1">
+              <a:shade val="50000"/>
+            </a:schemeClr>
+          </a:lnRef>
+          <a:fillRef idx="1">
+            <a:schemeClr val="accent1"/>
+          </a:fillRef>
+          <a:effectRef idx="0">
+            <a:schemeClr val="accent1"/>
+          </a:effectRef>
+          <a:fontRef idx="minor">
+            <a:schemeClr val="lt1"/>
+          </a:fontRef>
+        </p:style>
+        <p:txBody>
+          <a:bodyPr rtlCol="0" anchor="ctr"/>
+          <a:lstStyle/>
+          <a:p>
+            <a:pPr algn="ctr"/>
+            <a:r>
+              <a:rPr lang="en-US" altLang="ko-KR" dirty="0">
+                <a:solidFill>
+                  <a:schemeClr val="tx1"/>
+                </a:solidFill>
+              </a:rPr>
+              <a:t>Peak detection</a:t>
+            </a:r>
+            <a:endParaRPr lang="ko-KR" altLang="en-US" dirty="0">
+              <a:solidFill>
+                <a:schemeClr val="tx1"/>
+              </a:solidFill>
+            </a:endParaRPr>
+          </a:p>
+        </p:txBody>
+      </p:sp>
+      <p:sp>
+        <p:nvSpPr>
+          <p:cNvPr id="7" name="직사각형 6">
+            <a:extLst>
+              <a:ext uri="{FF2B5EF4-FFF2-40B4-BE49-F238E27FC236}">
+                <a16:creationId xmlns:a16="http://schemas.microsoft.com/office/drawing/2014/main" id="{3B8D4053-7BE9-4D65-85D1-9D1451236264}"/>
+              </a:ext>
+            </a:extLst>
+          </p:cNvPr>
+          <p:cNvSpPr/>
+          <p:nvPr/>
+        </p:nvSpPr>
+        <p:spPr>
+          <a:xfrm>
+            <a:off x="5903495" y="5253790"/>
+            <a:ext cx="3673642" cy="866273"/>
+          </a:xfrm>
+          <a:prstGeom prst="rect">
+            <a:avLst/>
+          </a:prstGeom>
+          <a:noFill/>
+          <a:ln w="19050">
+            <a:solidFill>
+              <a:schemeClr val="tx1"/>
+            </a:solidFill>
+          </a:ln>
+        </p:spPr>
+        <p:style>
+          <a:lnRef idx="2">
+            <a:schemeClr val="accent1">
+              <a:shade val="50000"/>
+            </a:schemeClr>
+          </a:lnRef>
+          <a:fillRef idx="1">
+            <a:schemeClr val="accent1"/>
+          </a:fillRef>
+          <a:effectRef idx="0">
+            <a:schemeClr val="accent1"/>
+          </a:effectRef>
+          <a:fontRef idx="minor">
+            <a:schemeClr val="lt1"/>
+          </a:fontRef>
+        </p:style>
+        <p:txBody>
+          <a:bodyPr rtlCol="0" anchor="ctr"/>
+          <a:lstStyle/>
+          <a:p>
+            <a:pPr algn="ctr"/>
+            <a:r>
+              <a:rPr lang="en-US" altLang="ko-KR" dirty="0">
+                <a:solidFill>
+                  <a:schemeClr val="tx1"/>
+                </a:solidFill>
+              </a:rPr>
+              <a:t>PPI </a:t>
+            </a:r>
+            <a:r>
+              <a:rPr lang="ko-KR" altLang="en-US" dirty="0">
+                <a:solidFill>
+                  <a:schemeClr val="tx1"/>
+                </a:solidFill>
+              </a:rPr>
+              <a:t>추출</a:t>
+            </a:r>
+          </a:p>
+        </p:txBody>
+      </p:sp>
+      <p:sp>
+        <p:nvSpPr>
+          <p:cNvPr id="8" name="직사각형 7">
+            <a:extLst>
+              <a:ext uri="{FF2B5EF4-FFF2-40B4-BE49-F238E27FC236}">
+                <a16:creationId xmlns:a16="http://schemas.microsoft.com/office/drawing/2014/main" id="{435954DC-524B-475A-B878-542E0C478677}"/>
+              </a:ext>
+            </a:extLst>
+          </p:cNvPr>
+          <p:cNvSpPr/>
+          <p:nvPr/>
+        </p:nvSpPr>
+        <p:spPr>
+          <a:xfrm>
+            <a:off x="10356434" y="1864894"/>
+            <a:ext cx="3673642" cy="866273"/>
+          </a:xfrm>
+          <a:prstGeom prst="rect">
+            <a:avLst/>
+          </a:prstGeom>
+          <a:noFill/>
+          <a:ln w="19050">
+            <a:solidFill>
+              <a:schemeClr val="tx1"/>
+            </a:solidFill>
+          </a:ln>
+        </p:spPr>
+        <p:style>
+          <a:lnRef idx="2">
+            <a:schemeClr val="accent1">
+              <a:shade val="50000"/>
+            </a:schemeClr>
+          </a:lnRef>
+          <a:fillRef idx="1">
+            <a:schemeClr val="accent1"/>
+          </a:fillRef>
+          <a:effectRef idx="0">
+            <a:schemeClr val="accent1"/>
+          </a:effectRef>
+          <a:fontRef idx="minor">
+            <a:schemeClr val="lt1"/>
+          </a:fontRef>
+        </p:style>
+        <p:txBody>
+          <a:bodyPr rtlCol="0" anchor="ctr"/>
+          <a:lstStyle/>
+          <a:p>
+            <a:pPr algn="ctr"/>
+            <a:r>
+              <a:rPr lang="en-US" altLang="ko-KR" dirty="0">
+                <a:solidFill>
+                  <a:schemeClr val="tx1"/>
+                </a:solidFill>
+              </a:rPr>
+              <a:t>PPI </a:t>
+            </a:r>
+            <a:r>
+              <a:rPr lang="ko-KR" altLang="en-US" dirty="0">
+                <a:solidFill>
+                  <a:schemeClr val="tx1"/>
+                </a:solidFill>
+              </a:rPr>
+              <a:t>이상 점 제거</a:t>
+            </a:r>
+            <a:r>
+              <a:rPr lang="en-US" altLang="ko-KR" dirty="0">
+                <a:solidFill>
+                  <a:schemeClr val="tx1"/>
+                </a:solidFill>
+              </a:rPr>
+              <a:t>/</a:t>
+            </a:r>
+          </a:p>
+          <a:p>
+            <a:pPr algn="ctr"/>
+            <a:r>
+              <a:rPr lang="en-US" altLang="ko-KR" dirty="0">
+                <a:solidFill>
+                  <a:schemeClr val="tx1"/>
+                </a:solidFill>
+              </a:rPr>
+              <a:t>NNI </a:t>
+            </a:r>
+            <a:r>
+              <a:rPr lang="ko-KR" altLang="en-US" dirty="0">
+                <a:solidFill>
+                  <a:schemeClr val="tx1"/>
+                </a:solidFill>
+              </a:rPr>
+              <a:t>추출</a:t>
+            </a:r>
+          </a:p>
+        </p:txBody>
+      </p:sp>
+      <p:sp>
+        <p:nvSpPr>
+          <p:cNvPr id="9" name="직사각형 8">
+            <a:extLst>
+              <a:ext uri="{FF2B5EF4-FFF2-40B4-BE49-F238E27FC236}">
+                <a16:creationId xmlns:a16="http://schemas.microsoft.com/office/drawing/2014/main" id="{A887D953-83B1-4CA2-B443-125DF07379F6}"/>
+              </a:ext>
+            </a:extLst>
+          </p:cNvPr>
+          <p:cNvSpPr/>
+          <p:nvPr/>
+        </p:nvSpPr>
+        <p:spPr>
+          <a:xfrm>
+            <a:off x="10356434" y="3220452"/>
+            <a:ext cx="3673642" cy="866273"/>
+          </a:xfrm>
+          <a:prstGeom prst="rect">
+            <a:avLst/>
+          </a:prstGeom>
+          <a:noFill/>
+          <a:ln w="19050">
+            <a:solidFill>
+              <a:schemeClr val="tx1"/>
+            </a:solidFill>
+          </a:ln>
+        </p:spPr>
+        <p:style>
+          <a:lnRef idx="2">
+            <a:schemeClr val="accent1">
+              <a:shade val="50000"/>
+            </a:schemeClr>
+          </a:lnRef>
+          <a:fillRef idx="1">
+            <a:schemeClr val="accent1"/>
+          </a:fillRef>
+          <a:effectRef idx="0">
+            <a:schemeClr val="accent1"/>
+          </a:effectRef>
+          <a:fontRef idx="minor">
+            <a:schemeClr val="lt1"/>
+          </a:fontRef>
+        </p:style>
+        <p:txBody>
+          <a:bodyPr rtlCol="0" anchor="ctr"/>
+          <a:lstStyle/>
+          <a:p>
+            <a:pPr algn="ctr"/>
+            <a:r>
+              <a:rPr lang="en-US" altLang="ko-KR" dirty="0">
+                <a:solidFill>
+                  <a:schemeClr val="tx1"/>
+                </a:solidFill>
+              </a:rPr>
+              <a:t>NNI </a:t>
+            </a:r>
+            <a:r>
+              <a:rPr lang="en-US" altLang="ko-KR">
+                <a:solidFill>
+                  <a:schemeClr val="tx1"/>
+                </a:solidFill>
+              </a:rPr>
+              <a:t>FFT </a:t>
+            </a:r>
+            <a:r>
+              <a:rPr lang="ko-KR" altLang="en-US" dirty="0">
+                <a:solidFill>
+                  <a:schemeClr val="tx1"/>
+                </a:solidFill>
+              </a:rPr>
+              <a:t>수행</a:t>
+            </a:r>
+          </a:p>
+        </p:txBody>
+      </p:sp>
+      <p:sp>
+        <p:nvSpPr>
+          <p:cNvPr id="10" name="직사각형 9">
+            <a:extLst>
+              <a:ext uri="{FF2B5EF4-FFF2-40B4-BE49-F238E27FC236}">
+                <a16:creationId xmlns:a16="http://schemas.microsoft.com/office/drawing/2014/main" id="{2111B866-2187-4E73-BD39-E081339F9B1B}"/>
+              </a:ext>
+            </a:extLst>
+          </p:cNvPr>
+          <p:cNvSpPr/>
+          <p:nvPr/>
+        </p:nvSpPr>
+        <p:spPr>
+          <a:xfrm>
+            <a:off x="10356434" y="4708359"/>
+            <a:ext cx="3673642" cy="866273"/>
+          </a:xfrm>
+          <a:prstGeom prst="rect">
+            <a:avLst/>
+          </a:prstGeom>
+          <a:noFill/>
+          <a:ln w="19050">
+            <a:solidFill>
+              <a:schemeClr val="tx1"/>
+            </a:solidFill>
+          </a:ln>
+        </p:spPr>
+        <p:style>
+          <a:lnRef idx="2">
+            <a:schemeClr val="accent1">
+              <a:shade val="50000"/>
+            </a:schemeClr>
+          </a:lnRef>
+          <a:fillRef idx="1">
+            <a:schemeClr val="accent1"/>
+          </a:fillRef>
+          <a:effectRef idx="0">
+            <a:schemeClr val="accent1"/>
+          </a:effectRef>
+          <a:fontRef idx="minor">
+            <a:schemeClr val="lt1"/>
+          </a:fontRef>
+        </p:style>
+        <p:txBody>
+          <a:bodyPr rtlCol="0" anchor="ctr"/>
+          <a:lstStyle/>
+          <a:p>
+            <a:pPr algn="ctr"/>
+            <a:r>
+              <a:rPr lang="en-US" altLang="ko-KR" dirty="0">
+                <a:solidFill>
+                  <a:schemeClr val="tx1"/>
+                </a:solidFill>
+              </a:rPr>
+              <a:t>HRV </a:t>
+            </a:r>
+            <a:r>
+              <a:rPr lang="ko-KR" altLang="en-US" dirty="0">
+                <a:solidFill>
+                  <a:schemeClr val="tx1"/>
+                </a:solidFill>
+              </a:rPr>
+              <a:t>분석</a:t>
+            </a:r>
+          </a:p>
+        </p:txBody>
+      </p:sp>
+      <p:cxnSp>
+        <p:nvCxnSpPr>
+          <p:cNvPr id="12" name="직선 화살표 연결선 11">
+            <a:extLst>
+              <a:ext uri="{FF2B5EF4-FFF2-40B4-BE49-F238E27FC236}">
+                <a16:creationId xmlns:a16="http://schemas.microsoft.com/office/drawing/2014/main" id="{FF280022-65E6-433B-AE33-2A587311AD16}"/>
+              </a:ext>
+            </a:extLst>
+          </p:cNvPr>
+          <p:cNvCxnSpPr>
+            <a:stCxn id="4" idx="2"/>
+            <a:endCxn id="5" idx="0"/>
+          </p:cNvCxnSpPr>
+          <p:nvPr/>
+        </p:nvCxnSpPr>
+        <p:spPr>
+          <a:xfrm>
+            <a:off x="7740316" y="2053389"/>
+            <a:ext cx="0" cy="489285"/>
+          </a:xfrm>
+          <a:prstGeom prst="straightConnector1">
+            <a:avLst/>
+          </a:prstGeom>
+          <a:ln w="38100">
+            <a:solidFill>
+              <a:schemeClr val="tx1"/>
+            </a:solidFill>
+            <a:tailEnd type="triangle"/>
+          </a:ln>
+        </p:spPr>
+        <p:style>
+          <a:lnRef idx="1">
+            <a:schemeClr val="accent1"/>
+          </a:lnRef>
+          <a:fillRef idx="0">
+            <a:schemeClr val="accent1"/>
+          </a:fillRef>
+          <a:effectRef idx="0">
+            <a:schemeClr val="accent1"/>
+          </a:effectRef>
+          <a:fontRef idx="minor">
+            <a:schemeClr val="tx1"/>
+          </a:fontRef>
+        </p:style>
+      </p:cxnSp>
+      <p:cxnSp>
+        <p:nvCxnSpPr>
+          <p:cNvPr id="13" name="직선 화살표 연결선 12">
+            <a:extLst>
+              <a:ext uri="{FF2B5EF4-FFF2-40B4-BE49-F238E27FC236}">
+                <a16:creationId xmlns:a16="http://schemas.microsoft.com/office/drawing/2014/main" id="{91EB5D1B-4C6D-44BD-9FF1-B1049879D837}"/>
+              </a:ext>
+            </a:extLst>
+          </p:cNvPr>
+          <p:cNvCxnSpPr/>
+          <p:nvPr/>
+        </p:nvCxnSpPr>
+        <p:spPr>
+          <a:xfrm>
+            <a:off x="7740316" y="3408947"/>
+            <a:ext cx="0" cy="489285"/>
+          </a:xfrm>
+          <a:prstGeom prst="straightConnector1">
+            <a:avLst/>
+          </a:prstGeom>
+          <a:ln w="38100">
+            <a:solidFill>
+              <a:schemeClr val="tx1"/>
+            </a:solidFill>
+            <a:tailEnd type="triangle"/>
+          </a:ln>
+        </p:spPr>
+        <p:style>
+          <a:lnRef idx="1">
+            <a:schemeClr val="accent1"/>
+          </a:lnRef>
+          <a:fillRef idx="0">
+            <a:schemeClr val="accent1"/>
+          </a:fillRef>
+          <a:effectRef idx="0">
+            <a:schemeClr val="accent1"/>
+          </a:effectRef>
+          <a:fontRef idx="minor">
+            <a:schemeClr val="tx1"/>
+          </a:fontRef>
+        </p:style>
+      </p:cxnSp>
+      <p:cxnSp>
+        <p:nvCxnSpPr>
+          <p:cNvPr id="14" name="직선 화살표 연결선 13">
+            <a:extLst>
+              <a:ext uri="{FF2B5EF4-FFF2-40B4-BE49-F238E27FC236}">
+                <a16:creationId xmlns:a16="http://schemas.microsoft.com/office/drawing/2014/main" id="{C0F09498-2E66-4DF5-9162-9B81A388954A}"/>
+              </a:ext>
+            </a:extLst>
+          </p:cNvPr>
+          <p:cNvCxnSpPr/>
+          <p:nvPr/>
+        </p:nvCxnSpPr>
+        <p:spPr>
+          <a:xfrm>
+            <a:off x="7740316" y="4764505"/>
+            <a:ext cx="0" cy="489285"/>
+          </a:xfrm>
+          <a:prstGeom prst="straightConnector1">
+            <a:avLst/>
+          </a:prstGeom>
+          <a:ln w="38100">
+            <a:solidFill>
+              <a:schemeClr val="tx1"/>
+            </a:solidFill>
+            <a:tailEnd type="triangle"/>
+          </a:ln>
+        </p:spPr>
+        <p:style>
+          <a:lnRef idx="1">
+            <a:schemeClr val="accent1"/>
+          </a:lnRef>
+          <a:fillRef idx="0">
+            <a:schemeClr val="accent1"/>
+          </a:fillRef>
+          <a:effectRef idx="0">
+            <a:schemeClr val="accent1"/>
+          </a:effectRef>
+          <a:fontRef idx="minor">
+            <a:schemeClr val="tx1"/>
+          </a:fontRef>
+        </p:style>
+      </p:cxnSp>
+      <p:cxnSp>
+        <p:nvCxnSpPr>
+          <p:cNvPr id="16" name="직선 화살표 연결선 15">
+            <a:extLst>
+              <a:ext uri="{FF2B5EF4-FFF2-40B4-BE49-F238E27FC236}">
+                <a16:creationId xmlns:a16="http://schemas.microsoft.com/office/drawing/2014/main" id="{CED4E862-F940-403D-AAFD-B0812A48DF0D}"/>
+              </a:ext>
+            </a:extLst>
+          </p:cNvPr>
+          <p:cNvCxnSpPr/>
+          <p:nvPr/>
+        </p:nvCxnSpPr>
+        <p:spPr>
+          <a:xfrm>
+            <a:off x="12193255" y="2731167"/>
+            <a:ext cx="0" cy="489285"/>
+          </a:xfrm>
+          <a:prstGeom prst="straightConnector1">
+            <a:avLst/>
+          </a:prstGeom>
+          <a:ln w="38100">
+            <a:solidFill>
+              <a:schemeClr val="tx1"/>
+            </a:solidFill>
+            <a:tailEnd type="triangle"/>
+          </a:ln>
+        </p:spPr>
+        <p:style>
+          <a:lnRef idx="1">
+            <a:schemeClr val="accent1"/>
+          </a:lnRef>
+          <a:fillRef idx="0">
+            <a:schemeClr val="accent1"/>
+          </a:fillRef>
+          <a:effectRef idx="0">
+            <a:schemeClr val="accent1"/>
+          </a:effectRef>
+          <a:fontRef idx="minor">
+            <a:schemeClr val="tx1"/>
+          </a:fontRef>
+        </p:style>
+      </p:cxnSp>
+      <p:cxnSp>
+        <p:nvCxnSpPr>
+          <p:cNvPr id="19" name="직선 화살표 연결선 18">
+            <a:extLst>
+              <a:ext uri="{FF2B5EF4-FFF2-40B4-BE49-F238E27FC236}">
+                <a16:creationId xmlns:a16="http://schemas.microsoft.com/office/drawing/2014/main" id="{5E106FFD-C7C1-4F84-9FD2-123C643391C2}"/>
+              </a:ext>
+            </a:extLst>
+          </p:cNvPr>
+          <p:cNvCxnSpPr/>
+          <p:nvPr/>
+        </p:nvCxnSpPr>
+        <p:spPr>
+          <a:xfrm>
+            <a:off x="12217318" y="4086725"/>
+            <a:ext cx="0" cy="489285"/>
+          </a:xfrm>
+          <a:prstGeom prst="straightConnector1">
+            <a:avLst/>
+          </a:prstGeom>
+          <a:ln w="38100">
+            <a:solidFill>
+              <a:schemeClr val="tx1"/>
+            </a:solidFill>
+            <a:tailEnd type="triangle"/>
+          </a:ln>
+        </p:spPr>
+        <p:style>
+          <a:lnRef idx="1">
+            <a:schemeClr val="accent1"/>
+          </a:lnRef>
+          <a:fillRef idx="0">
+            <a:schemeClr val="accent1"/>
+          </a:fillRef>
+          <a:effectRef idx="0">
+            <a:schemeClr val="accent1"/>
+          </a:effectRef>
+          <a:fontRef idx="minor">
+            <a:schemeClr val="tx1"/>
+          </a:fontRef>
+        </p:style>
+      </p:cxnSp>
+      <p:cxnSp>
+        <p:nvCxnSpPr>
+          <p:cNvPr id="21" name="연결선: 꺾임 20">
+            <a:extLst>
+              <a:ext uri="{FF2B5EF4-FFF2-40B4-BE49-F238E27FC236}">
+                <a16:creationId xmlns:a16="http://schemas.microsoft.com/office/drawing/2014/main" id="{A6908F62-175F-4D62-8BC9-C689C0A1C55E}"/>
+              </a:ext>
+            </a:extLst>
+          </p:cNvPr>
+          <p:cNvCxnSpPr>
+            <a:stCxn id="7" idx="2"/>
+            <a:endCxn id="8" idx="0"/>
+          </p:cNvCxnSpPr>
+          <p:nvPr/>
+        </p:nvCxnSpPr>
+        <p:spPr>
+          <a:xfrm rot="5400000" flipH="1" flipV="1">
+            <a:off x="7839200" y="1766009"/>
+            <a:ext cx="4255169" cy="4452939"/>
+          </a:xfrm>
+          <a:prstGeom prst="bentConnector5">
+            <a:avLst>
+              <a:gd name="adj1" fmla="val -5372"/>
+              <a:gd name="adj2" fmla="val 50000"/>
+              <a:gd name="adj3" fmla="val 105372"/>
+            </a:avLst>
+          </a:prstGeom>
+          <a:ln w="28575">
+            <a:solidFill>
+              <a:schemeClr val="tx1"/>
+            </a:solidFill>
+            <a:tailEnd type="triangle"/>
+          </a:ln>
+        </p:spPr>
+        <p:style>
+          <a:lnRef idx="1">
+            <a:schemeClr val="accent1"/>
+          </a:lnRef>
+          <a:fillRef idx="0">
+            <a:schemeClr val="accent1"/>
+          </a:fillRef>
+          <a:effectRef idx="0">
+            <a:schemeClr val="accent1"/>
+          </a:effectRef>
+          <a:fontRef idx="minor">
+            <a:schemeClr val="tx1"/>
+          </a:fontRef>
+        </p:style>
+      </p:cxnSp>
+    </p:spTree>
+    <p:extLst>
+      <p:ext uri="{BB962C8B-B14F-4D97-AF65-F5344CB8AC3E}">
+        <p14:creationId xmlns:p14="http://schemas.microsoft.com/office/powerpoint/2010/main" val="742168581"/>
       </p:ext>
     </p:extLst>
   </p:cSld>
